--- a/INTERCAMBIO ELECTRONICO DE DATOS.pptx
+++ b/INTERCAMBIO ELECTRONICO DE DATOS.pptx
@@ -2,7 +2,7 @@
 <file path=ppt/presentation.xml><?xml version="1.0" encoding="utf-8"?>
 <p:presentation xmlns:a="http://schemas.openxmlformats.org/drawingml/2006/main" xmlns:r="http://schemas.openxmlformats.org/officeDocument/2006/relationships" xmlns:p="http://schemas.openxmlformats.org/presentationml/2006/main" saveSubsetFonts="1">
   <p:sldMasterIdLst>
-    <p:sldMasterId id="2147483648" r:id="rId1"/>
+    <p:sldMasterId id="2147483660" r:id="rId1"/>
   </p:sldMasterIdLst>
   <p:sldIdLst>
     <p:sldId id="256" r:id="rId2"/>
@@ -11,10 +11,10 @@
     <p:sldId id="260" r:id="rId5"/>
     <p:sldId id="264" r:id="rId6"/>
     <p:sldId id="262" r:id="rId7"/>
-    <p:sldId id="263" r:id="rId8"/>
-    <p:sldId id="265" r:id="rId9"/>
-    <p:sldId id="257" r:id="rId10"/>
-    <p:sldId id="266" r:id="rId11"/>
+    <p:sldId id="268" r:id="rId8"/>
+    <p:sldId id="269" r:id="rId9"/>
+    <p:sldId id="263" r:id="rId10"/>
+    <p:sldId id="265" r:id="rId11"/>
     <p:sldId id="258" r:id="rId12"/>
   </p:sldIdLst>
   <p:sldSz cx="12192000" cy="6858000"/>
@@ -116,7 +116,7 @@
   </p:defaultTextStyle>
   <p:extLst>
     <p:ext uri="{EFAFB233-063F-42B5-8137-9DF3F51BA10A}">
-      <p15:sldGuideLst xmlns:p15="http://schemas.microsoft.com/office/powerpoint/2012/main">
+      <p15:sldGuideLst xmlns:p15="http://schemas.microsoft.com/office/powerpoint/2012/main" xmlns="">
         <p15:guide id="1" orient="horz" pos="2160" userDrawn="1">
           <p15:clr>
             <a:srgbClr val="A4A3A4"/>
@@ -134,7 +134,7 @@
 </file>
 
 <file path=ppt/slideLayouts/slideLayout1.xml><?xml version="1.0" encoding="utf-8"?>
-<p:sldLayout xmlns:a="http://schemas.openxmlformats.org/drawingml/2006/main" xmlns:r="http://schemas.openxmlformats.org/officeDocument/2006/relationships" xmlns:p="http://schemas.openxmlformats.org/presentationml/2006/main" type="title" preserve="1">
+<p:sldLayout xmlns:a="http://schemas.openxmlformats.org/drawingml/2006/main" xmlns:r="http://schemas.openxmlformats.org/officeDocument/2006/relationships" xmlns:p="http://schemas.openxmlformats.org/presentationml/2006/main" showMasterSp="0" type="title" preserve="1">
   <p:cSld name="Diapositiva de título">
     <p:spTree>
       <p:nvGrpSpPr>
@@ -152,90 +152,381 @@
       </p:grpSpPr>
       <p:sp>
         <p:nvSpPr>
-          <p:cNvPr id="2" name="Título 1"/>
-          <p:cNvSpPr>
-            <a:spLocks noGrp="1"/>
-          </p:cNvSpPr>
-          <p:nvPr>
-            <p:ph type="ctrTitle"/>
-          </p:nvPr>
+          <p:cNvPr id="11" name="Rectangle 10"/>
+          <p:cNvSpPr/>
+          <p:nvPr/>
         </p:nvSpPr>
         <p:spPr>
           <a:xfrm>
-            <a:off x="1524000" y="1122363"/>
-            <a:ext cx="9144000" cy="2387600"/>
-          </a:xfrm>
-        </p:spPr>
-        <p:txBody>
-          <a:bodyPr anchor="b"/>
+            <a:off x="0" y="3866920"/>
+            <a:ext cx="12192000" cy="2991080"/>
+          </a:xfrm>
+          <a:prstGeom prst="rect">
+            <a:avLst/>
+          </a:prstGeom>
+          <a:gradFill>
+            <a:gsLst>
+              <a:gs pos="0">
+                <a:schemeClr val="bg1">
+                  <a:alpha val="91000"/>
+                </a:schemeClr>
+              </a:gs>
+              <a:gs pos="37000">
+                <a:schemeClr val="bg1">
+                  <a:alpha val="76000"/>
+                </a:schemeClr>
+              </a:gs>
+              <a:gs pos="100000">
+                <a:schemeClr val="bg2">
+                  <a:alpha val="79000"/>
+                </a:schemeClr>
+              </a:gs>
+            </a:gsLst>
+            <a:path path="circle">
+              <a:fillToRect l="50000" t="50000" r="50000" b="50000"/>
+            </a:path>
+          </a:gradFill>
+          <a:ln>
+            <a:noFill/>
+          </a:ln>
+        </p:spPr>
+        <p:style>
+          <a:lnRef idx="2">
+            <a:schemeClr val="accent1">
+              <a:shade val="50000"/>
+            </a:schemeClr>
+          </a:lnRef>
+          <a:fillRef idx="1">
+            <a:schemeClr val="accent1"/>
+          </a:fillRef>
+          <a:effectRef idx="0">
+            <a:schemeClr val="accent1"/>
+          </a:effectRef>
+          <a:fontRef idx="minor">
+            <a:schemeClr val="lt1"/>
+          </a:fontRef>
+        </p:style>
+        <p:txBody>
+          <a:bodyPr rtlCol="0" anchor="ctr"/>
+          <a:lstStyle/>
+          <a:p>
+            <a:pPr algn="ctr"/>
+            <a:endParaRPr lang="en-US"/>
+          </a:p>
+        </p:txBody>
+      </p:sp>
+      <p:sp>
+        <p:nvSpPr>
+          <p:cNvPr id="12" name="Rectangle 11"/>
+          <p:cNvSpPr/>
+          <p:nvPr/>
+        </p:nvSpPr>
+        <p:spPr>
+          <a:xfrm>
+            <a:off x="0" y="0"/>
+            <a:ext cx="12192000" cy="3866920"/>
+          </a:xfrm>
+          <a:prstGeom prst="rect">
+            <a:avLst/>
+          </a:prstGeom>
+          <a:gradFill flip="none" rotWithShape="1">
+            <a:gsLst>
+              <a:gs pos="0">
+                <a:schemeClr val="bg1">
+                  <a:alpha val="89000"/>
+                </a:schemeClr>
+              </a:gs>
+              <a:gs pos="48000">
+                <a:schemeClr val="bg1">
+                  <a:alpha val="62000"/>
+                </a:schemeClr>
+              </a:gs>
+              <a:gs pos="100000">
+                <a:schemeClr val="bg2">
+                  <a:alpha val="79000"/>
+                </a:schemeClr>
+              </a:gs>
+            </a:gsLst>
+            <a:path path="circle">
+              <a:fillToRect l="50000" t="50000" r="50000" b="50000"/>
+            </a:path>
+            <a:tileRect/>
+          </a:gradFill>
+          <a:ln>
+            <a:noFill/>
+          </a:ln>
+        </p:spPr>
+        <p:style>
+          <a:lnRef idx="2">
+            <a:schemeClr val="accent1">
+              <a:shade val="50000"/>
+            </a:schemeClr>
+          </a:lnRef>
+          <a:fillRef idx="1">
+            <a:schemeClr val="accent1"/>
+          </a:fillRef>
+          <a:effectRef idx="0">
+            <a:schemeClr val="accent1"/>
+          </a:effectRef>
+          <a:fontRef idx="minor">
+            <a:schemeClr val="lt1"/>
+          </a:fontRef>
+        </p:style>
+        <p:txBody>
+          <a:bodyPr rtlCol="0" anchor="ctr"/>
+          <a:lstStyle/>
+          <a:p>
+            <a:pPr algn="ctr"/>
+            <a:endParaRPr lang="en-US" dirty="0"/>
+          </a:p>
+        </p:txBody>
+      </p:sp>
+      <p:sp>
+        <p:nvSpPr>
+          <p:cNvPr id="13" name="Rectangle 12"/>
+          <p:cNvSpPr/>
+          <p:nvPr/>
+        </p:nvSpPr>
+        <p:spPr>
+          <a:xfrm>
+            <a:off x="0" y="2652311"/>
+            <a:ext cx="12192000" cy="2286000"/>
+          </a:xfrm>
+          <a:prstGeom prst="rect">
+            <a:avLst/>
+          </a:prstGeom>
+          <a:gradFill flip="none" rotWithShape="1">
+            <a:gsLst>
+              <a:gs pos="0">
+                <a:schemeClr val="bg1">
+                  <a:alpha val="0"/>
+                </a:schemeClr>
+              </a:gs>
+              <a:gs pos="29000">
+                <a:schemeClr val="bg1">
+                  <a:alpha val="30000"/>
+                </a:schemeClr>
+              </a:gs>
+              <a:gs pos="45000">
+                <a:schemeClr val="bg2">
+                  <a:alpha val="40000"/>
+                </a:schemeClr>
+              </a:gs>
+              <a:gs pos="55000">
+                <a:schemeClr val="bg1">
+                  <a:alpha val="26000"/>
+                </a:schemeClr>
+              </a:gs>
+              <a:gs pos="65000">
+                <a:schemeClr val="bg2">
+                  <a:alpha val="60000"/>
+                </a:schemeClr>
+              </a:gs>
+              <a:gs pos="100000">
+                <a:schemeClr val="bg1">
+                  <a:alpha val="0"/>
+                </a:schemeClr>
+              </a:gs>
+            </a:gsLst>
+            <a:lin ang="5400000" scaled="0"/>
+            <a:tileRect/>
+          </a:gradFill>
+          <a:ln>
+            <a:noFill/>
+          </a:ln>
+        </p:spPr>
+        <p:style>
+          <a:lnRef idx="2">
+            <a:schemeClr val="accent1">
+              <a:shade val="50000"/>
+            </a:schemeClr>
+          </a:lnRef>
+          <a:fillRef idx="1">
+            <a:schemeClr val="accent1"/>
+          </a:fillRef>
+          <a:effectRef idx="0">
+            <a:schemeClr val="accent1"/>
+          </a:effectRef>
+          <a:fontRef idx="minor">
+            <a:schemeClr val="lt1"/>
+          </a:fontRef>
+        </p:style>
+        <p:txBody>
+          <a:bodyPr rtlCol="0" anchor="ctr"/>
+          <a:lstStyle/>
+          <a:p>
+            <a:pPr algn="ctr"/>
+            <a:endParaRPr lang="en-US"/>
+          </a:p>
+        </p:txBody>
+      </p:sp>
+      <p:sp>
+        <p:nvSpPr>
+          <p:cNvPr id="14" name="Oval 13"/>
+          <p:cNvSpPr/>
+          <p:nvPr/>
+        </p:nvSpPr>
+        <p:spPr>
+          <a:xfrm>
+            <a:off x="0" y="1600200"/>
+            <a:ext cx="12192000" cy="5105400"/>
+          </a:xfrm>
+          <a:prstGeom prst="ellipse">
+            <a:avLst/>
+          </a:prstGeom>
+          <a:gradFill flip="none" rotWithShape="1">
+            <a:gsLst>
+              <a:gs pos="0">
+                <a:schemeClr val="bg1"/>
+              </a:gs>
+              <a:gs pos="54000">
+                <a:schemeClr val="bg1">
+                  <a:alpha val="0"/>
+                </a:schemeClr>
+              </a:gs>
+            </a:gsLst>
+            <a:path path="circle">
+              <a:fillToRect l="50000" t="50000" r="50000" b="50000"/>
+            </a:path>
+            <a:tileRect/>
+          </a:gradFill>
+          <a:ln>
+            <a:noFill/>
+          </a:ln>
+        </p:spPr>
+        <p:style>
+          <a:lnRef idx="2">
+            <a:schemeClr val="accent1">
+              <a:shade val="50000"/>
+            </a:schemeClr>
+          </a:lnRef>
+          <a:fillRef idx="1">
+            <a:schemeClr val="accent1"/>
+          </a:fillRef>
+          <a:effectRef idx="0">
+            <a:schemeClr val="accent1"/>
+          </a:effectRef>
+          <a:fontRef idx="minor">
+            <a:schemeClr val="lt1"/>
+          </a:fontRef>
+        </p:style>
+        <p:txBody>
+          <a:bodyPr rtlCol="0" anchor="ctr"/>
+          <a:lstStyle/>
+          <a:p>
+            <a:pPr algn="ctr"/>
+            <a:endParaRPr lang="en-US"/>
+          </a:p>
+        </p:txBody>
+      </p:sp>
+      <p:sp>
+        <p:nvSpPr>
+          <p:cNvPr id="3" name="Subtitle 2"/>
+          <p:cNvSpPr>
+            <a:spLocks noGrp="1"/>
+          </p:cNvSpPr>
+          <p:nvPr>
+            <p:ph type="subTitle" idx="1"/>
+          </p:nvPr>
+        </p:nvSpPr>
+        <p:spPr>
+          <a:xfrm>
+            <a:off x="1965060" y="5052546"/>
+            <a:ext cx="7516013" cy="882119"/>
+          </a:xfrm>
+        </p:spPr>
+        <p:txBody>
+          <a:bodyPr>
+            <a:normAutofit/>
+          </a:bodyPr>
           <a:lstStyle>
-            <a:lvl1pPr algn="ctr">
-              <a:defRPr sz="6000"/>
-            </a:lvl1pPr>
-          </a:lstStyle>
-          <a:p>
-            <a:r>
-              <a:rPr lang="es-ES" smtClean="0"/>
-              <a:t>Haga clic para modificar el estilo de título del patrón</a:t>
-            </a:r>
-            <a:endParaRPr lang="es-PE"/>
-          </a:p>
-        </p:txBody>
-      </p:sp>
-      <p:sp>
-        <p:nvSpPr>
-          <p:cNvPr id="3" name="Subtítulo 2"/>
-          <p:cNvSpPr>
-            <a:spLocks noGrp="1"/>
-          </p:cNvSpPr>
-          <p:nvPr>
-            <p:ph type="subTitle" idx="1"/>
-          </p:nvPr>
-        </p:nvSpPr>
-        <p:spPr>
-          <a:xfrm>
-            <a:off x="1524000" y="3602038"/>
-            <a:ext cx="9144000" cy="1655762"/>
-          </a:xfrm>
-        </p:spPr>
-        <p:txBody>
-          <a:bodyPr/>
-          <a:lstStyle>
-            <a:lvl1pPr marL="0" indent="0" algn="ctr">
-              <a:buNone/>
-              <a:defRPr sz="2400"/>
+            <a:lvl1pPr marL="0" indent="0" algn="l">
+              <a:buNone/>
+              <a:defRPr sz="2200">
+                <a:solidFill>
+                  <a:schemeClr val="tx2"/>
+                </a:solidFill>
+              </a:defRPr>
             </a:lvl1pPr>
             <a:lvl2pPr marL="457200" indent="0" algn="ctr">
               <a:buNone/>
-              <a:defRPr sz="2000"/>
+              <a:defRPr>
+                <a:solidFill>
+                  <a:schemeClr val="tx1">
+                    <a:tint val="75000"/>
+                  </a:schemeClr>
+                </a:solidFill>
+              </a:defRPr>
             </a:lvl2pPr>
             <a:lvl3pPr marL="914400" indent="0" algn="ctr">
               <a:buNone/>
-              <a:defRPr sz="1800"/>
+              <a:defRPr>
+                <a:solidFill>
+                  <a:schemeClr val="tx1">
+                    <a:tint val="75000"/>
+                  </a:schemeClr>
+                </a:solidFill>
+              </a:defRPr>
             </a:lvl3pPr>
             <a:lvl4pPr marL="1371600" indent="0" algn="ctr">
               <a:buNone/>
-              <a:defRPr sz="1600"/>
+              <a:defRPr>
+                <a:solidFill>
+                  <a:schemeClr val="tx1">
+                    <a:tint val="75000"/>
+                  </a:schemeClr>
+                </a:solidFill>
+              </a:defRPr>
             </a:lvl4pPr>
             <a:lvl5pPr marL="1828800" indent="0" algn="ctr">
               <a:buNone/>
-              <a:defRPr sz="1600"/>
+              <a:defRPr>
+                <a:solidFill>
+                  <a:schemeClr val="tx1">
+                    <a:tint val="75000"/>
+                  </a:schemeClr>
+                </a:solidFill>
+              </a:defRPr>
             </a:lvl5pPr>
             <a:lvl6pPr marL="2286000" indent="0" algn="ctr">
               <a:buNone/>
-              <a:defRPr sz="1600"/>
+              <a:defRPr>
+                <a:solidFill>
+                  <a:schemeClr val="tx1">
+                    <a:tint val="75000"/>
+                  </a:schemeClr>
+                </a:solidFill>
+              </a:defRPr>
             </a:lvl6pPr>
             <a:lvl7pPr marL="2743200" indent="0" algn="ctr">
               <a:buNone/>
-              <a:defRPr sz="1600"/>
+              <a:defRPr>
+                <a:solidFill>
+                  <a:schemeClr val="tx1">
+                    <a:tint val="75000"/>
+                  </a:schemeClr>
+                </a:solidFill>
+              </a:defRPr>
             </a:lvl7pPr>
             <a:lvl8pPr marL="3200400" indent="0" algn="ctr">
               <a:buNone/>
-              <a:defRPr sz="1600"/>
+              <a:defRPr>
+                <a:solidFill>
+                  <a:schemeClr val="tx1">
+                    <a:tint val="75000"/>
+                  </a:schemeClr>
+                </a:solidFill>
+              </a:defRPr>
             </a:lvl8pPr>
             <a:lvl9pPr marL="3657600" indent="0" algn="ctr">
               <a:buNone/>
-              <a:defRPr sz="1600"/>
+              <a:defRPr>
+                <a:solidFill>
+                  <a:schemeClr val="tx1">
+                    <a:tint val="75000"/>
+                  </a:schemeClr>
+                </a:solidFill>
+              </a:defRPr>
             </a:lvl9pPr>
           </a:lstStyle>
           <a:p>
@@ -243,13 +534,13 @@
               <a:rPr lang="es-ES" smtClean="0"/>
               <a:t>Haga clic para modificar el estilo de subtítulo del patrón</a:t>
             </a:r>
-            <a:endParaRPr lang="es-PE"/>
-          </a:p>
-        </p:txBody>
-      </p:sp>
-      <p:sp>
-        <p:nvSpPr>
-          <p:cNvPr id="4" name="Marcador de fecha 3"/>
+            <a:endParaRPr lang="en-US" dirty="0"/>
+          </a:p>
+        </p:txBody>
+      </p:sp>
+      <p:sp>
+        <p:nvSpPr>
+          <p:cNvPr id="4" name="Date Placeholder 3"/>
           <p:cNvSpPr>
             <a:spLocks noGrp="1"/>
           </p:cNvSpPr>
@@ -264,7 +555,7 @@
           <a:p>
             <a:fld id="{926A55A3-003D-46A9-AD7C-327658280F0F}" type="datetimeFigureOut">
               <a:rPr lang="es-PE" smtClean="0"/>
-              <a:t>15/12/2016</a:t>
+              <a:t>20/12/2016</a:t>
             </a:fld>
             <a:endParaRPr lang="es-PE"/>
           </a:p>
@@ -272,7 +563,7 @@
       </p:sp>
       <p:sp>
         <p:nvSpPr>
-          <p:cNvPr id="5" name="Marcador de pie de página 4"/>
+          <p:cNvPr id="5" name="Footer Placeholder 4"/>
           <p:cNvSpPr>
             <a:spLocks noGrp="1"/>
           </p:cNvSpPr>
@@ -291,7 +582,7 @@
       </p:sp>
       <p:sp>
         <p:nvSpPr>
-          <p:cNvPr id="6" name="Marcador de número de diapositiva 5"/>
+          <p:cNvPr id="6" name="Slide Number Placeholder 5"/>
           <p:cNvSpPr>
             <a:spLocks noGrp="1"/>
           </p:cNvSpPr>
@@ -312,16 +603,53 @@
           </a:p>
         </p:txBody>
       </p:sp>
+      <p:sp>
+        <p:nvSpPr>
+          <p:cNvPr id="2" name="Title 1"/>
+          <p:cNvSpPr>
+            <a:spLocks noGrp="1"/>
+          </p:cNvSpPr>
+          <p:nvPr>
+            <p:ph type="ctrTitle"/>
+          </p:nvPr>
+        </p:nvSpPr>
+        <p:spPr>
+          <a:xfrm>
+            <a:off x="1090109" y="3132290"/>
+            <a:ext cx="9567135" cy="1793167"/>
+          </a:xfrm>
+          <a:effectLst/>
+        </p:spPr>
+        <p:txBody>
+          <a:bodyPr>
+            <a:noAutofit/>
+          </a:bodyPr>
+          <a:lstStyle>
+            <a:lvl1pPr marL="640080" indent="-457200" algn="l">
+              <a:defRPr sz="5400"/>
+            </a:lvl1pPr>
+          </a:lstStyle>
+          <a:p>
+            <a:r>
+              <a:rPr lang="es-ES" smtClean="0"/>
+              <a:t>Haga clic para modificar el estilo de título del patrón</a:t>
+            </a:r>
+            <a:endParaRPr lang="en-US" dirty="0"/>
+          </a:p>
+        </p:txBody>
+      </p:sp>
     </p:spTree>
-    <p:extLst>
-      <p:ext uri="{BB962C8B-B14F-4D97-AF65-F5344CB8AC3E}">
-        <p14:creationId xmlns:p14="http://schemas.microsoft.com/office/powerpoint/2010/main" val="896477505"/>
-      </p:ext>
-    </p:extLst>
   </p:cSld>
   <p:clrMapOvr>
     <a:masterClrMapping/>
   </p:clrMapOvr>
+  <p:timing>
+    <p:tnLst>
+      <p:par>
+        <p:cTn id="1" dur="indefinite" restart="never" nodeType="tmRoot"/>
+      </p:par>
+    </p:tnLst>
+  </p:timing>
 </p:sldLayout>
 </file>
 
@@ -344,7 +672,7 @@
       </p:grpSpPr>
       <p:sp>
         <p:nvSpPr>
-          <p:cNvPr id="2" name="Título 1"/>
+          <p:cNvPr id="2" name="Title 1"/>
           <p:cNvSpPr>
             <a:spLocks noGrp="1"/>
           </p:cNvSpPr>
@@ -361,13 +689,13 @@
               <a:rPr lang="es-ES" smtClean="0"/>
               <a:t>Haga clic para modificar el estilo de título del patrón</a:t>
             </a:r>
-            <a:endParaRPr lang="es-PE"/>
-          </a:p>
-        </p:txBody>
-      </p:sp>
-      <p:sp>
-        <p:nvSpPr>
-          <p:cNvPr id="3" name="Marcador de texto vertical 2"/>
+            <a:endParaRPr lang="en-US"/>
+          </a:p>
+        </p:txBody>
+      </p:sp>
+      <p:sp>
+        <p:nvSpPr>
+          <p:cNvPr id="3" name="Vertical Text Placeholder 2"/>
           <p:cNvSpPr>
             <a:spLocks noGrp="1"/>
           </p:cNvSpPr>
@@ -375,7 +703,12 @@
             <p:ph type="body" orient="vert" idx="1"/>
           </p:nvPr>
         </p:nvSpPr>
-        <p:spPr/>
+        <p:spPr>
+          <a:xfrm>
+            <a:off x="2540000" y="731519"/>
+            <a:ext cx="8534400" cy="3474720"/>
+          </a:xfrm>
+        </p:spPr>
         <p:txBody>
           <a:bodyPr vert="eaVert"/>
           <a:lstStyle/>
@@ -413,13 +746,13 @@
               <a:rPr lang="es-ES" smtClean="0"/>
               <a:t>Quinto nivel</a:t>
             </a:r>
-            <a:endParaRPr lang="es-PE"/>
-          </a:p>
-        </p:txBody>
-      </p:sp>
-      <p:sp>
-        <p:nvSpPr>
-          <p:cNvPr id="4" name="Marcador de fecha 3"/>
+            <a:endParaRPr lang="en-US"/>
+          </a:p>
+        </p:txBody>
+      </p:sp>
+      <p:sp>
+        <p:nvSpPr>
+          <p:cNvPr id="4" name="Date Placeholder 3"/>
           <p:cNvSpPr>
             <a:spLocks noGrp="1"/>
           </p:cNvSpPr>
@@ -434,7 +767,7 @@
           <a:p>
             <a:fld id="{926A55A3-003D-46A9-AD7C-327658280F0F}" type="datetimeFigureOut">
               <a:rPr lang="es-PE" smtClean="0"/>
-              <a:t>15/12/2016</a:t>
+              <a:t>20/12/2016</a:t>
             </a:fld>
             <a:endParaRPr lang="es-PE"/>
           </a:p>
@@ -442,7 +775,7 @@
       </p:sp>
       <p:sp>
         <p:nvSpPr>
-          <p:cNvPr id="5" name="Marcador de pie de página 4"/>
+          <p:cNvPr id="5" name="Footer Placeholder 4"/>
           <p:cNvSpPr>
             <a:spLocks noGrp="1"/>
           </p:cNvSpPr>
@@ -461,7 +794,7 @@
       </p:sp>
       <p:sp>
         <p:nvSpPr>
-          <p:cNvPr id="6" name="Marcador de número de diapositiva 5"/>
+          <p:cNvPr id="6" name="Slide Number Placeholder 5"/>
           <p:cNvSpPr>
             <a:spLocks noGrp="1"/>
           </p:cNvSpPr>
@@ -483,15 +816,17 @@
         </p:txBody>
       </p:sp>
     </p:spTree>
-    <p:extLst>
-      <p:ext uri="{BB962C8B-B14F-4D97-AF65-F5344CB8AC3E}">
-        <p14:creationId xmlns:p14="http://schemas.microsoft.com/office/powerpoint/2010/main" val="2112600880"/>
-      </p:ext>
-    </p:extLst>
   </p:cSld>
   <p:clrMapOvr>
     <a:masterClrMapping/>
   </p:clrMapOvr>
+  <p:timing>
+    <p:tnLst>
+      <p:par>
+        <p:cTn id="1" dur="indefinite" restart="never" nodeType="tmRoot"/>
+      </p:par>
+    </p:tnLst>
+  </p:timing>
 </p:sldLayout>
 </file>
 
@@ -514,7 +849,7 @@
       </p:grpSpPr>
       <p:sp>
         <p:nvSpPr>
-          <p:cNvPr id="2" name="Título vertical 1"/>
+          <p:cNvPr id="2" name="Vertical Title 1"/>
           <p:cNvSpPr>
             <a:spLocks noGrp="1"/>
           </p:cNvSpPr>
@@ -524,25 +859,30 @@
         </p:nvSpPr>
         <p:spPr>
           <a:xfrm>
-            <a:off x="8724900" y="365125"/>
-            <a:ext cx="2628900" cy="5811838"/>
-          </a:xfrm>
+            <a:off x="1538344" y="376518"/>
+            <a:ext cx="2743200" cy="5238339"/>
+          </a:xfrm>
+          <a:effectLst/>
         </p:spPr>
         <p:txBody>
           <a:bodyPr vert="eaVert"/>
-          <a:lstStyle/>
+          <a:lstStyle>
+            <a:lvl1pPr algn="l">
+              <a:defRPr/>
+            </a:lvl1pPr>
+          </a:lstStyle>
           <a:p>
             <a:r>
               <a:rPr lang="es-ES" smtClean="0"/>
               <a:t>Haga clic para modificar el estilo de título del patrón</a:t>
             </a:r>
-            <a:endParaRPr lang="es-PE"/>
-          </a:p>
-        </p:txBody>
-      </p:sp>
-      <p:sp>
-        <p:nvSpPr>
-          <p:cNvPr id="3" name="Marcador de texto vertical 2"/>
+            <a:endParaRPr lang="en-US"/>
+          </a:p>
+        </p:txBody>
+      </p:sp>
+      <p:sp>
+        <p:nvSpPr>
+          <p:cNvPr id="3" name="Vertical Text Placeholder 2"/>
           <p:cNvSpPr>
             <a:spLocks noGrp="1"/>
           </p:cNvSpPr>
@@ -552,8 +892,8 @@
         </p:nvSpPr>
         <p:spPr>
           <a:xfrm>
-            <a:off x="838200" y="365125"/>
-            <a:ext cx="7734300" cy="5811838"/>
+            <a:off x="4432151" y="731520"/>
+            <a:ext cx="6439049" cy="4894729"/>
           </a:xfrm>
         </p:spPr>
         <p:txBody>
@@ -593,13 +933,13 @@
               <a:rPr lang="es-ES" smtClean="0"/>
               <a:t>Quinto nivel</a:t>
             </a:r>
-            <a:endParaRPr lang="es-PE"/>
-          </a:p>
-        </p:txBody>
-      </p:sp>
-      <p:sp>
-        <p:nvSpPr>
-          <p:cNvPr id="4" name="Marcador de fecha 3"/>
+            <a:endParaRPr lang="en-US" dirty="0"/>
+          </a:p>
+        </p:txBody>
+      </p:sp>
+      <p:sp>
+        <p:nvSpPr>
+          <p:cNvPr id="4" name="Date Placeholder 3"/>
           <p:cNvSpPr>
             <a:spLocks noGrp="1"/>
           </p:cNvSpPr>
@@ -614,7 +954,7 @@
           <a:p>
             <a:fld id="{926A55A3-003D-46A9-AD7C-327658280F0F}" type="datetimeFigureOut">
               <a:rPr lang="es-PE" smtClean="0"/>
-              <a:t>15/12/2016</a:t>
+              <a:t>20/12/2016</a:t>
             </a:fld>
             <a:endParaRPr lang="es-PE"/>
           </a:p>
@@ -622,7 +962,7 @@
       </p:sp>
       <p:sp>
         <p:nvSpPr>
-          <p:cNvPr id="5" name="Marcador de pie de página 4"/>
+          <p:cNvPr id="5" name="Footer Placeholder 4"/>
           <p:cNvSpPr>
             <a:spLocks noGrp="1"/>
           </p:cNvSpPr>
@@ -641,7 +981,7 @@
       </p:sp>
       <p:sp>
         <p:nvSpPr>
-          <p:cNvPr id="6" name="Marcador de número de diapositiva 5"/>
+          <p:cNvPr id="6" name="Slide Number Placeholder 5"/>
           <p:cNvSpPr>
             <a:spLocks noGrp="1"/>
           </p:cNvSpPr>
@@ -663,15 +1003,17 @@
         </p:txBody>
       </p:sp>
     </p:spTree>
-    <p:extLst>
-      <p:ext uri="{BB962C8B-B14F-4D97-AF65-F5344CB8AC3E}">
-        <p14:creationId xmlns:p14="http://schemas.microsoft.com/office/powerpoint/2010/main" val="1422741244"/>
-      </p:ext>
-    </p:extLst>
   </p:cSld>
   <p:clrMapOvr>
     <a:masterClrMapping/>
   </p:clrMapOvr>
+  <p:timing>
+    <p:tnLst>
+      <p:par>
+        <p:cTn id="1" dur="indefinite" restart="never" nodeType="tmRoot"/>
+      </p:par>
+    </p:tnLst>
+  </p:timing>
 </p:sldLayout>
 </file>
 
@@ -694,82 +1036,7 @@
       </p:grpSpPr>
       <p:sp>
         <p:nvSpPr>
-          <p:cNvPr id="2" name="Título 1"/>
-          <p:cNvSpPr>
-            <a:spLocks noGrp="1"/>
-          </p:cNvSpPr>
-          <p:nvPr>
-            <p:ph type="title"/>
-          </p:nvPr>
-        </p:nvSpPr>
-        <p:spPr/>
-        <p:txBody>
-          <a:bodyPr/>
-          <a:lstStyle/>
-          <a:p>
-            <a:r>
-              <a:rPr lang="es-ES" smtClean="0"/>
-              <a:t>Haga clic para modificar el estilo de título del patrón</a:t>
-            </a:r>
-            <a:endParaRPr lang="es-PE"/>
-          </a:p>
-        </p:txBody>
-      </p:sp>
-      <p:sp>
-        <p:nvSpPr>
-          <p:cNvPr id="3" name="Marcador de contenido 2"/>
-          <p:cNvSpPr>
-            <a:spLocks noGrp="1"/>
-          </p:cNvSpPr>
-          <p:nvPr>
-            <p:ph idx="1"/>
-          </p:nvPr>
-        </p:nvSpPr>
-        <p:spPr/>
-        <p:txBody>
-          <a:bodyPr/>
-          <a:lstStyle/>
-          <a:p>
-            <a:pPr lvl="0"/>
-            <a:r>
-              <a:rPr lang="es-ES" smtClean="0"/>
-              <a:t>Haga clic para modificar el estilo de texto del patrón</a:t>
-            </a:r>
-          </a:p>
-          <a:p>
-            <a:pPr lvl="1"/>
-            <a:r>
-              <a:rPr lang="es-ES" smtClean="0"/>
-              <a:t>Segundo nivel</a:t>
-            </a:r>
-          </a:p>
-          <a:p>
-            <a:pPr lvl="2"/>
-            <a:r>
-              <a:rPr lang="es-ES" smtClean="0"/>
-              <a:t>Tercer nivel</a:t>
-            </a:r>
-          </a:p>
-          <a:p>
-            <a:pPr lvl="3"/>
-            <a:r>
-              <a:rPr lang="es-ES" smtClean="0"/>
-              <a:t>Cuarto nivel</a:t>
-            </a:r>
-          </a:p>
-          <a:p>
-            <a:pPr lvl="4"/>
-            <a:r>
-              <a:rPr lang="es-ES" smtClean="0"/>
-              <a:t>Quinto nivel</a:t>
-            </a:r>
-            <a:endParaRPr lang="es-PE"/>
-          </a:p>
-        </p:txBody>
-      </p:sp>
-      <p:sp>
-        <p:nvSpPr>
-          <p:cNvPr id="4" name="Marcador de fecha 3"/>
+          <p:cNvPr id="4" name="Date Placeholder 3"/>
           <p:cNvSpPr>
             <a:spLocks noGrp="1"/>
           </p:cNvSpPr>
@@ -784,7 +1051,7 @@
           <a:p>
             <a:fld id="{926A55A3-003D-46A9-AD7C-327658280F0F}" type="datetimeFigureOut">
               <a:rPr lang="es-PE" smtClean="0"/>
-              <a:t>15/12/2016</a:t>
+              <a:t>20/12/2016</a:t>
             </a:fld>
             <a:endParaRPr lang="es-PE"/>
           </a:p>
@@ -792,7 +1059,7 @@
       </p:sp>
       <p:sp>
         <p:nvSpPr>
-          <p:cNvPr id="5" name="Marcador de pie de página 4"/>
+          <p:cNvPr id="5" name="Footer Placeholder 4"/>
           <p:cNvSpPr>
             <a:spLocks noGrp="1"/>
           </p:cNvSpPr>
@@ -811,7 +1078,7 @@
       </p:sp>
       <p:sp>
         <p:nvSpPr>
-          <p:cNvPr id="6" name="Marcador de número de diapositiva 5"/>
+          <p:cNvPr id="6" name="Slide Number Placeholder 5"/>
           <p:cNvSpPr>
             <a:spLocks noGrp="1"/>
           </p:cNvSpPr>
@@ -832,16 +1099,98 @@
           </a:p>
         </p:txBody>
       </p:sp>
+      <p:sp>
+        <p:nvSpPr>
+          <p:cNvPr id="8" name="Title 7"/>
+          <p:cNvSpPr>
+            <a:spLocks noGrp="1"/>
+          </p:cNvSpPr>
+          <p:nvPr>
+            <p:ph type="title"/>
+          </p:nvPr>
+        </p:nvSpPr>
+        <p:spPr/>
+        <p:txBody>
+          <a:bodyPr/>
+          <a:lstStyle/>
+          <a:p>
+            <a:r>
+              <a:rPr lang="es-ES" smtClean="0"/>
+              <a:t>Haga clic para modificar el estilo de título del patrón</a:t>
+            </a:r>
+            <a:endParaRPr lang="en-US"/>
+          </a:p>
+        </p:txBody>
+      </p:sp>
+      <p:sp>
+        <p:nvSpPr>
+          <p:cNvPr id="10" name="Content Placeholder 9"/>
+          <p:cNvSpPr>
+            <a:spLocks noGrp="1"/>
+          </p:cNvSpPr>
+          <p:nvPr>
+            <p:ph sz="quarter" idx="13"/>
+          </p:nvPr>
+        </p:nvSpPr>
+        <p:spPr>
+          <a:xfrm>
+            <a:off x="1524000" y="731520"/>
+            <a:ext cx="8534400" cy="3474720"/>
+          </a:xfrm>
+        </p:spPr>
+        <p:txBody>
+          <a:bodyPr/>
+          <a:lstStyle/>
+          <a:p>
+            <a:pPr lvl="0"/>
+            <a:r>
+              <a:rPr lang="es-ES" smtClean="0"/>
+              <a:t>Haga clic para modificar el estilo de texto del patrón</a:t>
+            </a:r>
+          </a:p>
+          <a:p>
+            <a:pPr lvl="1"/>
+            <a:r>
+              <a:rPr lang="es-ES" smtClean="0"/>
+              <a:t>Segundo nivel</a:t>
+            </a:r>
+          </a:p>
+          <a:p>
+            <a:pPr lvl="2"/>
+            <a:r>
+              <a:rPr lang="es-ES" smtClean="0"/>
+              <a:t>Tercer nivel</a:t>
+            </a:r>
+          </a:p>
+          <a:p>
+            <a:pPr lvl="3"/>
+            <a:r>
+              <a:rPr lang="es-ES" smtClean="0"/>
+              <a:t>Cuarto nivel</a:t>
+            </a:r>
+          </a:p>
+          <a:p>
+            <a:pPr lvl="4"/>
+            <a:r>
+              <a:rPr lang="es-ES" smtClean="0"/>
+              <a:t>Quinto nivel</a:t>
+            </a:r>
+            <a:endParaRPr lang="en-US" dirty="0"/>
+          </a:p>
+        </p:txBody>
+      </p:sp>
     </p:spTree>
-    <p:extLst>
-      <p:ext uri="{BB962C8B-B14F-4D97-AF65-F5344CB8AC3E}">
-        <p14:creationId xmlns:p14="http://schemas.microsoft.com/office/powerpoint/2010/main" val="3405154337"/>
-      </p:ext>
-    </p:extLst>
   </p:cSld>
   <p:clrMapOvr>
     <a:masterClrMapping/>
   </p:clrMapOvr>
+  <p:timing>
+    <p:tnLst>
+      <p:par>
+        <p:cTn id="1" dur="indefinite" restart="never" nodeType="tmRoot"/>
+      </p:par>
+    </p:tnLst>
+  </p:timing>
 </p:sldLayout>
 </file>
 
@@ -864,7 +1213,276 @@
       </p:grpSpPr>
       <p:sp>
         <p:nvSpPr>
-          <p:cNvPr id="2" name="Título 1"/>
+          <p:cNvPr id="7" name="Rectangle 6"/>
+          <p:cNvSpPr/>
+          <p:nvPr/>
+        </p:nvSpPr>
+        <p:spPr>
+          <a:xfrm>
+            <a:off x="0" y="3866920"/>
+            <a:ext cx="12192000" cy="2991080"/>
+          </a:xfrm>
+          <a:prstGeom prst="rect">
+            <a:avLst/>
+          </a:prstGeom>
+          <a:gradFill>
+            <a:gsLst>
+              <a:gs pos="0">
+                <a:schemeClr val="bg1">
+                  <a:alpha val="92000"/>
+                </a:schemeClr>
+              </a:gs>
+              <a:gs pos="37000">
+                <a:schemeClr val="bg1">
+                  <a:alpha val="77000"/>
+                </a:schemeClr>
+              </a:gs>
+              <a:gs pos="100000">
+                <a:schemeClr val="bg2">
+                  <a:alpha val="80000"/>
+                </a:schemeClr>
+              </a:gs>
+            </a:gsLst>
+            <a:path path="circle">
+              <a:fillToRect l="50000" t="50000" r="50000" b="50000"/>
+            </a:path>
+          </a:gradFill>
+          <a:ln>
+            <a:noFill/>
+          </a:ln>
+        </p:spPr>
+        <p:style>
+          <a:lnRef idx="2">
+            <a:schemeClr val="accent1">
+              <a:shade val="50000"/>
+            </a:schemeClr>
+          </a:lnRef>
+          <a:fillRef idx="1">
+            <a:schemeClr val="accent1"/>
+          </a:fillRef>
+          <a:effectRef idx="0">
+            <a:schemeClr val="accent1"/>
+          </a:effectRef>
+          <a:fontRef idx="minor">
+            <a:schemeClr val="lt1"/>
+          </a:fontRef>
+        </p:style>
+        <p:txBody>
+          <a:bodyPr rtlCol="0" anchor="ctr"/>
+          <a:lstStyle/>
+          <a:p>
+            <a:pPr algn="ctr"/>
+            <a:endParaRPr lang="en-US"/>
+          </a:p>
+        </p:txBody>
+      </p:sp>
+      <p:sp>
+        <p:nvSpPr>
+          <p:cNvPr id="8" name="Rectangle 7"/>
+          <p:cNvSpPr/>
+          <p:nvPr/>
+        </p:nvSpPr>
+        <p:spPr>
+          <a:xfrm>
+            <a:off x="0" y="0"/>
+            <a:ext cx="12192000" cy="3866920"/>
+          </a:xfrm>
+          <a:prstGeom prst="rect">
+            <a:avLst/>
+          </a:prstGeom>
+          <a:gradFill flip="none" rotWithShape="1">
+            <a:gsLst>
+              <a:gs pos="0">
+                <a:schemeClr val="bg1">
+                  <a:alpha val="90000"/>
+                </a:schemeClr>
+              </a:gs>
+              <a:gs pos="48000">
+                <a:schemeClr val="bg1">
+                  <a:alpha val="63000"/>
+                </a:schemeClr>
+              </a:gs>
+              <a:gs pos="100000">
+                <a:schemeClr val="bg2">
+                  <a:alpha val="80000"/>
+                </a:schemeClr>
+              </a:gs>
+            </a:gsLst>
+            <a:path path="circle">
+              <a:fillToRect l="50000" t="50000" r="50000" b="50000"/>
+            </a:path>
+            <a:tileRect/>
+          </a:gradFill>
+          <a:ln>
+            <a:noFill/>
+          </a:ln>
+        </p:spPr>
+        <p:style>
+          <a:lnRef idx="2">
+            <a:schemeClr val="accent1">
+              <a:shade val="50000"/>
+            </a:schemeClr>
+          </a:lnRef>
+          <a:fillRef idx="1">
+            <a:schemeClr val="accent1"/>
+          </a:fillRef>
+          <a:effectRef idx="0">
+            <a:schemeClr val="accent1"/>
+          </a:effectRef>
+          <a:fontRef idx="minor">
+            <a:schemeClr val="lt1"/>
+          </a:fontRef>
+        </p:style>
+        <p:txBody>
+          <a:bodyPr rtlCol="0" anchor="ctr"/>
+          <a:lstStyle/>
+          <a:p>
+            <a:pPr algn="ctr"/>
+            <a:endParaRPr lang="en-US" dirty="0"/>
+          </a:p>
+        </p:txBody>
+      </p:sp>
+      <p:sp>
+        <p:nvSpPr>
+          <p:cNvPr id="9" name="Rectangle 8"/>
+          <p:cNvSpPr/>
+          <p:nvPr/>
+        </p:nvSpPr>
+        <p:spPr>
+          <a:xfrm>
+            <a:off x="0" y="2652311"/>
+            <a:ext cx="12192000" cy="2286000"/>
+          </a:xfrm>
+          <a:prstGeom prst="rect">
+            <a:avLst/>
+          </a:prstGeom>
+          <a:gradFill flip="none" rotWithShape="1">
+            <a:gsLst>
+              <a:gs pos="0">
+                <a:schemeClr val="bg1">
+                  <a:alpha val="0"/>
+                </a:schemeClr>
+              </a:gs>
+              <a:gs pos="29000">
+                <a:schemeClr val="bg1">
+                  <a:alpha val="30000"/>
+                </a:schemeClr>
+              </a:gs>
+              <a:gs pos="45000">
+                <a:schemeClr val="bg2">
+                  <a:alpha val="40000"/>
+                </a:schemeClr>
+              </a:gs>
+              <a:gs pos="55000">
+                <a:schemeClr val="bg1">
+                  <a:alpha val="26000"/>
+                </a:schemeClr>
+              </a:gs>
+              <a:gs pos="65000">
+                <a:schemeClr val="bg2">
+                  <a:alpha val="60000"/>
+                </a:schemeClr>
+              </a:gs>
+              <a:gs pos="100000">
+                <a:schemeClr val="bg1">
+                  <a:alpha val="0"/>
+                </a:schemeClr>
+              </a:gs>
+            </a:gsLst>
+            <a:lin ang="5400000" scaled="0"/>
+            <a:tileRect/>
+          </a:gradFill>
+          <a:ln>
+            <a:noFill/>
+          </a:ln>
+        </p:spPr>
+        <p:style>
+          <a:lnRef idx="2">
+            <a:schemeClr val="accent1">
+              <a:shade val="50000"/>
+            </a:schemeClr>
+          </a:lnRef>
+          <a:fillRef idx="1">
+            <a:schemeClr val="accent1"/>
+          </a:fillRef>
+          <a:effectRef idx="0">
+            <a:schemeClr val="accent1"/>
+          </a:effectRef>
+          <a:fontRef idx="minor">
+            <a:schemeClr val="lt1"/>
+          </a:fontRef>
+        </p:style>
+        <p:txBody>
+          <a:bodyPr rtlCol="0" anchor="ctr"/>
+          <a:lstStyle/>
+          <a:p>
+            <a:pPr algn="ctr"/>
+            <a:endParaRPr lang="en-US"/>
+          </a:p>
+        </p:txBody>
+      </p:sp>
+      <p:sp>
+        <p:nvSpPr>
+          <p:cNvPr id="10" name="Oval 9"/>
+          <p:cNvSpPr/>
+          <p:nvPr/>
+        </p:nvSpPr>
+        <p:spPr>
+          <a:xfrm>
+            <a:off x="0" y="1600200"/>
+            <a:ext cx="12192000" cy="5105400"/>
+          </a:xfrm>
+          <a:prstGeom prst="ellipse">
+            <a:avLst/>
+          </a:prstGeom>
+          <a:gradFill flip="none" rotWithShape="1">
+            <a:gsLst>
+              <a:gs pos="0">
+                <a:schemeClr val="bg1"/>
+              </a:gs>
+              <a:gs pos="54000">
+                <a:schemeClr val="bg1">
+                  <a:alpha val="0"/>
+                </a:schemeClr>
+              </a:gs>
+            </a:gsLst>
+            <a:path path="circle">
+              <a:fillToRect l="50000" t="50000" r="50000" b="50000"/>
+            </a:path>
+            <a:tileRect/>
+          </a:gradFill>
+          <a:ln>
+            <a:noFill/>
+          </a:ln>
+        </p:spPr>
+        <p:style>
+          <a:lnRef idx="2">
+            <a:schemeClr val="accent1">
+              <a:shade val="50000"/>
+            </a:schemeClr>
+          </a:lnRef>
+          <a:fillRef idx="1">
+            <a:schemeClr val="accent1"/>
+          </a:fillRef>
+          <a:effectRef idx="0">
+            <a:schemeClr val="accent1"/>
+          </a:effectRef>
+          <a:fontRef idx="minor">
+            <a:schemeClr val="lt1"/>
+          </a:fontRef>
+        </p:style>
+        <p:txBody>
+          <a:bodyPr rtlCol="0" anchor="ctr"/>
+          <a:lstStyle/>
+          <a:p>
+            <a:pPr algn="ctr"/>
+            <a:endParaRPr lang="en-US"/>
+          </a:p>
+        </p:txBody>
+      </p:sp>
+      <p:sp>
+        <p:nvSpPr>
+          <p:cNvPr id="2" name="Title 1"/>
           <p:cNvSpPr>
             <a:spLocks noGrp="1"/>
           </p:cNvSpPr>
@@ -874,15 +1492,16 @@
         </p:nvSpPr>
         <p:spPr>
           <a:xfrm>
-            <a:off x="831850" y="1709738"/>
-            <a:ext cx="10515600" cy="2852737"/>
-          </a:xfrm>
+            <a:off x="2710927" y="2172648"/>
+            <a:ext cx="7955555" cy="2423346"/>
+          </a:xfrm>
+          <a:effectLst/>
         </p:spPr>
         <p:txBody>
           <a:bodyPr anchor="b"/>
           <a:lstStyle>
-            <a:lvl1pPr>
-              <a:defRPr sz="6000"/>
+            <a:lvl1pPr algn="r">
+              <a:defRPr sz="4600" b="1" cap="none" baseline="0"/>
             </a:lvl1pPr>
           </a:lstStyle>
           <a:p>
@@ -890,13 +1509,13 @@
               <a:rPr lang="es-ES" smtClean="0"/>
               <a:t>Haga clic para modificar el estilo de título del patrón</a:t>
             </a:r>
-            <a:endParaRPr lang="es-PE"/>
-          </a:p>
-        </p:txBody>
-      </p:sp>
-      <p:sp>
-        <p:nvSpPr>
-          <p:cNvPr id="3" name="Marcador de texto 2"/>
+            <a:endParaRPr lang="en-US" dirty="0"/>
+          </a:p>
+        </p:txBody>
+      </p:sp>
+      <p:sp>
+        <p:nvSpPr>
+          <p:cNvPr id="3" name="Text Placeholder 2"/>
           <p:cNvSpPr>
             <a:spLocks noGrp="1"/>
           </p:cNvSpPr>
@@ -906,26 +1525,24 @@
         </p:nvSpPr>
         <p:spPr>
           <a:xfrm>
-            <a:off x="831850" y="4589463"/>
-            <a:ext cx="10515600" cy="1500187"/>
-          </a:xfrm>
-        </p:spPr>
-        <p:txBody>
-          <a:bodyPr/>
+            <a:off x="2696584" y="4607511"/>
+            <a:ext cx="7960659" cy="835460"/>
+          </a:xfrm>
+        </p:spPr>
+        <p:txBody>
+          <a:bodyPr anchor="t"/>
           <a:lstStyle>
-            <a:lvl1pPr marL="0" indent="0">
-              <a:buNone/>
-              <a:defRPr sz="2400">
+            <a:lvl1pPr marL="0" indent="0" algn="r">
+              <a:buNone/>
+              <a:defRPr sz="2000">
                 <a:solidFill>
-                  <a:schemeClr val="tx1">
-                    <a:tint val="75000"/>
-                  </a:schemeClr>
+                  <a:schemeClr val="tx2"/>
                 </a:solidFill>
               </a:defRPr>
             </a:lvl1pPr>
             <a:lvl2pPr marL="457200" indent="0">
               <a:buNone/>
-              <a:defRPr sz="2000">
+              <a:defRPr sz="1800">
                 <a:solidFill>
                   <a:schemeClr val="tx1">
                     <a:tint val="75000"/>
@@ -935,7 +1552,7 @@
             </a:lvl2pPr>
             <a:lvl3pPr marL="914400" indent="0">
               <a:buNone/>
-              <a:defRPr sz="1800">
+              <a:defRPr sz="1600">
                 <a:solidFill>
                   <a:schemeClr val="tx1">
                     <a:tint val="75000"/>
@@ -945,7 +1562,7 @@
             </a:lvl3pPr>
             <a:lvl4pPr marL="1371600" indent="0">
               <a:buNone/>
-              <a:defRPr sz="1600">
+              <a:defRPr sz="1400">
                 <a:solidFill>
                   <a:schemeClr val="tx1">
                     <a:tint val="75000"/>
@@ -955,7 +1572,7 @@
             </a:lvl4pPr>
             <a:lvl5pPr marL="1828800" indent="0">
               <a:buNone/>
-              <a:defRPr sz="1600">
+              <a:defRPr sz="1400">
                 <a:solidFill>
                   <a:schemeClr val="tx1">
                     <a:tint val="75000"/>
@@ -965,7 +1582,7 @@
             </a:lvl5pPr>
             <a:lvl6pPr marL="2286000" indent="0">
               <a:buNone/>
-              <a:defRPr sz="1600">
+              <a:defRPr sz="1400">
                 <a:solidFill>
                   <a:schemeClr val="tx1">
                     <a:tint val="75000"/>
@@ -975,7 +1592,7 @@
             </a:lvl6pPr>
             <a:lvl7pPr marL="2743200" indent="0">
               <a:buNone/>
-              <a:defRPr sz="1600">
+              <a:defRPr sz="1400">
                 <a:solidFill>
                   <a:schemeClr val="tx1">
                     <a:tint val="75000"/>
@@ -985,7 +1602,7 @@
             </a:lvl7pPr>
             <a:lvl8pPr marL="3200400" indent="0">
               <a:buNone/>
-              <a:defRPr sz="1600">
+              <a:defRPr sz="1400">
                 <a:solidFill>
                   <a:schemeClr val="tx1">
                     <a:tint val="75000"/>
@@ -995,7 +1612,7 @@
             </a:lvl8pPr>
             <a:lvl9pPr marL="3657600" indent="0">
               <a:buNone/>
-              <a:defRPr sz="1600">
+              <a:defRPr sz="1400">
                 <a:solidFill>
                   <a:schemeClr val="tx1">
                     <a:tint val="75000"/>
@@ -1015,7 +1632,7 @@
       </p:sp>
       <p:sp>
         <p:nvSpPr>
-          <p:cNvPr id="4" name="Marcador de fecha 3"/>
+          <p:cNvPr id="4" name="Date Placeholder 3"/>
           <p:cNvSpPr>
             <a:spLocks noGrp="1"/>
           </p:cNvSpPr>
@@ -1030,7 +1647,7 @@
           <a:p>
             <a:fld id="{926A55A3-003D-46A9-AD7C-327658280F0F}" type="datetimeFigureOut">
               <a:rPr lang="es-PE" smtClean="0"/>
-              <a:t>15/12/2016</a:t>
+              <a:t>20/12/2016</a:t>
             </a:fld>
             <a:endParaRPr lang="es-PE"/>
           </a:p>
@@ -1038,7 +1655,7 @@
       </p:sp>
       <p:sp>
         <p:nvSpPr>
-          <p:cNvPr id="5" name="Marcador de pie de página 4"/>
+          <p:cNvPr id="5" name="Footer Placeholder 4"/>
           <p:cNvSpPr>
             <a:spLocks noGrp="1"/>
           </p:cNvSpPr>
@@ -1057,7 +1674,7 @@
       </p:sp>
       <p:sp>
         <p:nvSpPr>
-          <p:cNvPr id="6" name="Marcador de número de diapositiva 5"/>
+          <p:cNvPr id="6" name="Slide Number Placeholder 5"/>
           <p:cNvSpPr>
             <a:spLocks noGrp="1"/>
           </p:cNvSpPr>
@@ -1079,15 +1696,17 @@
         </p:txBody>
       </p:sp>
     </p:spTree>
-    <p:extLst>
-      <p:ext uri="{BB962C8B-B14F-4D97-AF65-F5344CB8AC3E}">
-        <p14:creationId xmlns:p14="http://schemas.microsoft.com/office/powerpoint/2010/main" val="1910243028"/>
-      </p:ext>
-    </p:extLst>
   </p:cSld>
   <p:clrMapOvr>
     <a:masterClrMapping/>
   </p:clrMapOvr>
+  <p:timing>
+    <p:tnLst>
+      <p:par>
+        <p:cTn id="1" dur="indefinite" restart="never" nodeType="tmRoot"/>
+      </p:par>
+    </p:tnLst>
+  </p:timing>
 </p:sldLayout>
 </file>
 
@@ -1110,144 +1729,7 @@
       </p:grpSpPr>
       <p:sp>
         <p:nvSpPr>
-          <p:cNvPr id="2" name="Título 1"/>
-          <p:cNvSpPr>
-            <a:spLocks noGrp="1"/>
-          </p:cNvSpPr>
-          <p:nvPr>
-            <p:ph type="title"/>
-          </p:nvPr>
-        </p:nvSpPr>
-        <p:spPr/>
-        <p:txBody>
-          <a:bodyPr/>
-          <a:lstStyle/>
-          <a:p>
-            <a:r>
-              <a:rPr lang="es-ES" smtClean="0"/>
-              <a:t>Haga clic para modificar el estilo de título del patrón</a:t>
-            </a:r>
-            <a:endParaRPr lang="es-PE"/>
-          </a:p>
-        </p:txBody>
-      </p:sp>
-      <p:sp>
-        <p:nvSpPr>
-          <p:cNvPr id="3" name="Marcador de contenido 2"/>
-          <p:cNvSpPr>
-            <a:spLocks noGrp="1"/>
-          </p:cNvSpPr>
-          <p:nvPr>
-            <p:ph sz="half" idx="1"/>
-          </p:nvPr>
-        </p:nvSpPr>
-        <p:spPr>
-          <a:xfrm>
-            <a:off x="838200" y="1825625"/>
-            <a:ext cx="5181600" cy="4351338"/>
-          </a:xfrm>
-        </p:spPr>
-        <p:txBody>
-          <a:bodyPr/>
-          <a:lstStyle/>
-          <a:p>
-            <a:pPr lvl="0"/>
-            <a:r>
-              <a:rPr lang="es-ES" smtClean="0"/>
-              <a:t>Haga clic para modificar el estilo de texto del patrón</a:t>
-            </a:r>
-          </a:p>
-          <a:p>
-            <a:pPr lvl="1"/>
-            <a:r>
-              <a:rPr lang="es-ES" smtClean="0"/>
-              <a:t>Segundo nivel</a:t>
-            </a:r>
-          </a:p>
-          <a:p>
-            <a:pPr lvl="2"/>
-            <a:r>
-              <a:rPr lang="es-ES" smtClean="0"/>
-              <a:t>Tercer nivel</a:t>
-            </a:r>
-          </a:p>
-          <a:p>
-            <a:pPr lvl="3"/>
-            <a:r>
-              <a:rPr lang="es-ES" smtClean="0"/>
-              <a:t>Cuarto nivel</a:t>
-            </a:r>
-          </a:p>
-          <a:p>
-            <a:pPr lvl="4"/>
-            <a:r>
-              <a:rPr lang="es-ES" smtClean="0"/>
-              <a:t>Quinto nivel</a:t>
-            </a:r>
-            <a:endParaRPr lang="es-PE"/>
-          </a:p>
-        </p:txBody>
-      </p:sp>
-      <p:sp>
-        <p:nvSpPr>
-          <p:cNvPr id="4" name="Marcador de contenido 3"/>
-          <p:cNvSpPr>
-            <a:spLocks noGrp="1"/>
-          </p:cNvSpPr>
-          <p:nvPr>
-            <p:ph sz="half" idx="2"/>
-          </p:nvPr>
-        </p:nvSpPr>
-        <p:spPr>
-          <a:xfrm>
-            <a:off x="6172200" y="1825625"/>
-            <a:ext cx="5181600" cy="4351338"/>
-          </a:xfrm>
-        </p:spPr>
-        <p:txBody>
-          <a:bodyPr/>
-          <a:lstStyle/>
-          <a:p>
-            <a:pPr lvl="0"/>
-            <a:r>
-              <a:rPr lang="es-ES" smtClean="0"/>
-              <a:t>Haga clic para modificar el estilo de texto del patrón</a:t>
-            </a:r>
-          </a:p>
-          <a:p>
-            <a:pPr lvl="1"/>
-            <a:r>
-              <a:rPr lang="es-ES" smtClean="0"/>
-              <a:t>Segundo nivel</a:t>
-            </a:r>
-          </a:p>
-          <a:p>
-            <a:pPr lvl="2"/>
-            <a:r>
-              <a:rPr lang="es-ES" smtClean="0"/>
-              <a:t>Tercer nivel</a:t>
-            </a:r>
-          </a:p>
-          <a:p>
-            <a:pPr lvl="3"/>
-            <a:r>
-              <a:rPr lang="es-ES" smtClean="0"/>
-              <a:t>Cuarto nivel</a:t>
-            </a:r>
-          </a:p>
-          <a:p>
-            <a:pPr lvl="4"/>
-            <a:r>
-              <a:rPr lang="es-ES" smtClean="0"/>
-              <a:t>Quinto nivel</a:t>
-            </a:r>
-            <a:endParaRPr lang="es-PE"/>
-          </a:p>
-        </p:txBody>
-      </p:sp>
-      <p:sp>
-        <p:nvSpPr>
-          <p:cNvPr id="5" name="Marcador de fecha 4"/>
+          <p:cNvPr id="5" name="Date Placeholder 4"/>
           <p:cNvSpPr>
             <a:spLocks noGrp="1"/>
           </p:cNvSpPr>
@@ -1262,7 +1744,7 @@
           <a:p>
             <a:fld id="{926A55A3-003D-46A9-AD7C-327658280F0F}" type="datetimeFigureOut">
               <a:rPr lang="es-PE" smtClean="0"/>
-              <a:t>15/12/2016</a:t>
+              <a:t>20/12/2016</a:t>
             </a:fld>
             <a:endParaRPr lang="es-PE"/>
           </a:p>
@@ -1270,7 +1752,7 @@
       </p:sp>
       <p:sp>
         <p:nvSpPr>
-          <p:cNvPr id="6" name="Marcador de pie de página 5"/>
+          <p:cNvPr id="6" name="Footer Placeholder 5"/>
           <p:cNvSpPr>
             <a:spLocks noGrp="1"/>
           </p:cNvSpPr>
@@ -1289,7 +1771,7 @@
       </p:sp>
       <p:sp>
         <p:nvSpPr>
-          <p:cNvPr id="7" name="Marcador de número de diapositiva 6"/>
+          <p:cNvPr id="7" name="Slide Number Placeholder 6"/>
           <p:cNvSpPr>
             <a:spLocks noGrp="1"/>
           </p:cNvSpPr>
@@ -1310,16 +1792,155 @@
           </a:p>
         </p:txBody>
       </p:sp>
+      <p:sp>
+        <p:nvSpPr>
+          <p:cNvPr id="8" name="Title 7"/>
+          <p:cNvSpPr>
+            <a:spLocks noGrp="1"/>
+          </p:cNvSpPr>
+          <p:nvPr>
+            <p:ph type="title"/>
+          </p:nvPr>
+        </p:nvSpPr>
+        <p:spPr/>
+        <p:txBody>
+          <a:bodyPr/>
+          <a:lstStyle/>
+          <a:p>
+            <a:r>
+              <a:rPr lang="es-ES" smtClean="0"/>
+              <a:t>Haga clic para modificar el estilo de título del patrón</a:t>
+            </a:r>
+            <a:endParaRPr lang="en-US"/>
+          </a:p>
+        </p:txBody>
+      </p:sp>
+      <p:sp>
+        <p:nvSpPr>
+          <p:cNvPr id="9" name="Content Placeholder 8"/>
+          <p:cNvSpPr>
+            <a:spLocks noGrp="1"/>
+          </p:cNvSpPr>
+          <p:nvPr>
+            <p:ph sz="quarter" idx="13"/>
+          </p:nvPr>
+        </p:nvSpPr>
+        <p:spPr>
+          <a:xfrm>
+            <a:off x="1523999" y="731519"/>
+            <a:ext cx="4462272" cy="3474720"/>
+          </a:xfrm>
+        </p:spPr>
+        <p:txBody>
+          <a:bodyPr/>
+          <a:lstStyle/>
+          <a:p>
+            <a:pPr lvl="0"/>
+            <a:r>
+              <a:rPr lang="es-ES" smtClean="0"/>
+              <a:t>Haga clic para modificar el estilo de texto del patrón</a:t>
+            </a:r>
+          </a:p>
+          <a:p>
+            <a:pPr lvl="1"/>
+            <a:r>
+              <a:rPr lang="es-ES" smtClean="0"/>
+              <a:t>Segundo nivel</a:t>
+            </a:r>
+          </a:p>
+          <a:p>
+            <a:pPr lvl="2"/>
+            <a:r>
+              <a:rPr lang="es-ES" smtClean="0"/>
+              <a:t>Tercer nivel</a:t>
+            </a:r>
+          </a:p>
+          <a:p>
+            <a:pPr lvl="3"/>
+            <a:r>
+              <a:rPr lang="es-ES" smtClean="0"/>
+              <a:t>Cuarto nivel</a:t>
+            </a:r>
+          </a:p>
+          <a:p>
+            <a:pPr lvl="4"/>
+            <a:r>
+              <a:rPr lang="es-ES" smtClean="0"/>
+              <a:t>Quinto nivel</a:t>
+            </a:r>
+            <a:endParaRPr lang="en-US"/>
+          </a:p>
+        </p:txBody>
+      </p:sp>
+      <p:sp>
+        <p:nvSpPr>
+          <p:cNvPr id="11" name="Content Placeholder 10"/>
+          <p:cNvSpPr>
+            <a:spLocks noGrp="1"/>
+          </p:cNvSpPr>
+          <p:nvPr>
+            <p:ph sz="quarter" idx="14"/>
+          </p:nvPr>
+        </p:nvSpPr>
+        <p:spPr>
+          <a:xfrm>
+            <a:off x="6193536" y="731520"/>
+            <a:ext cx="4462272" cy="3474720"/>
+          </a:xfrm>
+        </p:spPr>
+        <p:txBody>
+          <a:bodyPr/>
+          <a:lstStyle/>
+          <a:p>
+            <a:pPr lvl="0"/>
+            <a:r>
+              <a:rPr lang="es-ES" smtClean="0"/>
+              <a:t>Haga clic para modificar el estilo de texto del patrón</a:t>
+            </a:r>
+          </a:p>
+          <a:p>
+            <a:pPr lvl="1"/>
+            <a:r>
+              <a:rPr lang="es-ES" smtClean="0"/>
+              <a:t>Segundo nivel</a:t>
+            </a:r>
+          </a:p>
+          <a:p>
+            <a:pPr lvl="2"/>
+            <a:r>
+              <a:rPr lang="es-ES" smtClean="0"/>
+              <a:t>Tercer nivel</a:t>
+            </a:r>
+          </a:p>
+          <a:p>
+            <a:pPr lvl="3"/>
+            <a:r>
+              <a:rPr lang="es-ES" smtClean="0"/>
+              <a:t>Cuarto nivel</a:t>
+            </a:r>
+          </a:p>
+          <a:p>
+            <a:pPr lvl="4"/>
+            <a:r>
+              <a:rPr lang="es-ES" smtClean="0"/>
+              <a:t>Quinto nivel</a:t>
+            </a:r>
+            <a:endParaRPr lang="en-US"/>
+          </a:p>
+        </p:txBody>
+      </p:sp>
     </p:spTree>
-    <p:extLst>
-      <p:ext uri="{BB962C8B-B14F-4D97-AF65-F5344CB8AC3E}">
-        <p14:creationId xmlns:p14="http://schemas.microsoft.com/office/powerpoint/2010/main" val="2728772520"/>
-      </p:ext>
-    </p:extLst>
   </p:cSld>
   <p:clrMapOvr>
     <a:masterClrMapping/>
   </p:clrMapOvr>
+  <p:timing>
+    <p:tnLst>
+      <p:par>
+        <p:cTn id="1" dur="indefinite" restart="never" nodeType="tmRoot"/>
+      </p:par>
+    </p:tnLst>
+  </p:timing>
 </p:sldLayout>
 </file>
 
@@ -1342,54 +1963,52 @@
       </p:grpSpPr>
       <p:sp>
         <p:nvSpPr>
-          <p:cNvPr id="2" name="Título 1"/>
-          <p:cNvSpPr>
-            <a:spLocks noGrp="1"/>
-          </p:cNvSpPr>
-          <p:nvPr>
-            <p:ph type="title"/>
+          <p:cNvPr id="3" name="Text Placeholder 2"/>
+          <p:cNvSpPr>
+            <a:spLocks noGrp="1"/>
+          </p:cNvSpPr>
+          <p:nvPr>
+            <p:ph type="body" idx="1"/>
           </p:nvPr>
         </p:nvSpPr>
         <p:spPr>
           <a:xfrm>
-            <a:off x="839788" y="365125"/>
-            <a:ext cx="10515600" cy="1325563"/>
-          </a:xfrm>
-        </p:spPr>
-        <p:txBody>
-          <a:bodyPr/>
-          <a:lstStyle/>
-          <a:p>
-            <a:r>
-              <a:rPr lang="es-ES" smtClean="0"/>
-              <a:t>Haga clic para modificar el estilo de título del patrón</a:t>
-            </a:r>
-            <a:endParaRPr lang="es-PE"/>
-          </a:p>
-        </p:txBody>
-      </p:sp>
-      <p:sp>
-        <p:nvSpPr>
-          <p:cNvPr id="3" name="Marcador de texto 2"/>
-          <p:cNvSpPr>
-            <a:spLocks noGrp="1"/>
-          </p:cNvSpPr>
-          <p:nvPr>
-            <p:ph type="body" idx="1"/>
-          </p:nvPr>
-        </p:nvSpPr>
-        <p:spPr>
-          <a:xfrm>
-            <a:off x="839788" y="1681163"/>
-            <a:ext cx="5157787" cy="823912"/>
-          </a:xfrm>
-        </p:spPr>
-        <p:txBody>
-          <a:bodyPr anchor="b"/>
+            <a:off x="1524000" y="731520"/>
+            <a:ext cx="4462272" cy="639762"/>
+          </a:xfrm>
+        </p:spPr>
+        <p:txBody>
+          <a:bodyPr anchor="b">
+            <a:noAutofit/>
+          </a:bodyPr>
           <a:lstStyle>
-            <a:lvl1pPr marL="0" indent="0">
-              <a:buNone/>
-              <a:defRPr sz="2400" b="1"/>
+            <a:lvl1pPr marL="0" indent="0" algn="ctr">
+              <a:buNone/>
+              <a:defRPr lang="en-US" sz="2400" b="1" i="0" kern="1200" dirty="0" smtClean="0">
+                <a:gradFill>
+                  <a:gsLst>
+                    <a:gs pos="0">
+                      <a:schemeClr val="tx1"/>
+                    </a:gs>
+                    <a:gs pos="40000">
+                      <a:schemeClr val="tx1">
+                        <a:lumMod val="75000"/>
+                        <a:lumOff val="25000"/>
+                      </a:schemeClr>
+                    </a:gs>
+                    <a:gs pos="100000">
+                      <a:schemeClr val="tx2">
+                        <a:alpha val="65000"/>
+                      </a:schemeClr>
+                    </a:gs>
+                  </a:gsLst>
+                  <a:lin ang="5400000" scaled="0"/>
+                </a:gradFill>
+                <a:effectLst/>
+                <a:latin typeface="+mj-lt"/>
+                <a:ea typeface="+mj-ea"/>
+                <a:cs typeface="+mj-cs"/>
+              </a:defRPr>
             </a:lvl1pPr>
             <a:lvl2pPr marL="457200" indent="0">
               <a:buNone/>
@@ -1435,7 +2054,7 @@
       </p:sp>
       <p:sp>
         <p:nvSpPr>
-          <p:cNvPr id="4" name="Marcador de contenido 3"/>
+          <p:cNvPr id="4" name="Content Placeholder 3"/>
           <p:cNvSpPr>
             <a:spLocks noGrp="1"/>
           </p:cNvSpPr>
@@ -1445,13 +2064,43 @@
         </p:nvSpPr>
         <p:spPr>
           <a:xfrm>
-            <a:off x="839788" y="2505075"/>
-            <a:ext cx="5157787" cy="3684588"/>
-          </a:xfrm>
-        </p:spPr>
-        <p:txBody>
-          <a:bodyPr/>
-          <a:lstStyle/>
+            <a:off x="1541929" y="1400327"/>
+            <a:ext cx="4462272" cy="2743200"/>
+          </a:xfrm>
+        </p:spPr>
+        <p:txBody>
+          <a:bodyPr>
+            <a:normAutofit/>
+          </a:bodyPr>
+          <a:lstStyle>
+            <a:lvl1pPr>
+              <a:defRPr sz="1800"/>
+            </a:lvl1pPr>
+            <a:lvl2pPr>
+              <a:defRPr sz="1800"/>
+            </a:lvl2pPr>
+            <a:lvl3pPr>
+              <a:defRPr sz="1600"/>
+            </a:lvl3pPr>
+            <a:lvl4pPr>
+              <a:defRPr sz="1600"/>
+            </a:lvl4pPr>
+            <a:lvl5pPr>
+              <a:defRPr sz="1600"/>
+            </a:lvl5pPr>
+            <a:lvl6pPr>
+              <a:defRPr sz="1600"/>
+            </a:lvl6pPr>
+            <a:lvl7pPr>
+              <a:defRPr sz="1600"/>
+            </a:lvl7pPr>
+            <a:lvl8pPr>
+              <a:defRPr sz="1600"/>
+            </a:lvl8pPr>
+            <a:lvl9pPr>
+              <a:defRPr sz="1600"/>
+            </a:lvl9pPr>
+          </a:lstStyle>
           <a:p>
             <a:pPr lvl="0"/>
             <a:r>
@@ -1486,13 +2135,13 @@
               <a:rPr lang="es-ES" smtClean="0"/>
               <a:t>Quinto nivel</a:t>
             </a:r>
-            <a:endParaRPr lang="es-PE"/>
-          </a:p>
-        </p:txBody>
-      </p:sp>
-      <p:sp>
-        <p:nvSpPr>
-          <p:cNvPr id="5" name="Marcador de texto 4"/>
+            <a:endParaRPr lang="en-US" dirty="0"/>
+          </a:p>
+        </p:txBody>
+      </p:sp>
+      <p:sp>
+        <p:nvSpPr>
+          <p:cNvPr id="5" name="Text Placeholder 4"/>
           <p:cNvSpPr>
             <a:spLocks noGrp="1"/>
           </p:cNvSpPr>
@@ -1502,16 +2151,42 @@
         </p:nvSpPr>
         <p:spPr>
           <a:xfrm>
-            <a:off x="6172200" y="1681163"/>
-            <a:ext cx="5183188" cy="823912"/>
-          </a:xfrm>
-        </p:spPr>
-        <p:txBody>
-          <a:bodyPr anchor="b"/>
+            <a:off x="6196403" y="731520"/>
+            <a:ext cx="4462272" cy="639762"/>
+          </a:xfrm>
+        </p:spPr>
+        <p:txBody>
+          <a:bodyPr anchor="b">
+            <a:noAutofit/>
+          </a:bodyPr>
           <a:lstStyle>
-            <a:lvl1pPr marL="0" indent="0">
-              <a:buNone/>
-              <a:defRPr sz="2400" b="1"/>
+            <a:lvl1pPr marL="0" indent="0" algn="ctr">
+              <a:buNone/>
+              <a:defRPr lang="en-US" sz="2400" b="1" i="0" kern="1200" dirty="0" smtClean="0">
+                <a:gradFill>
+                  <a:gsLst>
+                    <a:gs pos="0">
+                      <a:schemeClr val="tx1"/>
+                    </a:gs>
+                    <a:gs pos="40000">
+                      <a:schemeClr val="tx1">
+                        <a:lumMod val="75000"/>
+                        <a:lumOff val="25000"/>
+                      </a:schemeClr>
+                    </a:gs>
+                    <a:gs pos="100000">
+                      <a:schemeClr val="tx2">
+                        <a:alpha val="65000"/>
+                      </a:schemeClr>
+                    </a:gs>
+                  </a:gsLst>
+                  <a:lin ang="5400000" scaled="0"/>
+                </a:gradFill>
+                <a:effectLst/>
+                <a:latin typeface="+mj-lt"/>
+                <a:ea typeface="+mj-ea"/>
+                <a:cs typeface="+mj-cs"/>
+              </a:defRPr>
             </a:lvl1pPr>
             <a:lvl2pPr marL="457200" indent="0">
               <a:buNone/>
@@ -1547,7 +2222,22 @@
             </a:lvl9pPr>
           </a:lstStyle>
           <a:p>
-            <a:pPr lvl="0"/>
+            <a:pPr marL="0" lvl="0" indent="0" algn="ctr" defTabSz="914400" rtl="0" eaLnBrk="1" latinLnBrk="0" hangingPunct="1">
+              <a:spcBef>
+                <a:spcPct val="20000"/>
+              </a:spcBef>
+              <a:spcAft>
+                <a:spcPts val="300"/>
+              </a:spcAft>
+              <a:buClr>
+                <a:schemeClr val="accent6">
+                  <a:lumMod val="75000"/>
+                </a:schemeClr>
+              </a:buClr>
+              <a:buSzPct val="130000"/>
+              <a:buFont typeface="Georgia" pitchFamily="18" charset="0"/>
+              <a:buNone/>
+            </a:pPr>
             <a:r>
               <a:rPr lang="es-ES" smtClean="0"/>
               <a:t>Haga clic para modificar el estilo de texto del patrón</a:t>
@@ -1557,7 +2247,7 @@
       </p:sp>
       <p:sp>
         <p:nvSpPr>
-          <p:cNvPr id="6" name="Marcador de contenido 5"/>
+          <p:cNvPr id="6" name="Content Placeholder 5"/>
           <p:cNvSpPr>
             <a:spLocks noGrp="1"/>
           </p:cNvSpPr>
@@ -1567,13 +2257,43 @@
         </p:nvSpPr>
         <p:spPr>
           <a:xfrm>
-            <a:off x="6172200" y="2505075"/>
-            <a:ext cx="5183188" cy="3684588"/>
-          </a:xfrm>
-        </p:spPr>
-        <p:txBody>
-          <a:bodyPr/>
-          <a:lstStyle/>
+            <a:off x="6193367" y="1399032"/>
+            <a:ext cx="4462272" cy="2743200"/>
+          </a:xfrm>
+        </p:spPr>
+        <p:txBody>
+          <a:bodyPr>
+            <a:normAutofit/>
+          </a:bodyPr>
+          <a:lstStyle>
+            <a:lvl1pPr>
+              <a:defRPr sz="1800"/>
+            </a:lvl1pPr>
+            <a:lvl2pPr>
+              <a:defRPr sz="1800"/>
+            </a:lvl2pPr>
+            <a:lvl3pPr>
+              <a:defRPr sz="1600"/>
+            </a:lvl3pPr>
+            <a:lvl4pPr>
+              <a:defRPr sz="1600"/>
+            </a:lvl4pPr>
+            <a:lvl5pPr>
+              <a:defRPr sz="1600"/>
+            </a:lvl5pPr>
+            <a:lvl6pPr>
+              <a:defRPr sz="1600"/>
+            </a:lvl6pPr>
+            <a:lvl7pPr>
+              <a:defRPr sz="1600"/>
+            </a:lvl7pPr>
+            <a:lvl8pPr>
+              <a:defRPr sz="1600"/>
+            </a:lvl8pPr>
+            <a:lvl9pPr>
+              <a:defRPr sz="1600"/>
+            </a:lvl9pPr>
+          </a:lstStyle>
           <a:p>
             <a:pPr lvl="0"/>
             <a:r>
@@ -1608,13 +2328,13 @@
               <a:rPr lang="es-ES" smtClean="0"/>
               <a:t>Quinto nivel</a:t>
             </a:r>
-            <a:endParaRPr lang="es-PE"/>
-          </a:p>
-        </p:txBody>
-      </p:sp>
-      <p:sp>
-        <p:nvSpPr>
-          <p:cNvPr id="7" name="Marcador de fecha 6"/>
+            <a:endParaRPr lang="en-US" dirty="0"/>
+          </a:p>
+        </p:txBody>
+      </p:sp>
+      <p:sp>
+        <p:nvSpPr>
+          <p:cNvPr id="7" name="Date Placeholder 6"/>
           <p:cNvSpPr>
             <a:spLocks noGrp="1"/>
           </p:cNvSpPr>
@@ -1629,7 +2349,7 @@
           <a:p>
             <a:fld id="{926A55A3-003D-46A9-AD7C-327658280F0F}" type="datetimeFigureOut">
               <a:rPr lang="es-PE" smtClean="0"/>
-              <a:t>15/12/2016</a:t>
+              <a:t>20/12/2016</a:t>
             </a:fld>
             <a:endParaRPr lang="es-PE"/>
           </a:p>
@@ -1637,7 +2357,7 @@
       </p:sp>
       <p:sp>
         <p:nvSpPr>
-          <p:cNvPr id="8" name="Marcador de pie de página 7"/>
+          <p:cNvPr id="8" name="Footer Placeholder 7"/>
           <p:cNvSpPr>
             <a:spLocks noGrp="1"/>
           </p:cNvSpPr>
@@ -1656,7 +2376,7 @@
       </p:sp>
       <p:sp>
         <p:nvSpPr>
-          <p:cNvPr id="9" name="Marcador de número de diapositiva 8"/>
+          <p:cNvPr id="9" name="Slide Number Placeholder 8"/>
           <p:cNvSpPr>
             <a:spLocks noGrp="1"/>
           </p:cNvSpPr>
@@ -1677,22 +2397,47 @@
           </a:p>
         </p:txBody>
       </p:sp>
+      <p:sp>
+        <p:nvSpPr>
+          <p:cNvPr id="10" name="Title 9"/>
+          <p:cNvSpPr>
+            <a:spLocks noGrp="1"/>
+          </p:cNvSpPr>
+          <p:nvPr>
+            <p:ph type="title"/>
+          </p:nvPr>
+        </p:nvSpPr>
+        <p:spPr/>
+        <p:txBody>
+          <a:bodyPr/>
+          <a:lstStyle/>
+          <a:p>
+            <a:r>
+              <a:rPr lang="es-ES" smtClean="0"/>
+              <a:t>Haga clic para modificar el estilo de título del patrón</a:t>
+            </a:r>
+            <a:endParaRPr lang="en-US" dirty="0"/>
+          </a:p>
+        </p:txBody>
+      </p:sp>
     </p:spTree>
-    <p:extLst>
-      <p:ext uri="{BB962C8B-B14F-4D97-AF65-F5344CB8AC3E}">
-        <p14:creationId xmlns:p14="http://schemas.microsoft.com/office/powerpoint/2010/main" val="1801633235"/>
-      </p:ext>
-    </p:extLst>
   </p:cSld>
   <p:clrMapOvr>
     <a:masterClrMapping/>
   </p:clrMapOvr>
+  <p:timing>
+    <p:tnLst>
+      <p:par>
+        <p:cTn id="1" dur="indefinite" restart="never" nodeType="tmRoot"/>
+      </p:par>
+    </p:tnLst>
+  </p:timing>
 </p:sldLayout>
 </file>
 
 <file path=ppt/slideLayouts/slideLayout6.xml><?xml version="1.0" encoding="utf-8"?>
 <p:sldLayout xmlns:a="http://schemas.openxmlformats.org/drawingml/2006/main" xmlns:r="http://schemas.openxmlformats.org/officeDocument/2006/relationships" xmlns:p="http://schemas.openxmlformats.org/presentationml/2006/main" type="titleOnly" preserve="1">
-  <p:cSld name="Solo el título">
+  <p:cSld name="Sólo el título">
     <p:spTree>
       <p:nvGrpSpPr>
         <p:cNvPr id="1" name=""/>
@@ -1709,7 +2454,7 @@
       </p:grpSpPr>
       <p:sp>
         <p:nvSpPr>
-          <p:cNvPr id="2" name="Título 1"/>
+          <p:cNvPr id="2" name="Title 1"/>
           <p:cNvSpPr>
             <a:spLocks noGrp="1"/>
           </p:cNvSpPr>
@@ -1726,13 +2471,13 @@
               <a:rPr lang="es-ES" smtClean="0"/>
               <a:t>Haga clic para modificar el estilo de título del patrón</a:t>
             </a:r>
-            <a:endParaRPr lang="es-PE"/>
-          </a:p>
-        </p:txBody>
-      </p:sp>
-      <p:sp>
-        <p:nvSpPr>
-          <p:cNvPr id="3" name="Marcador de fecha 2"/>
+            <a:endParaRPr lang="en-US" dirty="0"/>
+          </a:p>
+        </p:txBody>
+      </p:sp>
+      <p:sp>
+        <p:nvSpPr>
+          <p:cNvPr id="3" name="Date Placeholder 2"/>
           <p:cNvSpPr>
             <a:spLocks noGrp="1"/>
           </p:cNvSpPr>
@@ -1747,7 +2492,7 @@
           <a:p>
             <a:fld id="{926A55A3-003D-46A9-AD7C-327658280F0F}" type="datetimeFigureOut">
               <a:rPr lang="es-PE" smtClean="0"/>
-              <a:t>15/12/2016</a:t>
+              <a:t>20/12/2016</a:t>
             </a:fld>
             <a:endParaRPr lang="es-PE"/>
           </a:p>
@@ -1755,7 +2500,7 @@
       </p:sp>
       <p:sp>
         <p:nvSpPr>
-          <p:cNvPr id="4" name="Marcador de pie de página 3"/>
+          <p:cNvPr id="4" name="Footer Placeholder 3"/>
           <p:cNvSpPr>
             <a:spLocks noGrp="1"/>
           </p:cNvSpPr>
@@ -1774,7 +2519,7 @@
       </p:sp>
       <p:sp>
         <p:nvSpPr>
-          <p:cNvPr id="5" name="Marcador de número de diapositiva 4"/>
+          <p:cNvPr id="5" name="Slide Number Placeholder 4"/>
           <p:cNvSpPr>
             <a:spLocks noGrp="1"/>
           </p:cNvSpPr>
@@ -1796,15 +2541,17 @@
         </p:txBody>
       </p:sp>
     </p:spTree>
-    <p:extLst>
-      <p:ext uri="{BB962C8B-B14F-4D97-AF65-F5344CB8AC3E}">
-        <p14:creationId xmlns:p14="http://schemas.microsoft.com/office/powerpoint/2010/main" val="2451219227"/>
-      </p:ext>
-    </p:extLst>
   </p:cSld>
   <p:clrMapOvr>
     <a:masterClrMapping/>
   </p:clrMapOvr>
+  <p:timing>
+    <p:tnLst>
+      <p:par>
+        <p:cTn id="1" dur="indefinite" restart="never" nodeType="tmRoot"/>
+      </p:par>
+    </p:tnLst>
+  </p:timing>
 </p:sldLayout>
 </file>
 
@@ -1827,7 +2574,7 @@
       </p:grpSpPr>
       <p:sp>
         <p:nvSpPr>
-          <p:cNvPr id="2" name="Marcador de fecha 1"/>
+          <p:cNvPr id="2" name="Date Placeholder 1"/>
           <p:cNvSpPr>
             <a:spLocks noGrp="1"/>
           </p:cNvSpPr>
@@ -1842,7 +2589,7 @@
           <a:p>
             <a:fld id="{926A55A3-003D-46A9-AD7C-327658280F0F}" type="datetimeFigureOut">
               <a:rPr lang="es-PE" smtClean="0"/>
-              <a:t>15/12/2016</a:t>
+              <a:t>20/12/2016</a:t>
             </a:fld>
             <a:endParaRPr lang="es-PE"/>
           </a:p>
@@ -1850,7 +2597,7 @@
       </p:sp>
       <p:sp>
         <p:nvSpPr>
-          <p:cNvPr id="3" name="Marcador de pie de página 2"/>
+          <p:cNvPr id="3" name="Footer Placeholder 2"/>
           <p:cNvSpPr>
             <a:spLocks noGrp="1"/>
           </p:cNvSpPr>
@@ -1869,7 +2616,7 @@
       </p:sp>
       <p:sp>
         <p:nvSpPr>
-          <p:cNvPr id="4" name="Marcador de número de diapositiva 3"/>
+          <p:cNvPr id="4" name="Slide Number Placeholder 3"/>
           <p:cNvSpPr>
             <a:spLocks noGrp="1"/>
           </p:cNvSpPr>
@@ -1891,15 +2638,17 @@
         </p:txBody>
       </p:sp>
     </p:spTree>
-    <p:extLst>
-      <p:ext uri="{BB962C8B-B14F-4D97-AF65-F5344CB8AC3E}">
-        <p14:creationId xmlns:p14="http://schemas.microsoft.com/office/powerpoint/2010/main" val="3852857491"/>
-      </p:ext>
-    </p:extLst>
   </p:cSld>
   <p:clrMapOvr>
     <a:masterClrMapping/>
   </p:clrMapOvr>
+  <p:timing>
+    <p:tnLst>
+      <p:par>
+        <p:cTn id="1" dur="indefinite" restart="never" nodeType="tmRoot"/>
+      </p:par>
+    </p:tnLst>
+  </p:timing>
 </p:sldLayout>
 </file>
 
@@ -1922,7 +2671,7 @@
       </p:grpSpPr>
       <p:sp>
         <p:nvSpPr>
-          <p:cNvPr id="2" name="Título 1"/>
+          <p:cNvPr id="2" name="Title 1"/>
           <p:cNvSpPr>
             <a:spLocks noGrp="1"/>
           </p:cNvSpPr>
@@ -1932,59 +2681,64 @@
         </p:nvSpPr>
         <p:spPr>
           <a:xfrm>
-            <a:off x="839788" y="457200"/>
-            <a:ext cx="3932237" cy="1600200"/>
-          </a:xfrm>
-        </p:spPr>
-        <p:txBody>
-          <a:bodyPr anchor="b"/>
+            <a:off x="1118794" y="2209801"/>
+            <a:ext cx="4848113" cy="1258493"/>
+          </a:xfrm>
+          <a:effectLst/>
+        </p:spPr>
+        <p:txBody>
+          <a:bodyPr anchor="b">
+            <a:noAutofit/>
+          </a:bodyPr>
+          <a:lstStyle>
+            <a:lvl1pPr marL="228600" indent="-228600" algn="l">
+              <a:defRPr sz="2800" b="1">
+                <a:effectLst/>
+              </a:defRPr>
+            </a:lvl1pPr>
+          </a:lstStyle>
+          <a:p>
+            <a:r>
+              <a:rPr lang="es-ES" smtClean="0"/>
+              <a:t>Haga clic para modificar el estilo de título del patrón</a:t>
+            </a:r>
+            <a:endParaRPr lang="en-US" dirty="0"/>
+          </a:p>
+        </p:txBody>
+      </p:sp>
+      <p:sp>
+        <p:nvSpPr>
+          <p:cNvPr id="3" name="Content Placeholder 2"/>
+          <p:cNvSpPr>
+            <a:spLocks noGrp="1"/>
+          </p:cNvSpPr>
+          <p:nvPr>
+            <p:ph idx="1"/>
+          </p:nvPr>
+        </p:nvSpPr>
+        <p:spPr>
+          <a:xfrm>
+            <a:off x="6124688" y="731520"/>
+            <a:ext cx="5356113" cy="4894730"/>
+          </a:xfrm>
+        </p:spPr>
+        <p:txBody>
+          <a:bodyPr anchor="ctr"/>
           <a:lstStyle>
             <a:lvl1pPr>
-              <a:defRPr sz="3200"/>
-            </a:lvl1pPr>
-          </a:lstStyle>
-          <a:p>
-            <a:r>
-              <a:rPr lang="es-ES" smtClean="0"/>
-              <a:t>Haga clic para modificar el estilo de título del patrón</a:t>
-            </a:r>
-            <a:endParaRPr lang="es-PE"/>
-          </a:p>
-        </p:txBody>
-      </p:sp>
-      <p:sp>
-        <p:nvSpPr>
-          <p:cNvPr id="3" name="Marcador de contenido 2"/>
-          <p:cNvSpPr>
-            <a:spLocks noGrp="1"/>
-          </p:cNvSpPr>
-          <p:nvPr>
-            <p:ph idx="1"/>
-          </p:nvPr>
-        </p:nvSpPr>
-        <p:spPr>
-          <a:xfrm>
-            <a:off x="5183188" y="987425"/>
-            <a:ext cx="6172200" cy="4873625"/>
-          </a:xfrm>
-        </p:spPr>
-        <p:txBody>
-          <a:bodyPr/>
-          <a:lstStyle>
-            <a:lvl1pPr>
-              <a:defRPr sz="3200"/>
+              <a:defRPr sz="2200"/>
             </a:lvl1pPr>
             <a:lvl2pPr>
-              <a:defRPr sz="2800"/>
+              <a:defRPr sz="2000"/>
             </a:lvl2pPr>
             <a:lvl3pPr>
-              <a:defRPr sz="2400"/>
+              <a:defRPr sz="1800"/>
             </a:lvl3pPr>
             <a:lvl4pPr>
-              <a:defRPr sz="2000"/>
+              <a:defRPr sz="1600"/>
             </a:lvl4pPr>
             <a:lvl5pPr>
-              <a:defRPr sz="2000"/>
+              <a:defRPr sz="1400"/>
             </a:lvl5pPr>
             <a:lvl6pPr>
               <a:defRPr sz="2000"/>
@@ -2033,13 +2787,13 @@
               <a:rPr lang="es-ES" smtClean="0"/>
               <a:t>Quinto nivel</a:t>
             </a:r>
-            <a:endParaRPr lang="es-PE"/>
-          </a:p>
-        </p:txBody>
-      </p:sp>
-      <p:sp>
-        <p:nvSpPr>
-          <p:cNvPr id="4" name="Marcador de texto 3"/>
+            <a:endParaRPr lang="en-US" dirty="0"/>
+          </a:p>
+        </p:txBody>
+      </p:sp>
+      <p:sp>
+        <p:nvSpPr>
+          <p:cNvPr id="4" name="Text Placeholder 3"/>
           <p:cNvSpPr>
             <a:spLocks noGrp="1"/>
           </p:cNvSpPr>
@@ -2049,8 +2803,8 @@
         </p:nvSpPr>
         <p:spPr>
           <a:xfrm>
-            <a:off x="839788" y="2057400"/>
-            <a:ext cx="3932237" cy="3811588"/>
+            <a:off x="1434354" y="3497802"/>
+            <a:ext cx="4518213" cy="2139518"/>
           </a:xfrm>
         </p:spPr>
         <p:txBody>
@@ -2058,39 +2812,39 @@
           <a:lstStyle>
             <a:lvl1pPr marL="0" indent="0">
               <a:buNone/>
-              <a:defRPr sz="1600"/>
+              <a:defRPr sz="1400"/>
             </a:lvl1pPr>
             <a:lvl2pPr marL="457200" indent="0">
               <a:buNone/>
-              <a:defRPr sz="1400"/>
+              <a:defRPr sz="1200"/>
             </a:lvl2pPr>
             <a:lvl3pPr marL="914400" indent="0">
               <a:buNone/>
-              <a:defRPr sz="1200"/>
+              <a:defRPr sz="1000"/>
             </a:lvl3pPr>
             <a:lvl4pPr marL="1371600" indent="0">
               <a:buNone/>
-              <a:defRPr sz="1000"/>
+              <a:defRPr sz="900"/>
             </a:lvl4pPr>
             <a:lvl5pPr marL="1828800" indent="0">
               <a:buNone/>
-              <a:defRPr sz="1000"/>
+              <a:defRPr sz="900"/>
             </a:lvl5pPr>
             <a:lvl6pPr marL="2286000" indent="0">
               <a:buNone/>
-              <a:defRPr sz="1000"/>
+              <a:defRPr sz="900"/>
             </a:lvl6pPr>
             <a:lvl7pPr marL="2743200" indent="0">
               <a:buNone/>
-              <a:defRPr sz="1000"/>
+              <a:defRPr sz="900"/>
             </a:lvl7pPr>
             <a:lvl8pPr marL="3200400" indent="0">
               <a:buNone/>
-              <a:defRPr sz="1000"/>
+              <a:defRPr sz="900"/>
             </a:lvl8pPr>
             <a:lvl9pPr marL="3657600" indent="0">
               <a:buNone/>
-              <a:defRPr sz="1000"/>
+              <a:defRPr sz="900"/>
             </a:lvl9pPr>
           </a:lstStyle>
           <a:p>
@@ -2104,7 +2858,7 @@
       </p:sp>
       <p:sp>
         <p:nvSpPr>
-          <p:cNvPr id="5" name="Marcador de fecha 4"/>
+          <p:cNvPr id="5" name="Date Placeholder 4"/>
           <p:cNvSpPr>
             <a:spLocks noGrp="1"/>
           </p:cNvSpPr>
@@ -2119,7 +2873,7 @@
           <a:p>
             <a:fld id="{926A55A3-003D-46A9-AD7C-327658280F0F}" type="datetimeFigureOut">
               <a:rPr lang="es-PE" smtClean="0"/>
-              <a:t>15/12/2016</a:t>
+              <a:t>20/12/2016</a:t>
             </a:fld>
             <a:endParaRPr lang="es-PE"/>
           </a:p>
@@ -2127,7 +2881,7 @@
       </p:sp>
       <p:sp>
         <p:nvSpPr>
-          <p:cNvPr id="6" name="Marcador de pie de página 5"/>
+          <p:cNvPr id="6" name="Footer Placeholder 5"/>
           <p:cNvSpPr>
             <a:spLocks noGrp="1"/>
           </p:cNvSpPr>
@@ -2146,7 +2900,7 @@
       </p:sp>
       <p:sp>
         <p:nvSpPr>
-          <p:cNvPr id="7" name="Marcador de número de diapositiva 6"/>
+          <p:cNvPr id="7" name="Slide Number Placeholder 6"/>
           <p:cNvSpPr>
             <a:spLocks noGrp="1"/>
           </p:cNvSpPr>
@@ -2168,20 +2922,22 @@
         </p:txBody>
       </p:sp>
     </p:spTree>
-    <p:extLst>
-      <p:ext uri="{BB962C8B-B14F-4D97-AF65-F5344CB8AC3E}">
-        <p14:creationId xmlns:p14="http://schemas.microsoft.com/office/powerpoint/2010/main" val="137850225"/>
-      </p:ext>
-    </p:extLst>
   </p:cSld>
   <p:clrMapOvr>
     <a:masterClrMapping/>
   </p:clrMapOvr>
+  <p:timing>
+    <p:tnLst>
+      <p:par>
+        <p:cTn id="1" dur="indefinite" restart="never" nodeType="tmRoot"/>
+      </p:par>
+    </p:tnLst>
+  </p:timing>
 </p:sldLayout>
 </file>
 
 <file path=ppt/slideLayouts/slideLayout9.xml><?xml version="1.0" encoding="utf-8"?>
-<p:sldLayout xmlns:a="http://schemas.openxmlformats.org/drawingml/2006/main" xmlns:r="http://schemas.openxmlformats.org/officeDocument/2006/relationships" xmlns:p="http://schemas.openxmlformats.org/presentationml/2006/main" type="picTx" preserve="1">
+<p:sldLayout xmlns:a="http://schemas.openxmlformats.org/drawingml/2006/main" xmlns:r="http://schemas.openxmlformats.org/officeDocument/2006/relationships" xmlns:p="http://schemas.openxmlformats.org/presentationml/2006/main" showMasterSp="0" type="picTx" preserve="1">
   <p:cSld name="Imagen con título">
     <p:spTree>
       <p:nvGrpSpPr>
@@ -2199,58 +2955,320 @@
       </p:grpSpPr>
       <p:sp>
         <p:nvSpPr>
-          <p:cNvPr id="2" name="Título 1"/>
-          <p:cNvSpPr>
-            <a:spLocks noGrp="1"/>
-          </p:cNvSpPr>
-          <p:nvPr>
-            <p:ph type="title"/>
-          </p:nvPr>
+          <p:cNvPr id="8" name="Rectangle 7"/>
+          <p:cNvSpPr/>
+          <p:nvPr/>
         </p:nvSpPr>
         <p:spPr>
           <a:xfrm>
-            <a:off x="839788" y="457200"/>
-            <a:ext cx="3932237" cy="1600200"/>
-          </a:xfrm>
-        </p:spPr>
-        <p:txBody>
-          <a:bodyPr anchor="b"/>
+            <a:off x="0" y="3866920"/>
+            <a:ext cx="12192000" cy="2991080"/>
+          </a:xfrm>
+          <a:prstGeom prst="rect">
+            <a:avLst/>
+          </a:prstGeom>
+          <a:gradFill>
+            <a:gsLst>
+              <a:gs pos="0">
+                <a:schemeClr val="bg1">
+                  <a:alpha val="92000"/>
+                </a:schemeClr>
+              </a:gs>
+              <a:gs pos="37000">
+                <a:schemeClr val="bg1">
+                  <a:alpha val="77000"/>
+                </a:schemeClr>
+              </a:gs>
+              <a:gs pos="100000">
+                <a:schemeClr val="bg2">
+                  <a:alpha val="80000"/>
+                </a:schemeClr>
+              </a:gs>
+            </a:gsLst>
+            <a:path path="circle">
+              <a:fillToRect l="50000" t="50000" r="50000" b="50000"/>
+            </a:path>
+          </a:gradFill>
+          <a:ln>
+            <a:noFill/>
+          </a:ln>
+        </p:spPr>
+        <p:style>
+          <a:lnRef idx="2">
+            <a:schemeClr val="accent1">
+              <a:shade val="50000"/>
+            </a:schemeClr>
+          </a:lnRef>
+          <a:fillRef idx="1">
+            <a:schemeClr val="accent1"/>
+          </a:fillRef>
+          <a:effectRef idx="0">
+            <a:schemeClr val="accent1"/>
+          </a:effectRef>
+          <a:fontRef idx="minor">
+            <a:schemeClr val="lt1"/>
+          </a:fontRef>
+        </p:style>
+        <p:txBody>
+          <a:bodyPr rtlCol="0" anchor="ctr"/>
+          <a:lstStyle/>
+          <a:p>
+            <a:pPr algn="ctr"/>
+            <a:endParaRPr lang="en-US"/>
+          </a:p>
+        </p:txBody>
+      </p:sp>
+      <p:sp>
+        <p:nvSpPr>
+          <p:cNvPr id="9" name="Rectangle 8"/>
+          <p:cNvSpPr/>
+          <p:nvPr/>
+        </p:nvSpPr>
+        <p:spPr>
+          <a:xfrm>
+            <a:off x="0" y="0"/>
+            <a:ext cx="12192000" cy="3866920"/>
+          </a:xfrm>
+          <a:prstGeom prst="rect">
+            <a:avLst/>
+          </a:prstGeom>
+          <a:gradFill flip="none" rotWithShape="1">
+            <a:gsLst>
+              <a:gs pos="0">
+                <a:schemeClr val="bg1">
+                  <a:alpha val="90000"/>
+                </a:schemeClr>
+              </a:gs>
+              <a:gs pos="48000">
+                <a:schemeClr val="bg1">
+                  <a:alpha val="63000"/>
+                </a:schemeClr>
+              </a:gs>
+              <a:gs pos="100000">
+                <a:schemeClr val="bg2">
+                  <a:alpha val="80000"/>
+                </a:schemeClr>
+              </a:gs>
+            </a:gsLst>
+            <a:path path="circle">
+              <a:fillToRect l="50000" t="50000" r="50000" b="50000"/>
+            </a:path>
+            <a:tileRect/>
+          </a:gradFill>
+          <a:ln>
+            <a:noFill/>
+          </a:ln>
+        </p:spPr>
+        <p:style>
+          <a:lnRef idx="2">
+            <a:schemeClr val="accent1">
+              <a:shade val="50000"/>
+            </a:schemeClr>
+          </a:lnRef>
+          <a:fillRef idx="1">
+            <a:schemeClr val="accent1"/>
+          </a:fillRef>
+          <a:effectRef idx="0">
+            <a:schemeClr val="accent1"/>
+          </a:effectRef>
+          <a:fontRef idx="minor">
+            <a:schemeClr val="lt1"/>
+          </a:fontRef>
+        </p:style>
+        <p:txBody>
+          <a:bodyPr rtlCol="0" anchor="ctr"/>
+          <a:lstStyle/>
+          <a:p>
+            <a:pPr algn="ctr"/>
+            <a:endParaRPr lang="en-US" dirty="0"/>
+          </a:p>
+        </p:txBody>
+      </p:sp>
+      <p:sp>
+        <p:nvSpPr>
+          <p:cNvPr id="10" name="Rectangle 9"/>
+          <p:cNvSpPr/>
+          <p:nvPr/>
+        </p:nvSpPr>
+        <p:spPr>
+          <a:xfrm>
+            <a:off x="0" y="2652311"/>
+            <a:ext cx="12192000" cy="2286000"/>
+          </a:xfrm>
+          <a:prstGeom prst="rect">
+            <a:avLst/>
+          </a:prstGeom>
+          <a:gradFill flip="none" rotWithShape="1">
+            <a:gsLst>
+              <a:gs pos="0">
+                <a:schemeClr val="bg1">
+                  <a:alpha val="0"/>
+                </a:schemeClr>
+              </a:gs>
+              <a:gs pos="29000">
+                <a:schemeClr val="bg1">
+                  <a:alpha val="30000"/>
+                </a:schemeClr>
+              </a:gs>
+              <a:gs pos="45000">
+                <a:schemeClr val="bg2">
+                  <a:alpha val="40000"/>
+                </a:schemeClr>
+              </a:gs>
+              <a:gs pos="55000">
+                <a:schemeClr val="bg1">
+                  <a:alpha val="26000"/>
+                </a:schemeClr>
+              </a:gs>
+              <a:gs pos="65000">
+                <a:schemeClr val="bg2">
+                  <a:alpha val="60000"/>
+                </a:schemeClr>
+              </a:gs>
+              <a:gs pos="100000">
+                <a:schemeClr val="bg1">
+                  <a:alpha val="0"/>
+                </a:schemeClr>
+              </a:gs>
+            </a:gsLst>
+            <a:lin ang="5400000" scaled="0"/>
+            <a:tileRect/>
+          </a:gradFill>
+          <a:ln>
+            <a:noFill/>
+          </a:ln>
+        </p:spPr>
+        <p:style>
+          <a:lnRef idx="2">
+            <a:schemeClr val="accent1">
+              <a:shade val="50000"/>
+            </a:schemeClr>
+          </a:lnRef>
+          <a:fillRef idx="1">
+            <a:schemeClr val="accent1"/>
+          </a:fillRef>
+          <a:effectRef idx="0">
+            <a:schemeClr val="accent1"/>
+          </a:effectRef>
+          <a:fontRef idx="minor">
+            <a:schemeClr val="lt1"/>
+          </a:fontRef>
+        </p:style>
+        <p:txBody>
+          <a:bodyPr rtlCol="0" anchor="ctr"/>
+          <a:lstStyle/>
+          <a:p>
+            <a:pPr algn="ctr"/>
+            <a:endParaRPr lang="en-US"/>
+          </a:p>
+        </p:txBody>
+      </p:sp>
+      <p:sp>
+        <p:nvSpPr>
+          <p:cNvPr id="11" name="Oval 10"/>
+          <p:cNvSpPr/>
+          <p:nvPr/>
+        </p:nvSpPr>
+        <p:spPr>
+          <a:xfrm>
+            <a:off x="0" y="1600200"/>
+            <a:ext cx="12192000" cy="5105400"/>
+          </a:xfrm>
+          <a:prstGeom prst="ellipse">
+            <a:avLst/>
+          </a:prstGeom>
+          <a:gradFill flip="none" rotWithShape="1">
+            <a:gsLst>
+              <a:gs pos="0">
+                <a:schemeClr val="bg1"/>
+              </a:gs>
+              <a:gs pos="54000">
+                <a:schemeClr val="bg1">
+                  <a:alpha val="0"/>
+                </a:schemeClr>
+              </a:gs>
+            </a:gsLst>
+            <a:path path="circle">
+              <a:fillToRect l="50000" t="50000" r="50000" b="50000"/>
+            </a:path>
+            <a:tileRect/>
+          </a:gradFill>
+          <a:ln>
+            <a:noFill/>
+          </a:ln>
+        </p:spPr>
+        <p:style>
+          <a:lnRef idx="2">
+            <a:schemeClr val="accent1">
+              <a:shade val="50000"/>
+            </a:schemeClr>
+          </a:lnRef>
+          <a:fillRef idx="1">
+            <a:schemeClr val="accent1"/>
+          </a:fillRef>
+          <a:effectRef idx="0">
+            <a:schemeClr val="accent1"/>
+          </a:effectRef>
+          <a:fontRef idx="minor">
+            <a:schemeClr val="lt1"/>
+          </a:fontRef>
+        </p:style>
+        <p:txBody>
+          <a:bodyPr rtlCol="0" anchor="ctr"/>
+          <a:lstStyle/>
+          <a:p>
+            <a:pPr algn="ctr"/>
+            <a:endParaRPr lang="en-US"/>
+          </a:p>
+        </p:txBody>
+      </p:sp>
+      <p:sp>
+        <p:nvSpPr>
+          <p:cNvPr id="3" name="Picture Placeholder 2"/>
+          <p:cNvSpPr>
+            <a:spLocks noGrp="1"/>
+          </p:cNvSpPr>
+          <p:nvPr>
+            <p:ph type="pic" idx="1"/>
+          </p:nvPr>
+        </p:nvSpPr>
+        <p:spPr>
+          <a:xfrm>
+            <a:off x="5966900" y="1143000"/>
+            <a:ext cx="5486400" cy="3127806"/>
+          </a:xfrm>
+          <a:prstGeom prst="roundRect">
+            <a:avLst>
+              <a:gd name="adj" fmla="val 4230"/>
+            </a:avLst>
+          </a:prstGeom>
+          <a:solidFill>
+            <a:schemeClr val="bg2">
+              <a:lumMod val="90000"/>
+            </a:schemeClr>
+          </a:solidFill>
+          <a:effectLst>
+            <a:reflection blurRad="4350" stA="23000" endA="300" endPos="28000" dir="5400000" sy="-100000" algn="bl" rotWithShape="0"/>
+          </a:effectLst>
+          <a:scene3d>
+            <a:camera prst="perspectiveContrastingLeftFacing" fov="1800000">
+              <a:rot lat="300000" lon="2100000" rev="0"/>
+            </a:camera>
+            <a:lightRig rig="balanced" dir="t"/>
+          </a:scene3d>
+          <a:sp3d>
+            <a:bevelT w="50800" h="50800"/>
+          </a:sp3d>
+        </p:spPr>
+        <p:txBody>
+          <a:bodyPr>
+            <a:normAutofit/>
+            <a:flatTx/>
+          </a:bodyPr>
           <a:lstStyle>
-            <a:lvl1pPr>
-              <a:defRPr sz="3200"/>
-            </a:lvl1pPr>
-          </a:lstStyle>
-          <a:p>
-            <a:r>
-              <a:rPr lang="es-ES" smtClean="0"/>
-              <a:t>Haga clic para modificar el estilo de título del patrón</a:t>
-            </a:r>
-            <a:endParaRPr lang="es-PE"/>
-          </a:p>
-        </p:txBody>
-      </p:sp>
-      <p:sp>
-        <p:nvSpPr>
-          <p:cNvPr id="3" name="Marcador de posición de imagen 2"/>
-          <p:cNvSpPr>
-            <a:spLocks noGrp="1"/>
-          </p:cNvSpPr>
-          <p:nvPr>
-            <p:ph type="pic" idx="1"/>
-          </p:nvPr>
-        </p:nvSpPr>
-        <p:spPr>
-          <a:xfrm>
-            <a:off x="5183188" y="987425"/>
-            <a:ext cx="6172200" cy="4873625"/>
-          </a:xfrm>
-        </p:spPr>
-        <p:txBody>
-          <a:bodyPr/>
-          <a:lstStyle>
-            <a:lvl1pPr marL="0" indent="0">
-              <a:buNone/>
-              <a:defRPr sz="3200"/>
+            <a:lvl1pPr marL="0" indent="0" algn="ctr">
+              <a:buNone/>
+              <a:defRPr sz="2000"/>
             </a:lvl1pPr>
             <a:lvl2pPr marL="457200" indent="0">
               <a:buNone/>
@@ -2286,13 +3304,17 @@
             </a:lvl9pPr>
           </a:lstStyle>
           <a:p>
-            <a:endParaRPr lang="es-PE"/>
-          </a:p>
-        </p:txBody>
-      </p:sp>
-      <p:sp>
-        <p:nvSpPr>
-          <p:cNvPr id="4" name="Marcador de texto 3"/>
+            <a:r>
+              <a:rPr lang="es-ES" smtClean="0"/>
+              <a:t>Haga clic en el icono para agregar una imagen</a:t>
+            </a:r>
+            <a:endParaRPr lang="en-US" dirty="0"/>
+          </a:p>
+        </p:txBody>
+      </p:sp>
+      <p:sp>
+        <p:nvSpPr>
+          <p:cNvPr id="4" name="Text Placeholder 3"/>
           <p:cNvSpPr>
             <a:spLocks noGrp="1"/>
           </p:cNvSpPr>
@@ -2302,48 +3324,49 @@
         </p:nvSpPr>
         <p:spPr>
           <a:xfrm>
-            <a:off x="839788" y="2057400"/>
-            <a:ext cx="3932237" cy="3811588"/>
-          </a:xfrm>
-        </p:spPr>
-        <p:txBody>
-          <a:bodyPr/>
+            <a:off x="1170516" y="1010486"/>
+            <a:ext cx="4925485" cy="2163020"/>
+          </a:xfrm>
+        </p:spPr>
+        <p:txBody>
+          <a:bodyPr anchor="b"/>
           <a:lstStyle>
-            <a:lvl1pPr marL="0" indent="0">
-              <a:buNone/>
+            <a:lvl1pPr marL="182880" indent="-182880">
+              <a:buFont typeface="Georgia" pitchFamily="18" charset="0"/>
+              <a:buChar char="*"/>
               <a:defRPr sz="1600"/>
             </a:lvl1pPr>
             <a:lvl2pPr marL="457200" indent="0">
               <a:buNone/>
-              <a:defRPr sz="1400"/>
+              <a:defRPr sz="1200"/>
             </a:lvl2pPr>
             <a:lvl3pPr marL="914400" indent="0">
               <a:buNone/>
-              <a:defRPr sz="1200"/>
+              <a:defRPr sz="1000"/>
             </a:lvl3pPr>
             <a:lvl4pPr marL="1371600" indent="0">
               <a:buNone/>
-              <a:defRPr sz="1000"/>
+              <a:defRPr sz="900"/>
             </a:lvl4pPr>
             <a:lvl5pPr marL="1828800" indent="0">
               <a:buNone/>
-              <a:defRPr sz="1000"/>
+              <a:defRPr sz="900"/>
             </a:lvl5pPr>
             <a:lvl6pPr marL="2286000" indent="0">
               <a:buNone/>
-              <a:defRPr sz="1000"/>
+              <a:defRPr sz="900"/>
             </a:lvl6pPr>
             <a:lvl7pPr marL="2743200" indent="0">
               <a:buNone/>
-              <a:defRPr sz="1000"/>
+              <a:defRPr sz="900"/>
             </a:lvl7pPr>
             <a:lvl8pPr marL="3200400" indent="0">
               <a:buNone/>
-              <a:defRPr sz="1000"/>
+              <a:defRPr sz="900"/>
             </a:lvl8pPr>
             <a:lvl9pPr marL="3657600" indent="0">
               <a:buNone/>
-              <a:defRPr sz="1000"/>
+              <a:defRPr sz="900"/>
             </a:lvl9pPr>
           </a:lstStyle>
           <a:p>
@@ -2357,7 +3380,7 @@
       </p:sp>
       <p:sp>
         <p:nvSpPr>
-          <p:cNvPr id="5" name="Marcador de fecha 4"/>
+          <p:cNvPr id="5" name="Date Placeholder 4"/>
           <p:cNvSpPr>
             <a:spLocks noGrp="1"/>
           </p:cNvSpPr>
@@ -2372,7 +3395,7 @@
           <a:p>
             <a:fld id="{926A55A3-003D-46A9-AD7C-327658280F0F}" type="datetimeFigureOut">
               <a:rPr lang="es-PE" smtClean="0"/>
-              <a:t>15/12/2016</a:t>
+              <a:t>20/12/2016</a:t>
             </a:fld>
             <a:endParaRPr lang="es-PE"/>
           </a:p>
@@ -2380,7 +3403,7 @@
       </p:sp>
       <p:sp>
         <p:nvSpPr>
-          <p:cNvPr id="6" name="Marcador de pie de página 5"/>
+          <p:cNvPr id="6" name="Footer Placeholder 5"/>
           <p:cNvSpPr>
             <a:spLocks noGrp="1"/>
           </p:cNvSpPr>
@@ -2399,7 +3422,7 @@
       </p:sp>
       <p:sp>
         <p:nvSpPr>
-          <p:cNvPr id="7" name="Marcador de número de diapositiva 6"/>
+          <p:cNvPr id="7" name="Slide Number Placeholder 6"/>
           <p:cNvSpPr>
             <a:spLocks noGrp="1"/>
           </p:cNvSpPr>
@@ -2420,16 +3443,52 @@
           </a:p>
         </p:txBody>
       </p:sp>
+      <p:sp>
+        <p:nvSpPr>
+          <p:cNvPr id="2" name="Title 1"/>
+          <p:cNvSpPr>
+            <a:spLocks noGrp="1"/>
+          </p:cNvSpPr>
+          <p:nvPr>
+            <p:ph type="title"/>
+          </p:nvPr>
+        </p:nvSpPr>
+        <p:spPr>
+          <a:xfrm>
+            <a:off x="969691" y="4464421"/>
+            <a:ext cx="8511384" cy="1143000"/>
+          </a:xfrm>
+        </p:spPr>
+        <p:txBody>
+          <a:bodyPr anchor="b">
+            <a:noAutofit/>
+          </a:bodyPr>
+          <a:lstStyle>
+            <a:lvl1pPr algn="l">
+              <a:defRPr sz="4600" b="1"/>
+            </a:lvl1pPr>
+          </a:lstStyle>
+          <a:p>
+            <a:r>
+              <a:rPr lang="es-ES" smtClean="0"/>
+              <a:t>Haga clic para modificar el estilo de título del patrón</a:t>
+            </a:r>
+            <a:endParaRPr lang="en-US" dirty="0"/>
+          </a:p>
+        </p:txBody>
+      </p:sp>
     </p:spTree>
-    <p:extLst>
-      <p:ext uri="{BB962C8B-B14F-4D97-AF65-F5344CB8AC3E}">
-        <p14:creationId xmlns:p14="http://schemas.microsoft.com/office/powerpoint/2010/main" val="2655500262"/>
-      </p:ext>
-    </p:extLst>
   </p:cSld>
   <p:clrMapOvr>
     <a:masterClrMapping/>
   </p:clrMapOvr>
+  <p:timing>
+    <p:tnLst>
+      <p:par>
+        <p:cTn id="1" dur="indefinite" restart="never" nodeType="tmRoot"/>
+      </p:par>
+    </p:tnLst>
+  </p:timing>
 </p:sldLayout>
 </file>
 
@@ -2437,8 +3496,8 @@
 <p:sldMaster xmlns:a="http://schemas.openxmlformats.org/drawingml/2006/main" xmlns:r="http://schemas.openxmlformats.org/officeDocument/2006/relationships" xmlns:p="http://schemas.openxmlformats.org/presentationml/2006/main">
   <p:cSld>
     <p:bg>
-      <p:bgRef idx="1001">
-        <a:schemeClr val="bg1"/>
+      <p:bgRef idx="1002">
+        <a:schemeClr val="bg2"/>
       </p:bgRef>
     </p:bg>
     <p:spTree>
@@ -2457,55 +3516,325 @@
       </p:grpSpPr>
       <p:sp>
         <p:nvSpPr>
-          <p:cNvPr id="2" name="Marcador de título 1"/>
-          <p:cNvSpPr>
-            <a:spLocks noGrp="1"/>
-          </p:cNvSpPr>
-          <p:nvPr>
-            <p:ph type="title"/>
-          </p:nvPr>
+          <p:cNvPr id="7" name="Rectangle 6"/>
+          <p:cNvSpPr/>
+          <p:nvPr/>
         </p:nvSpPr>
         <p:spPr>
           <a:xfrm>
-            <a:off x="838200" y="365125"/>
-            <a:ext cx="10515600" cy="1325563"/>
+            <a:off x="0" y="5105400"/>
+            <a:ext cx="12192000" cy="1752600"/>
           </a:xfrm>
           <a:prstGeom prst="rect">
             <a:avLst/>
           </a:prstGeom>
-        </p:spPr>
-        <p:txBody>
-          <a:bodyPr vert="horz" lIns="91440" tIns="45720" rIns="91440" bIns="45720" rtlCol="0" anchor="ctr">
-            <a:normAutofit/>
-          </a:bodyPr>
-          <a:lstStyle/>
-          <a:p>
-            <a:r>
-              <a:rPr lang="es-ES" smtClean="0"/>
-              <a:t>Haga clic para modificar el estilo de título del patrón</a:t>
-            </a:r>
-            <a:endParaRPr lang="es-PE"/>
-          </a:p>
-        </p:txBody>
-      </p:sp>
-      <p:sp>
-        <p:nvSpPr>
-          <p:cNvPr id="3" name="Marcador de texto 2"/>
-          <p:cNvSpPr>
-            <a:spLocks noGrp="1"/>
-          </p:cNvSpPr>
-          <p:nvPr>
-            <p:ph type="body" idx="1"/>
-          </p:nvPr>
+          <a:gradFill>
+            <a:gsLst>
+              <a:gs pos="0">
+                <a:schemeClr val="bg1">
+                  <a:alpha val="91000"/>
+                </a:schemeClr>
+              </a:gs>
+              <a:gs pos="37000">
+                <a:schemeClr val="bg1">
+                  <a:alpha val="76000"/>
+                </a:schemeClr>
+              </a:gs>
+              <a:gs pos="100000">
+                <a:schemeClr val="bg2">
+                  <a:alpha val="79000"/>
+                </a:schemeClr>
+              </a:gs>
+            </a:gsLst>
+            <a:path path="circle">
+              <a:fillToRect l="50000" t="50000" r="50000" b="50000"/>
+            </a:path>
+          </a:gradFill>
+          <a:ln>
+            <a:noFill/>
+          </a:ln>
+        </p:spPr>
+        <p:style>
+          <a:lnRef idx="2">
+            <a:schemeClr val="accent1">
+              <a:shade val="50000"/>
+            </a:schemeClr>
+          </a:lnRef>
+          <a:fillRef idx="1">
+            <a:schemeClr val="accent1"/>
+          </a:fillRef>
+          <a:effectRef idx="0">
+            <a:schemeClr val="accent1"/>
+          </a:effectRef>
+          <a:fontRef idx="minor">
+            <a:schemeClr val="lt1"/>
+          </a:fontRef>
+        </p:style>
+        <p:txBody>
+          <a:bodyPr rtlCol="0" anchor="ctr"/>
+          <a:lstStyle/>
+          <a:p>
+            <a:pPr algn="ctr"/>
+            <a:endParaRPr lang="en-US"/>
+          </a:p>
+        </p:txBody>
+      </p:sp>
+      <p:sp>
+        <p:nvSpPr>
+          <p:cNvPr id="8" name="Rectangle 7"/>
+          <p:cNvSpPr/>
+          <p:nvPr/>
         </p:nvSpPr>
         <p:spPr>
           <a:xfrm>
-            <a:off x="838200" y="1825625"/>
-            <a:ext cx="10515600" cy="4351338"/>
+            <a:off x="0" y="0"/>
+            <a:ext cx="12192000" cy="5105400"/>
           </a:xfrm>
           <a:prstGeom prst="rect">
             <a:avLst/>
           </a:prstGeom>
+          <a:gradFill flip="none" rotWithShape="1">
+            <a:gsLst>
+              <a:gs pos="0">
+                <a:schemeClr val="bg1">
+                  <a:alpha val="89000"/>
+                </a:schemeClr>
+              </a:gs>
+              <a:gs pos="48000">
+                <a:schemeClr val="bg1">
+                  <a:alpha val="62000"/>
+                </a:schemeClr>
+              </a:gs>
+              <a:gs pos="100000">
+                <a:schemeClr val="bg2">
+                  <a:alpha val="79000"/>
+                </a:schemeClr>
+              </a:gs>
+            </a:gsLst>
+            <a:path path="circle">
+              <a:fillToRect l="50000" t="50000" r="50000" b="50000"/>
+            </a:path>
+            <a:tileRect/>
+          </a:gradFill>
+          <a:ln>
+            <a:noFill/>
+          </a:ln>
+        </p:spPr>
+        <p:style>
+          <a:lnRef idx="2">
+            <a:schemeClr val="accent1">
+              <a:shade val="50000"/>
+            </a:schemeClr>
+          </a:lnRef>
+          <a:fillRef idx="1">
+            <a:schemeClr val="accent1"/>
+          </a:fillRef>
+          <a:effectRef idx="0">
+            <a:schemeClr val="accent1"/>
+          </a:effectRef>
+          <a:fontRef idx="minor">
+            <a:schemeClr val="lt1"/>
+          </a:fontRef>
+        </p:style>
+        <p:txBody>
+          <a:bodyPr rtlCol="0" anchor="ctr"/>
+          <a:lstStyle/>
+          <a:p>
+            <a:pPr algn="ctr"/>
+            <a:endParaRPr lang="en-US" dirty="0"/>
+          </a:p>
+        </p:txBody>
+      </p:sp>
+      <p:sp>
+        <p:nvSpPr>
+          <p:cNvPr id="9" name="Rectangle 8"/>
+          <p:cNvSpPr/>
+          <p:nvPr/>
+        </p:nvSpPr>
+        <p:spPr>
+          <a:xfrm>
+            <a:off x="0" y="3768304"/>
+            <a:ext cx="12192000" cy="2286000"/>
+          </a:xfrm>
+          <a:prstGeom prst="rect">
+            <a:avLst/>
+          </a:prstGeom>
+          <a:gradFill flip="none" rotWithShape="1">
+            <a:gsLst>
+              <a:gs pos="0">
+                <a:schemeClr val="bg1">
+                  <a:alpha val="0"/>
+                </a:schemeClr>
+              </a:gs>
+              <a:gs pos="29000">
+                <a:schemeClr val="bg1">
+                  <a:alpha val="30000"/>
+                </a:schemeClr>
+              </a:gs>
+              <a:gs pos="45000">
+                <a:schemeClr val="bg2">
+                  <a:alpha val="40000"/>
+                </a:schemeClr>
+              </a:gs>
+              <a:gs pos="55000">
+                <a:schemeClr val="bg1">
+                  <a:alpha val="26000"/>
+                </a:schemeClr>
+              </a:gs>
+              <a:gs pos="65000">
+                <a:schemeClr val="bg2">
+                  <a:alpha val="60000"/>
+                </a:schemeClr>
+              </a:gs>
+              <a:gs pos="100000">
+                <a:schemeClr val="bg1">
+                  <a:alpha val="0"/>
+                </a:schemeClr>
+              </a:gs>
+            </a:gsLst>
+            <a:lin ang="5400000" scaled="0"/>
+            <a:tileRect/>
+          </a:gradFill>
+          <a:ln>
+            <a:noFill/>
+          </a:ln>
+        </p:spPr>
+        <p:style>
+          <a:lnRef idx="2">
+            <a:schemeClr val="accent1">
+              <a:shade val="50000"/>
+            </a:schemeClr>
+          </a:lnRef>
+          <a:fillRef idx="1">
+            <a:schemeClr val="accent1"/>
+          </a:fillRef>
+          <a:effectRef idx="0">
+            <a:schemeClr val="accent1"/>
+          </a:effectRef>
+          <a:fontRef idx="minor">
+            <a:schemeClr val="lt1"/>
+          </a:fontRef>
+        </p:style>
+        <p:txBody>
+          <a:bodyPr rtlCol="0" anchor="ctr"/>
+          <a:lstStyle/>
+          <a:p>
+            <a:pPr algn="ctr"/>
+            <a:endParaRPr lang="en-US"/>
+          </a:p>
+        </p:txBody>
+      </p:sp>
+      <p:sp>
+        <p:nvSpPr>
+          <p:cNvPr id="10" name="Oval 9"/>
+          <p:cNvSpPr/>
+          <p:nvPr/>
+        </p:nvSpPr>
+        <p:spPr>
+          <a:xfrm>
+            <a:off x="0" y="1600200"/>
+            <a:ext cx="12192000" cy="5105400"/>
+          </a:xfrm>
+          <a:prstGeom prst="ellipse">
+            <a:avLst/>
+          </a:prstGeom>
+          <a:gradFill flip="none" rotWithShape="1">
+            <a:gsLst>
+              <a:gs pos="0">
+                <a:schemeClr val="bg1"/>
+              </a:gs>
+              <a:gs pos="56000">
+                <a:schemeClr val="bg1">
+                  <a:alpha val="0"/>
+                </a:schemeClr>
+              </a:gs>
+            </a:gsLst>
+            <a:path path="circle">
+              <a:fillToRect l="50000" t="50000" r="50000" b="50000"/>
+            </a:path>
+            <a:tileRect/>
+          </a:gradFill>
+          <a:ln>
+            <a:noFill/>
+          </a:ln>
+        </p:spPr>
+        <p:style>
+          <a:lnRef idx="2">
+            <a:schemeClr val="accent1">
+              <a:shade val="50000"/>
+            </a:schemeClr>
+          </a:lnRef>
+          <a:fillRef idx="1">
+            <a:schemeClr val="accent1"/>
+          </a:fillRef>
+          <a:effectRef idx="0">
+            <a:schemeClr val="accent1"/>
+          </a:effectRef>
+          <a:fontRef idx="minor">
+            <a:schemeClr val="lt1"/>
+          </a:fontRef>
+        </p:style>
+        <p:txBody>
+          <a:bodyPr rtlCol="0" anchor="ctr"/>
+          <a:lstStyle/>
+          <a:p>
+            <a:pPr algn="ctr"/>
+            <a:endParaRPr lang="en-US"/>
+          </a:p>
+        </p:txBody>
+      </p:sp>
+      <p:sp>
+        <p:nvSpPr>
+          <p:cNvPr id="2" name="Title Placeholder 1"/>
+          <p:cNvSpPr>
+            <a:spLocks noGrp="1"/>
+          </p:cNvSpPr>
+          <p:nvPr>
+            <p:ph type="title"/>
+          </p:nvPr>
+        </p:nvSpPr>
+        <p:spPr>
+          <a:xfrm>
+            <a:off x="2391053" y="4372168"/>
+            <a:ext cx="8683348" cy="1143000"/>
+          </a:xfrm>
+          <a:prstGeom prst="rect">
+            <a:avLst/>
+          </a:prstGeom>
+          <a:effectLst/>
+        </p:spPr>
+        <p:txBody>
+          <a:bodyPr vert="horz" lIns="91440" tIns="45720" rIns="91440" bIns="45720" rtlCol="0" anchor="t" anchorCtr="0">
+            <a:noAutofit/>
+          </a:bodyPr>
+          <a:lstStyle/>
+          <a:p>
+            <a:r>
+              <a:rPr lang="es-ES" smtClean="0"/>
+              <a:t>Haga clic para modificar el estilo de título del patrón</a:t>
+            </a:r>
+            <a:endParaRPr lang="en-US" dirty="0"/>
+          </a:p>
+        </p:txBody>
+      </p:sp>
+      <p:sp>
+        <p:nvSpPr>
+          <p:cNvPr id="3" name="Text Placeholder 2"/>
+          <p:cNvSpPr>
+            <a:spLocks noGrp="1"/>
+          </p:cNvSpPr>
+          <p:nvPr>
+            <p:ph type="body" idx="1"/>
+          </p:nvPr>
+        </p:nvSpPr>
+        <p:spPr>
+          <a:xfrm>
+            <a:off x="1524000" y="732260"/>
+            <a:ext cx="8534400" cy="3474720"/>
+          </a:xfrm>
+          <a:prstGeom prst="rect">
+            <a:avLst/>
+          </a:prstGeom>
         </p:spPr>
         <p:txBody>
           <a:bodyPr vert="horz" lIns="91440" tIns="45720" rIns="91440" bIns="45720" rtlCol="0">
@@ -2546,13 +3875,13 @@
               <a:rPr lang="es-ES" smtClean="0"/>
               <a:t>Quinto nivel</a:t>
             </a:r>
-            <a:endParaRPr lang="es-PE"/>
-          </a:p>
-        </p:txBody>
-      </p:sp>
-      <p:sp>
-        <p:nvSpPr>
-          <p:cNvPr id="4" name="Marcador de fecha 3"/>
+            <a:endParaRPr lang="en-US" dirty="0"/>
+          </a:p>
+        </p:txBody>
+      </p:sp>
+      <p:sp>
+        <p:nvSpPr>
+          <p:cNvPr id="4" name="Date Placeholder 3"/>
           <p:cNvSpPr>
             <a:spLocks noGrp="1"/>
           </p:cNvSpPr>
@@ -2562,8 +3891,8 @@
         </p:nvSpPr>
         <p:spPr>
           <a:xfrm>
-            <a:off x="838200" y="6356350"/>
-            <a:ext cx="2743200" cy="365125"/>
+            <a:off x="8229600" y="6172201"/>
+            <a:ext cx="3352800" cy="365125"/>
           </a:xfrm>
           <a:prstGeom prst="rect">
             <a:avLst/>
@@ -2572,11 +3901,12 @@
         <p:txBody>
           <a:bodyPr vert="horz" lIns="91440" tIns="45720" rIns="91440" bIns="45720" rtlCol="0" anchor="ctr"/>
           <a:lstStyle>
-            <a:lvl1pPr algn="l">
-              <a:defRPr sz="1200">
+            <a:lvl1pPr algn="r">
+              <a:defRPr sz="1100" b="1">
                 <a:solidFill>
                   <a:schemeClr val="tx1">
-                    <a:tint val="75000"/>
+                    <a:lumMod val="50000"/>
+                    <a:lumOff val="50000"/>
                   </a:schemeClr>
                 </a:solidFill>
               </a:defRPr>
@@ -2585,7 +3915,7 @@
           <a:p>
             <a:fld id="{926A55A3-003D-46A9-AD7C-327658280F0F}" type="datetimeFigureOut">
               <a:rPr lang="es-PE" smtClean="0"/>
-              <a:t>15/12/2016</a:t>
+              <a:t>20/12/2016</a:t>
             </a:fld>
             <a:endParaRPr lang="es-PE"/>
           </a:p>
@@ -2593,7 +3923,7 @@
       </p:sp>
       <p:sp>
         <p:nvSpPr>
-          <p:cNvPr id="5" name="Marcador de pie de página 4"/>
+          <p:cNvPr id="5" name="Footer Placeholder 4"/>
           <p:cNvSpPr>
             <a:spLocks noGrp="1"/>
           </p:cNvSpPr>
@@ -2603,8 +3933,8 @@
         </p:nvSpPr>
         <p:spPr>
           <a:xfrm>
-            <a:off x="4038600" y="6356350"/>
-            <a:ext cx="4114800" cy="365125"/>
+            <a:off x="609600" y="6172201"/>
+            <a:ext cx="4470401" cy="365125"/>
           </a:xfrm>
           <a:prstGeom prst="rect">
             <a:avLst/>
@@ -2613,11 +3943,12 @@
         <p:txBody>
           <a:bodyPr vert="horz" lIns="91440" tIns="45720" rIns="91440" bIns="45720" rtlCol="0" anchor="ctr"/>
           <a:lstStyle>
-            <a:lvl1pPr algn="ctr">
-              <a:defRPr sz="1200">
+            <a:lvl1pPr algn="l">
+              <a:defRPr sz="1100" b="1">
                 <a:solidFill>
                   <a:schemeClr val="tx1">
-                    <a:tint val="75000"/>
+                    <a:lumMod val="50000"/>
+                    <a:lumOff val="50000"/>
                   </a:schemeClr>
                 </a:solidFill>
               </a:defRPr>
@@ -2630,7 +3961,7 @@
       </p:sp>
       <p:sp>
         <p:nvSpPr>
-          <p:cNvPr id="6" name="Marcador de número de diapositiva 5"/>
+          <p:cNvPr id="6" name="Slide Number Placeholder 5"/>
           <p:cNvSpPr>
             <a:spLocks noGrp="1"/>
           </p:cNvSpPr>
@@ -2640,8 +3971,8 @@
         </p:nvSpPr>
         <p:spPr>
           <a:xfrm>
-            <a:off x="8610600" y="6356350"/>
-            <a:ext cx="2743200" cy="365125"/>
+            <a:off x="5080000" y="6172201"/>
+            <a:ext cx="2438400" cy="365125"/>
           </a:xfrm>
           <a:prstGeom prst="rect">
             <a:avLst/>
@@ -2650,11 +3981,12 @@
         <p:txBody>
           <a:bodyPr vert="horz" lIns="91440" tIns="45720" rIns="91440" bIns="45720" rtlCol="0" anchor="ctr"/>
           <a:lstStyle>
-            <a:lvl1pPr algn="r">
-              <a:defRPr sz="1200">
+            <a:lvl1pPr algn="ctr">
+              <a:defRPr sz="1200" b="1">
                 <a:solidFill>
                   <a:schemeClr val="tx1">
-                    <a:tint val="75000"/>
+                    <a:lumMod val="50000"/>
+                    <a:lumOff val="50000"/>
                   </a:schemeClr>
                 </a:solidFill>
               </a:defRPr>
@@ -2670,203 +4002,365 @@
         </p:txBody>
       </p:sp>
     </p:spTree>
-    <p:extLst>
-      <p:ext uri="{BB962C8B-B14F-4D97-AF65-F5344CB8AC3E}">
-        <p14:creationId xmlns:p14="http://schemas.microsoft.com/office/powerpoint/2010/main" val="1328033404"/>
-      </p:ext>
-    </p:extLst>
   </p:cSld>
   <p:clrMap bg1="lt1" tx1="dk1" bg2="lt2" tx2="dk2" accent1="accent1" accent2="accent2" accent3="accent3" accent4="accent4" accent5="accent5" accent6="accent6" hlink="hlink" folHlink="folHlink"/>
   <p:sldLayoutIdLst>
-    <p:sldLayoutId id="2147483649" r:id="rId1"/>
-    <p:sldLayoutId id="2147483650" r:id="rId2"/>
-    <p:sldLayoutId id="2147483651" r:id="rId3"/>
-    <p:sldLayoutId id="2147483652" r:id="rId4"/>
-    <p:sldLayoutId id="2147483653" r:id="rId5"/>
-    <p:sldLayoutId id="2147483654" r:id="rId6"/>
-    <p:sldLayoutId id="2147483655" r:id="rId7"/>
-    <p:sldLayoutId id="2147483656" r:id="rId8"/>
-    <p:sldLayoutId id="2147483657" r:id="rId9"/>
-    <p:sldLayoutId id="2147483658" r:id="rId10"/>
-    <p:sldLayoutId id="2147483659" r:id="rId11"/>
+    <p:sldLayoutId id="2147483661" r:id="rId1"/>
+    <p:sldLayoutId id="2147483662" r:id="rId2"/>
+    <p:sldLayoutId id="2147483663" r:id="rId3"/>
+    <p:sldLayoutId id="2147483664" r:id="rId4"/>
+    <p:sldLayoutId id="2147483665" r:id="rId5"/>
+    <p:sldLayoutId id="2147483666" r:id="rId6"/>
+    <p:sldLayoutId id="2147483667" r:id="rId7"/>
+    <p:sldLayoutId id="2147483668" r:id="rId8"/>
+    <p:sldLayoutId id="2147483669" r:id="rId9"/>
+    <p:sldLayoutId id="2147483670" r:id="rId10"/>
+    <p:sldLayoutId id="2147483671" r:id="rId11"/>
   </p:sldLayoutIdLst>
+  <p:timing>
+    <p:tnLst>
+      <p:par>
+        <p:cTn id="1" dur="indefinite" restart="never" nodeType="tmRoot"/>
+      </p:par>
+    </p:tnLst>
+  </p:timing>
   <p:txStyles>
     <p:titleStyle>
-      <a:lvl1pPr algn="l" defTabSz="914400" rtl="0" eaLnBrk="1" latinLnBrk="0" hangingPunct="1">
-        <a:lnSpc>
-          <a:spcPct val="90000"/>
-        </a:lnSpc>
+      <a:lvl1pPr marL="320040" indent="-320040" algn="r" defTabSz="914400" rtl="0" eaLnBrk="1" latinLnBrk="0" hangingPunct="1">
         <a:spcBef>
           <a:spcPct val="0"/>
         </a:spcBef>
-        <a:buNone/>
-        <a:defRPr sz="4400" kern="1200">
-          <a:solidFill>
-            <a:schemeClr val="tx1"/>
-          </a:solidFill>
+        <a:buClr>
+          <a:schemeClr val="accent6">
+            <a:lumMod val="75000"/>
+          </a:schemeClr>
+        </a:buClr>
+        <a:buSzPct val="128000"/>
+        <a:buFont typeface="Georgia" pitchFamily="18" charset="0"/>
+        <a:buChar char="*"/>
+        <a:defRPr sz="4600" b="1" i="0" kern="1200">
+          <a:gradFill>
+            <a:gsLst>
+              <a:gs pos="0">
+                <a:schemeClr val="tx1"/>
+              </a:gs>
+              <a:gs pos="40000">
+                <a:schemeClr val="tx1">
+                  <a:lumMod val="75000"/>
+                  <a:lumOff val="25000"/>
+                </a:schemeClr>
+              </a:gs>
+              <a:gs pos="100000">
+                <a:schemeClr val="tx2">
+                  <a:alpha val="65000"/>
+                </a:schemeClr>
+              </a:gs>
+            </a:gsLst>
+            <a:lin ang="5400000" scaled="0"/>
+          </a:gradFill>
+          <a:effectLst>
+            <a:reflection blurRad="6350" stA="55000" endA="300" endPos="45500" dir="5400000" sy="-100000" algn="bl" rotWithShape="0"/>
+          </a:effectLst>
           <a:latin typeface="+mj-lt"/>
           <a:ea typeface="+mj-ea"/>
           <a:cs typeface="+mj-cs"/>
         </a:defRPr>
       </a:lvl1pPr>
+      <a:lvl2pPr eaLnBrk="1" hangingPunct="1">
+        <a:defRPr>
+          <a:solidFill>
+            <a:schemeClr val="tx2"/>
+          </a:solidFill>
+        </a:defRPr>
+      </a:lvl2pPr>
+      <a:lvl3pPr eaLnBrk="1" hangingPunct="1">
+        <a:defRPr>
+          <a:solidFill>
+            <a:schemeClr val="tx2"/>
+          </a:solidFill>
+        </a:defRPr>
+      </a:lvl3pPr>
+      <a:lvl4pPr eaLnBrk="1" hangingPunct="1">
+        <a:defRPr>
+          <a:solidFill>
+            <a:schemeClr val="tx2"/>
+          </a:solidFill>
+        </a:defRPr>
+      </a:lvl4pPr>
+      <a:lvl5pPr eaLnBrk="1" hangingPunct="1">
+        <a:defRPr>
+          <a:solidFill>
+            <a:schemeClr val="tx2"/>
+          </a:solidFill>
+        </a:defRPr>
+      </a:lvl5pPr>
+      <a:lvl6pPr eaLnBrk="1" hangingPunct="1">
+        <a:defRPr>
+          <a:solidFill>
+            <a:schemeClr val="tx2"/>
+          </a:solidFill>
+        </a:defRPr>
+      </a:lvl6pPr>
+      <a:lvl7pPr eaLnBrk="1" hangingPunct="1">
+        <a:defRPr>
+          <a:solidFill>
+            <a:schemeClr val="tx2"/>
+          </a:solidFill>
+        </a:defRPr>
+      </a:lvl7pPr>
+      <a:lvl8pPr eaLnBrk="1" hangingPunct="1">
+        <a:defRPr>
+          <a:solidFill>
+            <a:schemeClr val="tx2"/>
+          </a:solidFill>
+        </a:defRPr>
+      </a:lvl8pPr>
+      <a:lvl9pPr eaLnBrk="1" hangingPunct="1">
+        <a:defRPr>
+          <a:solidFill>
+            <a:schemeClr val="tx2"/>
+          </a:solidFill>
+        </a:defRPr>
+      </a:lvl9pPr>
     </p:titleStyle>
     <p:bodyStyle>
-      <a:lvl1pPr marL="228600" indent="-228600" algn="l" defTabSz="914400" rtl="0" eaLnBrk="1" latinLnBrk="0" hangingPunct="1">
-        <a:lnSpc>
-          <a:spcPct val="90000"/>
-        </a:lnSpc>
+      <a:lvl1pPr marL="228600" indent="-182880" algn="l" defTabSz="914400" rtl="0" eaLnBrk="1" latinLnBrk="0" hangingPunct="1">
         <a:spcBef>
-          <a:spcPts val="1000"/>
+          <a:spcPct val="20000"/>
         </a:spcBef>
-        <a:buFont typeface="Arial" panose="020B0604020202020204" pitchFamily="34" charset="0"/>
-        <a:buChar char="•"/>
-        <a:defRPr sz="2800" kern="1200">
+        <a:spcAft>
+          <a:spcPts val="300"/>
+        </a:spcAft>
+        <a:buClr>
+          <a:schemeClr val="accent6">
+            <a:lumMod val="75000"/>
+          </a:schemeClr>
+        </a:buClr>
+        <a:buSzPct val="130000"/>
+        <a:buFont typeface="Georgia" pitchFamily="18" charset="0"/>
+        <a:buChar char="*"/>
+        <a:defRPr sz="2200" kern="1200">
           <a:solidFill>
-            <a:schemeClr val="tx1"/>
+            <a:schemeClr val="tx1">
+              <a:lumMod val="75000"/>
+              <a:lumOff val="25000"/>
+            </a:schemeClr>
           </a:solidFill>
           <a:latin typeface="+mn-lt"/>
           <a:ea typeface="+mn-ea"/>
           <a:cs typeface="+mn-cs"/>
         </a:defRPr>
       </a:lvl1pPr>
-      <a:lvl2pPr marL="685800" indent="-228600" algn="l" defTabSz="914400" rtl="0" eaLnBrk="1" latinLnBrk="0" hangingPunct="1">
-        <a:lnSpc>
-          <a:spcPct val="90000"/>
-        </a:lnSpc>
+      <a:lvl2pPr marL="548640" indent="-182880" algn="l" defTabSz="914400" rtl="0" eaLnBrk="1" latinLnBrk="0" hangingPunct="1">
         <a:spcBef>
-          <a:spcPts val="500"/>
+          <a:spcPct val="20000"/>
         </a:spcBef>
-        <a:buFont typeface="Arial" panose="020B0604020202020204" pitchFamily="34" charset="0"/>
-        <a:buChar char="•"/>
-        <a:defRPr sz="2400" kern="1200">
+        <a:spcAft>
+          <a:spcPts val="300"/>
+        </a:spcAft>
+        <a:buClr>
+          <a:schemeClr val="accent6">
+            <a:lumMod val="75000"/>
+          </a:schemeClr>
+        </a:buClr>
+        <a:buSzPct val="130000"/>
+        <a:buFont typeface="Georgia" pitchFamily="18" charset="0"/>
+        <a:buChar char="*"/>
+        <a:defRPr sz="2000" kern="1200">
           <a:solidFill>
-            <a:schemeClr val="tx1"/>
+            <a:schemeClr val="tx1">
+              <a:lumMod val="75000"/>
+              <a:lumOff val="25000"/>
+            </a:schemeClr>
           </a:solidFill>
           <a:latin typeface="+mn-lt"/>
           <a:ea typeface="+mn-ea"/>
           <a:cs typeface="+mn-cs"/>
         </a:defRPr>
       </a:lvl2pPr>
-      <a:lvl3pPr marL="1143000" indent="-228600" algn="l" defTabSz="914400" rtl="0" eaLnBrk="1" latinLnBrk="0" hangingPunct="1">
-        <a:lnSpc>
-          <a:spcPct val="90000"/>
-        </a:lnSpc>
+      <a:lvl3pPr marL="822960" indent="-182880" algn="l" defTabSz="914400" rtl="0" eaLnBrk="1" latinLnBrk="0" hangingPunct="1">
         <a:spcBef>
-          <a:spcPts val="500"/>
+          <a:spcPct val="20000"/>
         </a:spcBef>
-        <a:buFont typeface="Arial" panose="020B0604020202020204" pitchFamily="34" charset="0"/>
-        <a:buChar char="•"/>
-        <a:defRPr sz="2000" kern="1200">
+        <a:spcAft>
+          <a:spcPts val="300"/>
+        </a:spcAft>
+        <a:buClr>
+          <a:schemeClr val="accent6">
+            <a:lumMod val="75000"/>
+          </a:schemeClr>
+        </a:buClr>
+        <a:buSzPct val="130000"/>
+        <a:buFont typeface="Georgia" pitchFamily="18" charset="0"/>
+        <a:buChar char="*"/>
+        <a:defRPr sz="1800" kern="1200">
           <a:solidFill>
-            <a:schemeClr val="tx1"/>
+            <a:schemeClr val="tx1">
+              <a:lumMod val="75000"/>
+              <a:lumOff val="25000"/>
+            </a:schemeClr>
           </a:solidFill>
           <a:latin typeface="+mn-lt"/>
           <a:ea typeface="+mn-ea"/>
           <a:cs typeface="+mn-cs"/>
         </a:defRPr>
       </a:lvl3pPr>
-      <a:lvl4pPr marL="1600200" indent="-228600" algn="l" defTabSz="914400" rtl="0" eaLnBrk="1" latinLnBrk="0" hangingPunct="1">
-        <a:lnSpc>
-          <a:spcPct val="90000"/>
-        </a:lnSpc>
+      <a:lvl4pPr marL="1097280" indent="-182880" algn="l" defTabSz="914400" rtl="0" eaLnBrk="1" latinLnBrk="0" hangingPunct="1">
         <a:spcBef>
-          <a:spcPts val="500"/>
+          <a:spcPct val="20000"/>
         </a:spcBef>
-        <a:buFont typeface="Arial" panose="020B0604020202020204" pitchFamily="34" charset="0"/>
-        <a:buChar char="•"/>
-        <a:defRPr sz="1800" kern="1200">
+        <a:spcAft>
+          <a:spcPts val="300"/>
+        </a:spcAft>
+        <a:buClr>
+          <a:schemeClr val="accent6">
+            <a:lumMod val="75000"/>
+          </a:schemeClr>
+        </a:buClr>
+        <a:buSzPct val="130000"/>
+        <a:buFont typeface="Georgia" pitchFamily="18" charset="0"/>
+        <a:buChar char="*"/>
+        <a:defRPr sz="1600" kern="1200">
           <a:solidFill>
-            <a:schemeClr val="tx1"/>
+            <a:schemeClr val="tx1">
+              <a:lumMod val="75000"/>
+              <a:lumOff val="25000"/>
+            </a:schemeClr>
           </a:solidFill>
           <a:latin typeface="+mn-lt"/>
           <a:ea typeface="+mn-ea"/>
           <a:cs typeface="+mn-cs"/>
         </a:defRPr>
       </a:lvl4pPr>
-      <a:lvl5pPr marL="2057400" indent="-228600" algn="l" defTabSz="914400" rtl="0" eaLnBrk="1" latinLnBrk="0" hangingPunct="1">
-        <a:lnSpc>
-          <a:spcPct val="90000"/>
-        </a:lnSpc>
+      <a:lvl5pPr marL="1389888" indent="-182880" algn="l" defTabSz="914400" rtl="0" eaLnBrk="1" latinLnBrk="0" hangingPunct="1">
         <a:spcBef>
-          <a:spcPts val="500"/>
+          <a:spcPct val="20000"/>
         </a:spcBef>
-        <a:buFont typeface="Arial" panose="020B0604020202020204" pitchFamily="34" charset="0"/>
-        <a:buChar char="•"/>
-        <a:defRPr sz="1800" kern="1200">
+        <a:spcAft>
+          <a:spcPts val="300"/>
+        </a:spcAft>
+        <a:buClr>
+          <a:schemeClr val="accent6">
+            <a:lumMod val="75000"/>
+          </a:schemeClr>
+        </a:buClr>
+        <a:buSzPct val="130000"/>
+        <a:buFont typeface="Georgia" pitchFamily="18" charset="0"/>
+        <a:buChar char="*"/>
+        <a:defRPr sz="1400" kern="1200">
           <a:solidFill>
-            <a:schemeClr val="tx1"/>
+            <a:schemeClr val="tx1">
+              <a:lumMod val="75000"/>
+              <a:lumOff val="25000"/>
+            </a:schemeClr>
           </a:solidFill>
           <a:latin typeface="+mn-lt"/>
           <a:ea typeface="+mn-ea"/>
           <a:cs typeface="+mn-cs"/>
         </a:defRPr>
       </a:lvl5pPr>
-      <a:lvl6pPr marL="2514600" indent="-228600" algn="l" defTabSz="914400" rtl="0" eaLnBrk="1" latinLnBrk="0" hangingPunct="1">
-        <a:lnSpc>
-          <a:spcPct val="90000"/>
-        </a:lnSpc>
+      <a:lvl6pPr marL="1664208" indent="-182880" algn="l" defTabSz="914400" rtl="0" eaLnBrk="1" latinLnBrk="0" hangingPunct="1">
         <a:spcBef>
-          <a:spcPts val="500"/>
+          <a:spcPct val="20000"/>
         </a:spcBef>
-        <a:buFont typeface="Arial" panose="020B0604020202020204" pitchFamily="34" charset="0"/>
-        <a:buChar char="•"/>
-        <a:defRPr sz="1800" kern="1200">
+        <a:spcAft>
+          <a:spcPts val="300"/>
+        </a:spcAft>
+        <a:buClr>
+          <a:schemeClr val="accent6">
+            <a:lumMod val="75000"/>
+          </a:schemeClr>
+        </a:buClr>
+        <a:buSzPct val="130000"/>
+        <a:buFont typeface="Georgia" pitchFamily="18" charset="0"/>
+        <a:buChar char="*"/>
+        <a:defRPr sz="1400" kern="1200">
           <a:solidFill>
-            <a:schemeClr val="tx1"/>
+            <a:schemeClr val="tx1">
+              <a:lumMod val="75000"/>
+              <a:lumOff val="25000"/>
+            </a:schemeClr>
           </a:solidFill>
           <a:latin typeface="+mn-lt"/>
           <a:ea typeface="+mn-ea"/>
           <a:cs typeface="+mn-cs"/>
         </a:defRPr>
       </a:lvl6pPr>
-      <a:lvl7pPr marL="2971800" indent="-228600" algn="l" defTabSz="914400" rtl="0" eaLnBrk="1" latinLnBrk="0" hangingPunct="1">
-        <a:lnSpc>
-          <a:spcPct val="90000"/>
-        </a:lnSpc>
+      <a:lvl7pPr marL="1965960" indent="-182880" algn="l" defTabSz="914400" rtl="0" eaLnBrk="1" latinLnBrk="0" hangingPunct="1">
         <a:spcBef>
-          <a:spcPts val="500"/>
+          <a:spcPct val="20000"/>
         </a:spcBef>
-        <a:buFont typeface="Arial" panose="020B0604020202020204" pitchFamily="34" charset="0"/>
-        <a:buChar char="•"/>
-        <a:defRPr sz="1800" kern="1200">
+        <a:spcAft>
+          <a:spcPts val="300"/>
+        </a:spcAft>
+        <a:buClr>
+          <a:schemeClr val="accent6">
+            <a:lumMod val="75000"/>
+          </a:schemeClr>
+        </a:buClr>
+        <a:buSzPct val="130000"/>
+        <a:buFont typeface="Georgia" pitchFamily="18" charset="0"/>
+        <a:buChar char="*"/>
+        <a:defRPr sz="1400" kern="1200">
           <a:solidFill>
-            <a:schemeClr val="tx1"/>
+            <a:schemeClr val="tx1">
+              <a:lumMod val="75000"/>
+              <a:lumOff val="25000"/>
+            </a:schemeClr>
           </a:solidFill>
           <a:latin typeface="+mn-lt"/>
           <a:ea typeface="+mn-ea"/>
           <a:cs typeface="+mn-cs"/>
         </a:defRPr>
       </a:lvl7pPr>
-      <a:lvl8pPr marL="3429000" indent="-228600" algn="l" defTabSz="914400" rtl="0" eaLnBrk="1" latinLnBrk="0" hangingPunct="1">
-        <a:lnSpc>
-          <a:spcPct val="90000"/>
-        </a:lnSpc>
+      <a:lvl8pPr marL="2286000" indent="-182880" algn="l" defTabSz="914400" rtl="0" eaLnBrk="1" latinLnBrk="0" hangingPunct="1">
         <a:spcBef>
-          <a:spcPts val="500"/>
+          <a:spcPct val="20000"/>
         </a:spcBef>
-        <a:buFont typeface="Arial" panose="020B0604020202020204" pitchFamily="34" charset="0"/>
-        <a:buChar char="•"/>
-        <a:defRPr sz="1800" kern="1200">
+        <a:spcAft>
+          <a:spcPts val="300"/>
+        </a:spcAft>
+        <a:buClr>
+          <a:schemeClr val="accent6">
+            <a:lumMod val="75000"/>
+          </a:schemeClr>
+        </a:buClr>
+        <a:buSzPct val="130000"/>
+        <a:buFont typeface="Georgia" pitchFamily="18" charset="0"/>
+        <a:buChar char="*"/>
+        <a:defRPr sz="1400" kern="1200">
           <a:solidFill>
-            <a:schemeClr val="tx1"/>
+            <a:schemeClr val="tx1">
+              <a:lumMod val="75000"/>
+              <a:lumOff val="25000"/>
+            </a:schemeClr>
           </a:solidFill>
           <a:latin typeface="+mn-lt"/>
           <a:ea typeface="+mn-ea"/>
           <a:cs typeface="+mn-cs"/>
         </a:defRPr>
       </a:lvl8pPr>
-      <a:lvl9pPr marL="3886200" indent="-228600" algn="l" defTabSz="914400" rtl="0" eaLnBrk="1" latinLnBrk="0" hangingPunct="1">
-        <a:lnSpc>
-          <a:spcPct val="90000"/>
-        </a:lnSpc>
+      <a:lvl9pPr marL="2587752" indent="-182880" algn="l" defTabSz="914400" rtl="0" eaLnBrk="1" latinLnBrk="0" hangingPunct="1">
         <a:spcBef>
-          <a:spcPts val="500"/>
+          <a:spcPct val="20000"/>
         </a:spcBef>
-        <a:buFont typeface="Arial" panose="020B0604020202020204" pitchFamily="34" charset="0"/>
-        <a:buChar char="•"/>
-        <a:defRPr sz="1800" kern="1200">
+        <a:spcAft>
+          <a:spcPts val="300"/>
+        </a:spcAft>
+        <a:buClr>
+          <a:schemeClr val="accent6">
+            <a:lumMod val="75000"/>
+          </a:schemeClr>
+        </a:buClr>
+        <a:buSzPct val="130000"/>
+        <a:buFont typeface="Georgia" pitchFamily="18" charset="0"/>
+        <a:buChar char="*"/>
+        <a:defRPr sz="1400" kern="1200">
           <a:solidFill>
-            <a:schemeClr val="tx1"/>
+            <a:schemeClr val="tx1">
+              <a:lumMod val="75000"/>
+              <a:lumOff val="25000"/>
+            </a:schemeClr>
           </a:solidFill>
           <a:latin typeface="+mn-lt"/>
           <a:ea typeface="+mn-ea"/>
@@ -2876,7 +4370,7 @@
     </p:bodyStyle>
     <p:otherStyle>
       <a:defPPr>
-        <a:defRPr lang="es-PE"/>
+        <a:defRPr lang="en-US"/>
       </a:defPPr>
       <a:lvl1pPr marL="0" algn="l" defTabSz="914400" rtl="0" eaLnBrk="1" latinLnBrk="0" hangingPunct="1">
         <a:defRPr sz="1800" kern="1200">
@@ -2992,6 +4486,60 @@
       </p:grpSpPr>
       <p:sp>
         <p:nvSpPr>
+          <p:cNvPr id="3" name="Subtítulo 2"/>
+          <p:cNvSpPr>
+            <a:spLocks noGrp="1"/>
+          </p:cNvSpPr>
+          <p:nvPr>
+            <p:ph type="subTitle" idx="1"/>
+          </p:nvPr>
+        </p:nvSpPr>
+        <p:spPr>
+          <a:xfrm>
+            <a:off x="671803" y="2500605"/>
+            <a:ext cx="11084767" cy="4030824"/>
+          </a:xfrm>
+        </p:spPr>
+        <p:txBody>
+          <a:bodyPr>
+            <a:normAutofit/>
+          </a:bodyPr>
+          <a:lstStyle/>
+          <a:p>
+            <a:pPr algn="just"/>
+            <a:r>
+              <a:rPr lang="es-PE" sz="3500" b="1" dirty="0" smtClean="0"/>
+              <a:t>Introducción: </a:t>
+            </a:r>
+          </a:p>
+          <a:p>
+            <a:pPr algn="just"/>
+            <a:r>
+              <a:rPr lang="es-PE" dirty="0" smtClean="0"/>
+              <a:t>El intercambio electrónico de datos son un tipo de </a:t>
+            </a:r>
+            <a:r>
+              <a:rPr lang="es-PE" dirty="0" err="1" smtClean="0"/>
+              <a:t>SIOs</a:t>
+            </a:r>
+            <a:r>
+              <a:rPr lang="es-PE" dirty="0" smtClean="0"/>
+              <a:t> (Sistemas de Información </a:t>
+            </a:r>
+            <a:r>
+              <a:rPr lang="es-PE" dirty="0" err="1" smtClean="0"/>
+              <a:t>Interorganizativos</a:t>
+            </a:r>
+            <a:r>
+              <a:rPr lang="es-PE" dirty="0" smtClean="0"/>
+              <a:t>) que han aumentado considerablemente su presencia en el mundo de los negocios en los últimos años. Tanto es así que han pasado de considerarse fuente de ventajas competitivas a un imperativo, sobre todo en cientos sectores económicos, por lo que muchas grandes empresas, por ejemplo las del automóvil, se niegan a hacer negocios con otras que no cuenten con EDI. EDI consiste en la transmisión vía telemática de información de negocios en un formato normalizado, que traspasa las fronteras organizacionales y que se dirige de la aplicación informática de una empresa a la de otra sin necesidad de intervención manual. </a:t>
+            </a:r>
+            <a:endParaRPr lang="es-PE" dirty="0"/>
+          </a:p>
+        </p:txBody>
+      </p:sp>
+      <p:sp>
+        <p:nvSpPr>
           <p:cNvPr id="2" name="Título 1"/>
           <p:cNvSpPr>
             <a:spLocks noGrp="1"/>
@@ -3012,65 +4560,12 @@
           </a:bodyPr>
           <a:lstStyle/>
           <a:p>
+            <a:pPr algn="ctr"/>
             <a:r>
               <a:rPr lang="es-PE" b="1" dirty="0" smtClean="0"/>
               <a:t>ELECTRONIC DATA INTERCHANGE &amp; CODIFICATION</a:t>
             </a:r>
             <a:endParaRPr lang="es-PE" b="1" dirty="0"/>
-          </a:p>
-        </p:txBody>
-      </p:sp>
-      <p:sp>
-        <p:nvSpPr>
-          <p:cNvPr id="3" name="Subtítulo 2"/>
-          <p:cNvSpPr>
-            <a:spLocks noGrp="1"/>
-          </p:cNvSpPr>
-          <p:nvPr>
-            <p:ph type="subTitle" idx="1"/>
-          </p:nvPr>
-        </p:nvSpPr>
-        <p:spPr>
-          <a:xfrm>
-            <a:off x="671803" y="2500605"/>
-            <a:ext cx="11084767" cy="4030824"/>
-          </a:xfrm>
-        </p:spPr>
-        <p:txBody>
-          <a:bodyPr>
-            <a:normAutofit/>
-          </a:bodyPr>
-          <a:lstStyle/>
-          <a:p>
-            <a:pPr algn="just"/>
-            <a:r>
-              <a:rPr lang="es-PE" sz="3500" b="1" dirty="0" smtClean="0"/>
-              <a:t>Introducción: </a:t>
-            </a:r>
-          </a:p>
-          <a:p>
-            <a:pPr algn="just"/>
-            <a:r>
-              <a:rPr lang="es-PE" dirty="0" smtClean="0"/>
-              <a:t>El intercambio electrónico de datos son un tipo de </a:t>
-            </a:r>
-            <a:r>
-              <a:rPr lang="es-PE" dirty="0" err="1" smtClean="0"/>
-              <a:t>SIOs</a:t>
-            </a:r>
-            <a:r>
-              <a:rPr lang="es-PE" dirty="0" smtClean="0"/>
-              <a:t> (Sistemas de Información </a:t>
-            </a:r>
-            <a:r>
-              <a:rPr lang="es-PE" dirty="0" err="1" smtClean="0"/>
-              <a:t>Interorganizativos</a:t>
-            </a:r>
-            <a:r>
-              <a:rPr lang="es-PE" dirty="0" smtClean="0"/>
-              <a:t>) que han aumentado considerablemente su presencia en el mundo de los negocios en los últimos años. Tanto es así que han pasado de considerarse fuente de ventajas competitivas a un imperativo, sobre todo en cientos sectores económicos, por lo que muchas grandes empresas, por ejemplo las del automóvil, se niegan a hacer negocios con otras que no cuenten con EDI. EDI consiste en la transmisión vía telemática de información de negocios en un formato normalizado, que traspasa las fronteras organizacionales y que se dirige de la aplicación informática de una empresa a la de otra sin necesidad de intervención manual. </a:t>
-            </a:r>
-            <a:endParaRPr lang="es-PE" dirty="0"/>
           </a:p>
         </p:txBody>
       </p:sp>
@@ -3121,57 +4616,256 @@
             <p:ph type="title"/>
           </p:nvPr>
         </p:nvSpPr>
-        <p:spPr/>
-        <p:txBody>
-          <a:bodyPr/>
-          <a:lstStyle/>
-          <a:p>
+        <p:spPr>
+          <a:xfrm>
+            <a:off x="1537613" y="129352"/>
+            <a:ext cx="8683348" cy="1143000"/>
+          </a:xfrm>
+        </p:spPr>
+        <p:txBody>
+          <a:bodyPr>
+            <a:normAutofit fontScale="90000"/>
+          </a:bodyPr>
+          <a:lstStyle/>
+          <a:p>
+            <a:pPr algn="ctr"/>
+            <a:r>
+              <a:rPr lang="es-PE" sz="3600" b="1" dirty="0" smtClean="0"/>
+              <a:t>LEY DE TRANSPARENCIA Y ACCESO A LA INFORMACIÓN PÚBLICA – LEY N° 27806</a:t>
+            </a:r>
+            <a:endParaRPr lang="es-PE" sz="3600" b="1" dirty="0"/>
+          </a:p>
+        </p:txBody>
+      </p:sp>
+      <p:sp>
+        <p:nvSpPr>
+          <p:cNvPr id="3" name="Marcador de contenido 2"/>
+          <p:cNvSpPr>
+            <a:spLocks noGrp="1"/>
+          </p:cNvSpPr>
+          <p:nvPr>
+            <p:ph sz="quarter" idx="13"/>
+          </p:nvPr>
+        </p:nvSpPr>
+        <p:spPr>
+          <a:xfrm>
+            <a:off x="838200" y="1825625"/>
+            <a:ext cx="5181600" cy="4780448"/>
+          </a:xfrm>
+        </p:spPr>
+        <p:txBody>
+          <a:bodyPr>
+            <a:normAutofit lnSpcReduction="10000"/>
+          </a:bodyPr>
+          <a:lstStyle/>
+          <a:p>
+            <a:pPr marL="0" indent="0">
+              <a:buNone/>
+            </a:pPr>
+            <a:r>
+              <a:rPr lang="es-PE" b="1" dirty="0"/>
+              <a:t>Artículo 1º.- Alcance de la Ley </a:t>
+            </a:r>
+          </a:p>
+          <a:p>
+            <a:r>
+              <a:rPr lang="es-PE" dirty="0"/>
+              <a:t> La presente Ley tiene por finalidad promover la transparencia de los actos del Estado y </a:t>
+            </a:r>
+            <a:r>
+              <a:rPr lang="es-PE" dirty="0" smtClean="0"/>
+              <a:t>regular </a:t>
+            </a:r>
+            <a:r>
+              <a:rPr lang="es-PE" dirty="0"/>
+              <a:t>el derecho fundamental del acceso a la información consagrado en el </a:t>
+            </a:r>
+            <a:r>
+              <a:rPr lang="es-PE" dirty="0" smtClean="0"/>
+              <a:t>numeral 5</a:t>
+            </a:r>
+          </a:p>
+          <a:p>
+            <a:pPr marL="0" indent="0">
+              <a:buNone/>
+            </a:pPr>
+            <a:r>
+              <a:rPr lang="es-PE" dirty="0" smtClean="0"/>
+              <a:t> </a:t>
+            </a:r>
+            <a:r>
+              <a:rPr lang="es-PE" b="1" dirty="0" smtClean="0"/>
+              <a:t>Artículo </a:t>
+            </a:r>
+            <a:r>
+              <a:rPr lang="es-PE" b="1" dirty="0"/>
+              <a:t>2º.- Entidades de la Administración Pública </a:t>
+            </a:r>
+            <a:endParaRPr lang="es-PE" b="1" dirty="0" smtClean="0"/>
+          </a:p>
+          <a:p>
+            <a:r>
+              <a:rPr lang="es-PE" dirty="0"/>
+              <a:t>Para efectos de la presente Ley se entiende por entidades de la Administración Pública </a:t>
+            </a:r>
+            <a:r>
+              <a:rPr lang="es-PE" dirty="0" smtClean="0"/>
+              <a:t>a </a:t>
+            </a:r>
+            <a:r>
+              <a:rPr lang="es-PE" dirty="0"/>
+              <a:t>las señaladas en el Artículo I del Título Preliminar de la Ley Nº </a:t>
+            </a:r>
+            <a:r>
+              <a:rPr lang="es-PE" dirty="0" smtClean="0"/>
+              <a:t>27444</a:t>
+            </a:r>
+            <a:r>
+              <a:rPr lang="es-PE" dirty="0"/>
+              <a:t>.</a:t>
+            </a:r>
+            <a:endParaRPr lang="es-PE" b="1" dirty="0" smtClean="0"/>
+          </a:p>
+          <a:p>
+            <a:pPr marL="0" indent="0">
+              <a:buNone/>
+            </a:pPr>
+            <a:endParaRPr lang="es-PE" b="1" dirty="0"/>
+          </a:p>
+          <a:p>
+            <a:pPr marL="0" indent="0">
+              <a:buNone/>
+            </a:pPr>
             <a:endParaRPr lang="es-PE" dirty="0"/>
           </a:p>
         </p:txBody>
       </p:sp>
       <p:sp>
         <p:nvSpPr>
-          <p:cNvPr id="3" name="Marcador de contenido 2"/>
-          <p:cNvSpPr>
-            <a:spLocks noGrp="1"/>
-          </p:cNvSpPr>
-          <p:nvPr>
-            <p:ph sz="half" idx="1"/>
-          </p:nvPr>
-        </p:nvSpPr>
-        <p:spPr/>
-        <p:txBody>
-          <a:bodyPr/>
-          <a:lstStyle/>
-          <a:p>
-            <a:endParaRPr lang="es-PE"/>
-          </a:p>
-        </p:txBody>
-      </p:sp>
-      <p:sp>
-        <p:nvSpPr>
           <p:cNvPr id="4" name="Marcador de contenido 3"/>
           <p:cNvSpPr>
             <a:spLocks noGrp="1"/>
           </p:cNvSpPr>
           <p:nvPr>
-            <p:ph sz="half" idx="2"/>
-          </p:nvPr>
-        </p:nvSpPr>
-        <p:spPr/>
-        <p:txBody>
-          <a:bodyPr/>
-          <a:lstStyle/>
-          <a:p>
-            <a:endParaRPr lang="es-PE"/>
+            <p:ph sz="quarter" idx="14"/>
+          </p:nvPr>
+        </p:nvSpPr>
+        <p:spPr>
+          <a:xfrm>
+            <a:off x="6172200" y="1825625"/>
+            <a:ext cx="5885688" cy="4351338"/>
+          </a:xfrm>
+        </p:spPr>
+        <p:txBody>
+          <a:bodyPr>
+            <a:normAutofit fontScale="85000" lnSpcReduction="20000"/>
+          </a:bodyPr>
+          <a:lstStyle/>
+          <a:p>
+            <a:pPr marL="0" indent="0">
+              <a:buNone/>
+            </a:pPr>
+            <a:r>
+              <a:rPr lang="es-PE" b="1" dirty="0"/>
+              <a:t>Artículo 3º.- Principio de publicidad </a:t>
+            </a:r>
+          </a:p>
+          <a:p>
+            <a:r>
+              <a:rPr lang="es-PE" dirty="0"/>
+              <a:t> Todas las actividades y disposiciones de las entidades comprendidas en la </a:t>
+            </a:r>
+            <a:r>
+              <a:rPr lang="es-PE" dirty="0" smtClean="0"/>
+              <a:t>presente, la Ley </a:t>
+            </a:r>
+            <a:r>
+              <a:rPr lang="es-PE" dirty="0"/>
+              <a:t>están sometidas al principio de publicidad. </a:t>
+            </a:r>
+          </a:p>
+          <a:p>
+            <a:r>
+              <a:rPr lang="es-PE" dirty="0"/>
+              <a:t> Los funcionarios responsables de brindar la información </a:t>
+            </a:r>
+            <a:r>
+              <a:rPr lang="es-PE" dirty="0" smtClean="0"/>
+              <a:t>correspondiente </a:t>
+            </a:r>
+            <a:r>
+              <a:rPr lang="es-PE" dirty="0"/>
+              <a:t>al área de su </a:t>
+            </a:r>
+            <a:r>
+              <a:rPr lang="es-PE" dirty="0" smtClean="0"/>
+              <a:t>competencia </a:t>
+            </a:r>
+            <a:r>
+              <a:rPr lang="es-PE" dirty="0"/>
+              <a:t>deberán prever una adecuada infraestructura, así como la organización, </a:t>
+            </a:r>
+            <a:r>
+              <a:rPr lang="es-PE" dirty="0" smtClean="0"/>
+              <a:t>sistematización </a:t>
+            </a:r>
+            <a:r>
+              <a:rPr lang="es-PE" dirty="0"/>
+              <a:t>y publicación de la información a la que se refiere esta Ley</a:t>
+            </a:r>
+            <a:r>
+              <a:rPr lang="es-PE" dirty="0" smtClean="0"/>
+              <a:t>.</a:t>
+            </a:r>
+          </a:p>
+          <a:p>
+            <a:endParaRPr lang="es-PE" dirty="0" smtClean="0"/>
+          </a:p>
+          <a:p>
+            <a:r>
+              <a:rPr lang="es-PE" b="1" dirty="0"/>
+              <a:t>Artículo 10.- </a:t>
+            </a:r>
+            <a:r>
+              <a:rPr lang="es-PE" dirty="0"/>
+              <a:t>Información de acceso público</a:t>
+            </a:r>
+          </a:p>
+          <a:p>
+            <a:r>
+              <a:rPr lang="es-PE" b="1" dirty="0"/>
+              <a:t>Artículo 13.- </a:t>
+            </a:r>
+            <a:r>
+              <a:rPr lang="es-PE" dirty="0"/>
+              <a:t>Denegatoria de Acceso</a:t>
+            </a:r>
+          </a:p>
+          <a:p>
+            <a:endParaRPr lang="es-PE" dirty="0" smtClean="0"/>
+          </a:p>
+          <a:p>
+            <a:pPr marL="0" indent="0">
+              <a:buNone/>
+            </a:pPr>
+            <a:r>
+              <a:rPr lang="es-PE" dirty="0" smtClean="0"/>
+              <a:t> </a:t>
+            </a:r>
+            <a:endParaRPr lang="es-PE" dirty="0"/>
+          </a:p>
+          <a:p>
+            <a:pPr marL="0" indent="0">
+              <a:buNone/>
+            </a:pPr>
+            <a:endParaRPr lang="es-PE" dirty="0"/>
           </a:p>
         </p:txBody>
       </p:sp>
     </p:spTree>
     <p:extLst>
       <p:ext uri="{BB962C8B-B14F-4D97-AF65-F5344CB8AC3E}">
-        <p14:creationId xmlns:p14="http://schemas.microsoft.com/office/powerpoint/2010/main" val="293384256"/>
+        <p14:creationId xmlns:p14="http://schemas.microsoft.com/office/powerpoint/2010/main" val="2346514276"/>
       </p:ext>
     </p:extLst>
   </p:cSld>
@@ -3215,11 +4909,17 @@
             <p:ph type="title"/>
           </p:nvPr>
         </p:nvSpPr>
-        <p:spPr/>
+        <p:spPr>
+          <a:xfrm>
+            <a:off x="1683917" y="336616"/>
+            <a:ext cx="8683348" cy="1143000"/>
+          </a:xfrm>
+        </p:spPr>
         <p:txBody>
           <a:bodyPr/>
           <a:lstStyle/>
           <a:p>
+            <a:pPr algn="ctr"/>
             <a:r>
               <a:rPr lang="es-PE" b="1" dirty="0" smtClean="0"/>
               <a:t> Factores críticos en el desarrollo de EDI</a:t>
@@ -3235,10 +4935,15 @@
             <a:spLocks noGrp="1"/>
           </p:cNvSpPr>
           <p:nvPr>
-            <p:ph idx="1"/>
-          </p:nvPr>
-        </p:nvSpPr>
-        <p:spPr/>
+            <p:ph sz="quarter" idx="13"/>
+          </p:nvPr>
+        </p:nvSpPr>
+        <p:spPr>
+          <a:xfrm>
+            <a:off x="1645920" y="2414016"/>
+            <a:ext cx="8534400" cy="3474720"/>
+          </a:xfrm>
+        </p:spPr>
         <p:txBody>
           <a:bodyPr/>
           <a:lstStyle/>
@@ -3266,11 +4971,7 @@
             </a:pPr>
             <a:r>
               <a:rPr lang="es-PE" dirty="0" smtClean="0"/>
-              <a:t>El </a:t>
-            </a:r>
-            <a:r>
-              <a:rPr lang="es-PE" dirty="0" smtClean="0"/>
-              <a:t>desarrollo de Internet </a:t>
+              <a:t>El desarrollo de Internet </a:t>
             </a:r>
           </a:p>
           <a:p>
@@ -3288,11 +4989,7 @@
             </a:pPr>
             <a:r>
               <a:rPr lang="es-PE" dirty="0" smtClean="0"/>
-              <a:t>La confianza y el poder de los </a:t>
-            </a:r>
-            <a:r>
-              <a:rPr lang="es-PE" dirty="0" smtClean="0"/>
-              <a:t>socios.</a:t>
+              <a:t>La confianza y el poder de los socios.</a:t>
             </a:r>
             <a:endParaRPr lang="es-PE" dirty="0"/>
           </a:p>
@@ -3370,7 +5067,7 @@
             <a:spLocks noGrp="1"/>
           </p:cNvSpPr>
           <p:nvPr>
-            <p:ph idx="1"/>
+            <p:ph sz="quarter" idx="13"/>
           </p:nvPr>
         </p:nvSpPr>
         <p:spPr>
@@ -3485,7 +5182,12 @@
             <p:ph type="title"/>
           </p:nvPr>
         </p:nvSpPr>
-        <p:spPr/>
+        <p:spPr>
+          <a:xfrm>
+            <a:off x="1610765" y="92776"/>
+            <a:ext cx="8683348" cy="1143000"/>
+          </a:xfrm>
+        </p:spPr>
         <p:txBody>
           <a:bodyPr/>
           <a:lstStyle/>
@@ -3506,18 +5208,18 @@
             <a:spLocks noGrp="1"/>
           </p:cNvSpPr>
           <p:nvPr>
-            <p:ph sz="half" idx="1"/>
+            <p:ph sz="quarter" idx="13"/>
           </p:nvPr>
         </p:nvSpPr>
         <p:spPr>
           <a:xfrm>
-            <a:off x="335902" y="1493949"/>
-            <a:ext cx="5683898" cy="4683014"/>
+            <a:off x="335902" y="1987295"/>
+            <a:ext cx="5683898" cy="4189667"/>
           </a:xfrm>
         </p:spPr>
         <p:txBody>
           <a:bodyPr>
-            <a:normAutofit fontScale="77500" lnSpcReduction="20000"/>
+            <a:normAutofit fontScale="92500"/>
           </a:bodyPr>
           <a:lstStyle/>
           <a:p>
@@ -3596,18 +5298,18 @@
             <a:spLocks noGrp="1"/>
           </p:cNvSpPr>
           <p:nvPr>
-            <p:ph sz="half" idx="2"/>
+            <p:ph sz="quarter" idx="14"/>
           </p:nvPr>
         </p:nvSpPr>
         <p:spPr>
           <a:xfrm>
-            <a:off x="6172199" y="1493949"/>
-            <a:ext cx="5882425" cy="4683014"/>
+            <a:off x="6172199" y="2060447"/>
+            <a:ext cx="5882425" cy="4116515"/>
           </a:xfrm>
         </p:spPr>
         <p:txBody>
           <a:bodyPr>
-            <a:normAutofit fontScale="77500" lnSpcReduction="20000"/>
+            <a:normAutofit fontScale="62500" lnSpcReduction="20000"/>
           </a:bodyPr>
           <a:lstStyle/>
           <a:p>
@@ -3776,7 +5478,7 @@
             <a:spLocks noGrp="1"/>
           </p:cNvSpPr>
           <p:nvPr>
-            <p:ph sz="half" idx="1"/>
+            <p:ph sz="quarter" idx="13"/>
           </p:nvPr>
         </p:nvSpPr>
         <p:spPr>
@@ -3787,7 +5489,7 @@
         </p:spPr>
         <p:txBody>
           <a:bodyPr>
-            <a:normAutofit lnSpcReduction="10000"/>
+            <a:normAutofit/>
           </a:bodyPr>
           <a:lstStyle/>
           <a:p>
@@ -3865,7 +5567,7 @@
             <a:spLocks noGrp="1"/>
           </p:cNvSpPr>
           <p:nvPr>
-            <p:ph sz="half" idx="2"/>
+            <p:ph sz="quarter" idx="14"/>
           </p:nvPr>
         </p:nvSpPr>
         <p:spPr>
@@ -3876,7 +5578,7 @@
         </p:spPr>
         <p:txBody>
           <a:bodyPr>
-            <a:normAutofit lnSpcReduction="10000"/>
+            <a:normAutofit/>
           </a:bodyPr>
           <a:lstStyle/>
           <a:p>
@@ -4096,8 +5798,8 @@
         </p:blipFill>
         <p:spPr bwMode="auto">
           <a:xfrm>
-            <a:off x="1487606" y="672171"/>
-            <a:ext cx="9075760" cy="5687682"/>
+            <a:off x="1487605" y="928203"/>
+            <a:ext cx="10016919" cy="4411893"/>
           </a:xfrm>
           <a:prstGeom prst="rect">
             <a:avLst/>
@@ -4134,6 +5836,39 @@
           </a:extLst>
         </p:spPr>
       </p:pic>
+      <p:sp>
+        <p:nvSpPr>
+          <p:cNvPr id="2" name="1 Título"/>
+          <p:cNvSpPr>
+            <a:spLocks noGrp="1"/>
+          </p:cNvSpPr>
+          <p:nvPr>
+            <p:ph type="title"/>
+          </p:nvPr>
+        </p:nvSpPr>
+        <p:spPr>
+          <a:xfrm>
+            <a:off x="1008888" y="5522976"/>
+            <a:ext cx="10515600" cy="472123"/>
+          </a:xfrm>
+        </p:spPr>
+        <p:txBody>
+          <a:bodyPr>
+            <a:normAutofit/>
+          </a:bodyPr>
+          <a:lstStyle/>
+          <a:p>
+            <a:pPr marL="0" indent="0">
+              <a:buNone/>
+            </a:pPr>
+            <a:r>
+              <a:rPr lang="es-PE" sz="1400" dirty="0" smtClean="0"/>
+              <a:t>	* Existen otros ejemplos como MAC , CLARO, INTERBANK</a:t>
+            </a:r>
+            <a:endParaRPr lang="es-PE" sz="1400" dirty="0"/>
+          </a:p>
+        </p:txBody>
+      </p:sp>
     </p:spTree>
     <p:extLst>
       <p:ext uri="{BB962C8B-B14F-4D97-AF65-F5344CB8AC3E}">
@@ -4209,7 +5944,7 @@
             <a:picLocks noGrp="1" noChangeAspect="1"/>
           </p:cNvPicPr>
           <p:nvPr>
-            <p:ph sz="half" idx="1"/>
+            <p:ph sz="quarter" idx="13"/>
           </p:nvPr>
         </p:nvPicPr>
         <p:blipFill>
@@ -4267,6 +6002,323 @@
       </p:grpSpPr>
       <p:sp>
         <p:nvSpPr>
+          <p:cNvPr id="3" name="2 Marcador de contenido"/>
+          <p:cNvSpPr>
+            <a:spLocks noGrp="1"/>
+          </p:cNvSpPr>
+          <p:nvPr>
+            <p:ph sz="quarter" idx="13"/>
+          </p:nvPr>
+        </p:nvSpPr>
+        <p:spPr>
+          <a:xfrm>
+            <a:off x="1316735" y="2353055"/>
+            <a:ext cx="4462272" cy="3474720"/>
+          </a:xfrm>
+        </p:spPr>
+        <p:txBody>
+          <a:bodyPr>
+            <a:normAutofit fontScale="77500" lnSpcReduction="20000"/>
+          </a:bodyPr>
+          <a:lstStyle/>
+          <a:p>
+            <a:r>
+              <a:rPr lang="es-PE" b="1" dirty="0"/>
+              <a:t>Artículo 4.- </a:t>
+            </a:r>
+            <a:r>
+              <a:rPr lang="es-PE" dirty="0"/>
+              <a:t>Medio fundamental para compartir información Para el cumplimiento del presente Decreto Supremo, las entidades de la Administración Pública deberán generar los Servicios Web que permitan la transferencia de Datos Espaciales o alojar en sus páginas web, enlaces (links) de descarga de las capas de información cuya administración es de su competencia y promover la implementación de sus Infraestructuras de Datos Espaciales como medio fundamental para compartir e intercambiar información espacial mediante servicios web interoperables.</a:t>
+            </a:r>
+          </a:p>
+        </p:txBody>
+      </p:sp>
+      <p:sp>
+        <p:nvSpPr>
+          <p:cNvPr id="4" name="3 Marcador de contenido"/>
+          <p:cNvSpPr>
+            <a:spLocks noGrp="1"/>
+          </p:cNvSpPr>
+          <p:nvPr>
+            <p:ph sz="half" idx="4294967295"/>
+          </p:nvPr>
+        </p:nvSpPr>
+        <p:spPr>
+          <a:xfrm>
+            <a:off x="6486144" y="1996313"/>
+            <a:ext cx="5181600" cy="4351338"/>
+          </a:xfrm>
+        </p:spPr>
+        <p:txBody>
+          <a:bodyPr>
+            <a:normAutofit fontScale="92500"/>
+          </a:bodyPr>
+          <a:lstStyle/>
+          <a:p>
+            <a:r>
+              <a:rPr lang="es-PE" dirty="0"/>
+              <a:t>La </a:t>
+            </a:r>
+            <a:r>
+              <a:rPr lang="es-PE" dirty="0" smtClean="0"/>
+              <a:t>Oficina </a:t>
+            </a:r>
+            <a:r>
+              <a:rPr lang="es-PE" dirty="0"/>
+              <a:t>Nacional de Gobierno Electrónico e Informática – ONGEI, de la Presidencia del Consejo de Ministros, en un plazo no mayor a 90 días calendario publicará en el Portal www.ccidep.gob.pe, la Directiva que contenga los estándares de los servicios web y la Plataforma Tecnología a utilizar para el intercambio de información que hace referencia en el presente Decreto Supremo, de conformidad con el artículo 3 del Decreto Supremo Nº 086-2012-PCM.</a:t>
+            </a:r>
+          </a:p>
+          <a:p>
+            <a:pPr marL="0" indent="0">
+              <a:buNone/>
+            </a:pPr>
+            <a:endParaRPr lang="es-PE" dirty="0"/>
+          </a:p>
+        </p:txBody>
+      </p:sp>
+      <p:pic>
+        <p:nvPicPr>
+          <p:cNvPr id="7" name="Picture 3"/>
+          <p:cNvPicPr>
+            <a:picLocks noChangeAspect="1" noChangeArrowheads="1"/>
+          </p:cNvPicPr>
+          <p:nvPr/>
+        </p:nvPicPr>
+        <p:blipFill rotWithShape="1">
+          <a:blip r:embed="rId2">
+            <a:extLst>
+              <a:ext uri="{28A0092B-C50C-407E-A947-70E740481C1C}">
+                <a14:useLocalDpi xmlns:a14="http://schemas.microsoft.com/office/drawing/2010/main" val="0"/>
+              </a:ext>
+            </a:extLst>
+          </a:blip>
+          <a:srcRect t="52951" r="1786"/>
+          <a:stretch/>
+        </p:blipFill>
+        <p:spPr bwMode="auto">
+          <a:xfrm>
+            <a:off x="2743201" y="341376"/>
+            <a:ext cx="6705600" cy="1287812"/>
+          </a:xfrm>
+          <a:prstGeom prst="rect">
+            <a:avLst/>
+          </a:prstGeom>
+          <a:noFill/>
+          <a:ln>
+            <a:noFill/>
+          </a:ln>
+          <a:extLst>
+            <a:ext uri="{909E8E84-426E-40DD-AFC4-6F175D3DCCD1}">
+              <a14:hiddenFill xmlns:a14="http://schemas.microsoft.com/office/drawing/2010/main">
+                <a:solidFill>
+                  <a:schemeClr val="accent1"/>
+                </a:solidFill>
+              </a14:hiddenFill>
+            </a:ext>
+            <a:ext uri="{91240B29-F687-4F45-9708-019B960494DF}">
+              <a14:hiddenLine xmlns:a14="http://schemas.microsoft.com/office/drawing/2010/main" w="9525">
+                <a:solidFill>
+                  <a:schemeClr val="tx1"/>
+                </a:solidFill>
+                <a:miter lim="800000"/>
+                <a:headEnd/>
+                <a:tailEnd/>
+              </a14:hiddenLine>
+            </a:ext>
+          </a:extLst>
+        </p:spPr>
+      </p:pic>
+    </p:spTree>
+    <p:extLst>
+      <p:ext uri="{BB962C8B-B14F-4D97-AF65-F5344CB8AC3E}">
+        <p14:creationId xmlns:p14="http://schemas.microsoft.com/office/powerpoint/2010/main" val="1409960077"/>
+      </p:ext>
+    </p:extLst>
+  </p:cSld>
+  <p:clrMapOvr>
+    <a:masterClrMapping/>
+  </p:clrMapOvr>
+</p:sld>
+</file>
+
+<file path=ppt/slides/slide8.xml><?xml version="1.0" encoding="utf-8"?>
+<p:sld xmlns:a="http://schemas.openxmlformats.org/drawingml/2006/main" xmlns:r="http://schemas.openxmlformats.org/officeDocument/2006/relationships" xmlns:p="http://schemas.openxmlformats.org/presentationml/2006/main">
+  <p:cSld>
+    <p:spTree>
+      <p:nvGrpSpPr>
+        <p:cNvPr id="1" name=""/>
+        <p:cNvGrpSpPr/>
+        <p:nvPr/>
+      </p:nvGrpSpPr>
+      <p:grpSpPr>
+        <a:xfrm>
+          <a:off x="0" y="0"/>
+          <a:ext cx="0" cy="0"/>
+          <a:chOff x="0" y="0"/>
+          <a:chExt cx="0" cy="0"/>
+        </a:xfrm>
+      </p:grpSpPr>
+      <p:sp>
+        <p:nvSpPr>
+          <p:cNvPr id="3" name="2 Marcador de contenido"/>
+          <p:cNvSpPr>
+            <a:spLocks noGrp="1"/>
+          </p:cNvSpPr>
+          <p:nvPr>
+            <p:ph sz="quarter" idx="13"/>
+          </p:nvPr>
+        </p:nvSpPr>
+        <p:spPr>
+          <a:xfrm>
+            <a:off x="1438655" y="2377439"/>
+            <a:ext cx="4462272" cy="3474720"/>
+          </a:xfrm>
+        </p:spPr>
+        <p:txBody>
+          <a:bodyPr>
+            <a:normAutofit fontScale="77500" lnSpcReduction="20000"/>
+          </a:bodyPr>
+          <a:lstStyle/>
+          <a:p>
+            <a:r>
+              <a:rPr lang="es-PE" b="1" dirty="0"/>
+              <a:t>Artículo 7.- </a:t>
+            </a:r>
+            <a:r>
+              <a:rPr lang="es-PE" dirty="0"/>
+              <a:t>Responsabilidad Los titulares de cada entidad de la Administración Pública o los funcionarios encargados de coordinar la publicación y catalogación de datos, servicios y aplicaciones espaciales referidos en el artículo 3 del Decreto Supremo N° 069- 2011-PCM, serán los responsables por el cumplimiento de la presente norma. Les corresponde implementar, supervisar y efectuar el seguimiento al procedimiento para compartir la información espacial tanto por servicios web como por solicitud expresa vía documento. </a:t>
+            </a:r>
+          </a:p>
+        </p:txBody>
+      </p:sp>
+      <p:sp>
+        <p:nvSpPr>
+          <p:cNvPr id="4" name="3 Marcador de contenido"/>
+          <p:cNvSpPr>
+            <a:spLocks noGrp="1"/>
+          </p:cNvSpPr>
+          <p:nvPr>
+            <p:ph sz="quarter" idx="14"/>
+          </p:nvPr>
+        </p:nvSpPr>
+        <p:spPr>
+          <a:xfrm>
+            <a:off x="6193536" y="2487168"/>
+            <a:ext cx="4462272" cy="3474720"/>
+          </a:xfrm>
+        </p:spPr>
+        <p:txBody>
+          <a:bodyPr>
+            <a:normAutofit fontScale="77500" lnSpcReduction="20000"/>
+          </a:bodyPr>
+          <a:lstStyle/>
+          <a:p>
+            <a:r>
+              <a:rPr lang="es-PE" b="1" dirty="0"/>
+              <a:t>Artículo 8.- </a:t>
+            </a:r>
+            <a:r>
+              <a:rPr lang="es-PE" dirty="0"/>
+              <a:t>Plazo Las entidades de la Administración Pública implementarán los Servicios Web de información espacial mencionados en el artículo 4 del presente Decreto Supremo, conforme a un Plan de Implementación formulado por la </a:t>
+            </a:r>
+            <a:r>
+              <a:rPr lang="es-PE" dirty="0" err="1"/>
+              <a:t>Ofi</a:t>
+            </a:r>
+            <a:r>
+              <a:rPr lang="es-PE" dirty="0"/>
+              <a:t> cina Nacional de Gobierno Electrónico e Informática – ONGEI, que tendrá en cuenta las capacidades de las Entidades Productoras de Información. Este Plan será aprobado por Resolución Ministerial de la Presidencia del Consejo de Ministros.</a:t>
+            </a:r>
+          </a:p>
+          <a:p>
+            <a:endParaRPr lang="es-PE" dirty="0"/>
+          </a:p>
+        </p:txBody>
+      </p:sp>
+      <p:pic>
+        <p:nvPicPr>
+          <p:cNvPr id="5" name="Picture 3"/>
+          <p:cNvPicPr>
+            <a:picLocks noChangeAspect="1" noChangeArrowheads="1"/>
+          </p:cNvPicPr>
+          <p:nvPr/>
+        </p:nvPicPr>
+        <p:blipFill rotWithShape="1">
+          <a:blip r:embed="rId2">
+            <a:extLst>
+              <a:ext uri="{28A0092B-C50C-407E-A947-70E740481C1C}">
+                <a14:useLocalDpi xmlns:a14="http://schemas.microsoft.com/office/drawing/2010/main" val="0"/>
+              </a:ext>
+            </a:extLst>
+          </a:blip>
+          <a:srcRect t="52951" r="1786"/>
+          <a:stretch/>
+        </p:blipFill>
+        <p:spPr bwMode="auto">
+          <a:xfrm>
+            <a:off x="2743201" y="341376"/>
+            <a:ext cx="6705600" cy="1287812"/>
+          </a:xfrm>
+          <a:prstGeom prst="rect">
+            <a:avLst/>
+          </a:prstGeom>
+          <a:noFill/>
+          <a:ln>
+            <a:noFill/>
+          </a:ln>
+          <a:extLst>
+            <a:ext uri="{909E8E84-426E-40DD-AFC4-6F175D3DCCD1}">
+              <a14:hiddenFill xmlns:a14="http://schemas.microsoft.com/office/drawing/2010/main">
+                <a:solidFill>
+                  <a:schemeClr val="accent1"/>
+                </a:solidFill>
+              </a14:hiddenFill>
+            </a:ext>
+            <a:ext uri="{91240B29-F687-4F45-9708-019B960494DF}">
+              <a14:hiddenLine xmlns:a14="http://schemas.microsoft.com/office/drawing/2010/main" w="9525">
+                <a:solidFill>
+                  <a:schemeClr val="tx1"/>
+                </a:solidFill>
+                <a:miter lim="800000"/>
+                <a:headEnd/>
+                <a:tailEnd/>
+              </a14:hiddenLine>
+            </a:ext>
+          </a:extLst>
+        </p:spPr>
+      </p:pic>
+    </p:spTree>
+    <p:extLst>
+      <p:ext uri="{BB962C8B-B14F-4D97-AF65-F5344CB8AC3E}">
+        <p14:creationId xmlns:p14="http://schemas.microsoft.com/office/powerpoint/2010/main" val="3936767316"/>
+      </p:ext>
+    </p:extLst>
+  </p:cSld>
+  <p:clrMapOvr>
+    <a:masterClrMapping/>
+  </p:clrMapOvr>
+</p:sld>
+</file>
+
+<file path=ppt/slides/slide9.xml><?xml version="1.0" encoding="utf-8"?>
+<p:sld xmlns:a="http://schemas.openxmlformats.org/drawingml/2006/main" xmlns:r="http://schemas.openxmlformats.org/officeDocument/2006/relationships" xmlns:p="http://schemas.openxmlformats.org/presentationml/2006/main">
+  <p:cSld>
+    <p:spTree>
+      <p:nvGrpSpPr>
+        <p:cNvPr id="1" name=""/>
+        <p:cNvGrpSpPr/>
+        <p:nvPr/>
+      </p:nvGrpSpPr>
+      <p:grpSpPr>
+        <a:xfrm>
+          <a:off x="0" y="0"/>
+          <a:ext cx="0" cy="0"/>
+          <a:chOff x="0" y="0"/>
+          <a:chExt cx="0" cy="0"/>
+        </a:xfrm>
+      </p:grpSpPr>
+      <p:sp>
+        <p:nvSpPr>
           <p:cNvPr id="2" name="Título 1"/>
           <p:cNvSpPr>
             <a:spLocks noGrp="1"/>
@@ -4275,7 +6327,12 @@
             <p:ph type="title"/>
           </p:nvPr>
         </p:nvSpPr>
-        <p:spPr/>
+        <p:spPr>
+          <a:xfrm>
+            <a:off x="2147213" y="190312"/>
+            <a:ext cx="8683348" cy="1143000"/>
+          </a:xfrm>
+        </p:spPr>
         <p:txBody>
           <a:bodyPr/>
           <a:lstStyle/>
@@ -4283,15 +6340,7 @@
             <a:pPr algn="ctr"/>
             <a:r>
               <a:rPr lang="es-PE" b="1" dirty="0" smtClean="0"/>
-              <a:t> ESTÁNDARES </a:t>
-            </a:r>
-            <a:r>
-              <a:rPr lang="es-PE" b="1" dirty="0" smtClean="0"/>
-              <a:t>PARA NEGOCIO </a:t>
-            </a:r>
-            <a:r>
-              <a:rPr lang="es-PE" b="1" dirty="0" smtClean="0"/>
-              <a:t>ELECTRÓNICO Y MEDICINA</a:t>
+              <a:t> ESTÁNDARES PARA NEGOCIO ELECTRÓNICO Y MEDICINA</a:t>
             </a:r>
             <a:endParaRPr lang="es-PE" b="1" dirty="0"/>
           </a:p>
@@ -4304,7 +6353,7 @@
             <a:spLocks noGrp="1"/>
           </p:cNvSpPr>
           <p:nvPr>
-            <p:ph sz="half" idx="1"/>
+            <p:ph sz="quarter" idx="13"/>
           </p:nvPr>
         </p:nvSpPr>
         <p:spPr>
@@ -4315,7 +6364,7 @@
         </p:spPr>
         <p:txBody>
           <a:bodyPr>
-            <a:normAutofit fontScale="70000" lnSpcReduction="20000"/>
+            <a:normAutofit fontScale="77500" lnSpcReduction="20000"/>
           </a:bodyPr>
           <a:lstStyle/>
           <a:p>
@@ -4385,6 +6434,81 @@
               <a:t>), pero también saca provecho de nuevas tecnologías que usa, como la flexibilidad de XML y la ubicuidad de Internet.</a:t>
             </a:r>
             <a:endParaRPr lang="es-PE" dirty="0"/>
+          </a:p>
+        </p:txBody>
+      </p:sp>
+      <p:sp>
+        <p:nvSpPr>
+          <p:cNvPr id="6" name="Marcador de contenido 2"/>
+          <p:cNvSpPr>
+            <a:spLocks noGrp="1"/>
+          </p:cNvSpPr>
+          <p:nvPr>
+            <p:ph sz="quarter" idx="14"/>
+          </p:nvPr>
+        </p:nvSpPr>
+        <p:spPr>
+          <a:xfrm>
+            <a:off x="256032" y="4108659"/>
+            <a:ext cx="7895823" cy="2363228"/>
+          </a:xfrm>
+        </p:spPr>
+        <p:txBody>
+          <a:bodyPr>
+            <a:normAutofit/>
+          </a:bodyPr>
+          <a:lstStyle/>
+          <a:p>
+            <a:pPr algn="just"/>
+            <a:r>
+              <a:rPr lang="es-PE" sz="2000" b="1" dirty="0" smtClean="0"/>
+              <a:t>HL7 </a:t>
+            </a:r>
+            <a:r>
+              <a:rPr lang="es-PE" sz="2000" dirty="0" smtClean="0"/>
+              <a:t>(</a:t>
+            </a:r>
+            <a:r>
+              <a:rPr lang="es-PE" sz="2000" dirty="0" err="1" smtClean="0"/>
+              <a:t>Health</a:t>
+            </a:r>
+            <a:r>
+              <a:rPr lang="es-PE" sz="2000" dirty="0" smtClean="0"/>
+              <a:t> </a:t>
+            </a:r>
+            <a:r>
+              <a:rPr lang="es-PE" sz="2000" dirty="0" err="1" smtClean="0"/>
+              <a:t>Level</a:t>
+            </a:r>
+            <a:r>
+              <a:rPr lang="es-PE" sz="2000" dirty="0" smtClean="0"/>
+              <a:t> </a:t>
+            </a:r>
+            <a:r>
+              <a:rPr lang="es-PE" sz="2000" dirty="0" err="1" smtClean="0"/>
+              <a:t>Seven</a:t>
+            </a:r>
+            <a:r>
+              <a:rPr lang="es-PE" sz="2000" dirty="0" smtClean="0"/>
+              <a:t>) es un conjunto de estándares para el intercambio electrónico de información médica. </a:t>
+            </a:r>
+            <a:r>
+              <a:rPr lang="es-PE" sz="2000" dirty="0" err="1" smtClean="0"/>
+              <a:t>Level</a:t>
+            </a:r>
+            <a:r>
+              <a:rPr lang="es-PE" sz="2000" dirty="0" smtClean="0"/>
+              <a:t> </a:t>
+            </a:r>
+            <a:r>
+              <a:rPr lang="es-PE" sz="2000" dirty="0" err="1" smtClean="0"/>
+              <a:t>Seven</a:t>
+            </a:r>
+            <a:r>
+              <a:rPr lang="es-PE" sz="2000" dirty="0" smtClean="0"/>
+              <a:t> hace referencia al nivel siete (aplicación) del modelo OSI. Los estándares HL7 son desarrollados por la organización ANSI del mismo nombre. </a:t>
+            </a:r>
+            <a:endParaRPr lang="es-PE" sz="2000" dirty="0"/>
           </a:p>
         </p:txBody>
       </p:sp>
@@ -4411,8 +6535,8 @@
         </p:blipFill>
         <p:spPr bwMode="auto">
           <a:xfrm>
-            <a:off x="8242477" y="1736763"/>
-            <a:ext cx="3786389" cy="4735124"/>
+            <a:off x="8242477" y="2036063"/>
+            <a:ext cx="3786389" cy="4435823"/>
           </a:xfrm>
           <a:prstGeom prst="rect">
             <a:avLst/>
@@ -4429,81 +6553,6 @@
           </a:extLst>
         </p:spPr>
       </p:pic>
-      <p:sp>
-        <p:nvSpPr>
-          <p:cNvPr id="6" name="Marcador de contenido 2"/>
-          <p:cNvSpPr>
-            <a:spLocks noGrp="1"/>
-          </p:cNvSpPr>
-          <p:nvPr>
-            <p:ph sz="half" idx="1"/>
-          </p:nvPr>
-        </p:nvSpPr>
-        <p:spPr>
-          <a:xfrm>
-            <a:off x="269382" y="4494772"/>
-            <a:ext cx="7895823" cy="2363228"/>
-          </a:xfrm>
-        </p:spPr>
-        <p:txBody>
-          <a:bodyPr>
-            <a:normAutofit/>
-          </a:bodyPr>
-          <a:lstStyle/>
-          <a:p>
-            <a:pPr algn="just"/>
-            <a:r>
-              <a:rPr lang="es-PE" sz="2000" b="1" dirty="0" smtClean="0"/>
-              <a:t>HL7 </a:t>
-            </a:r>
-            <a:r>
-              <a:rPr lang="es-PE" sz="2000" dirty="0" smtClean="0"/>
-              <a:t>(</a:t>
-            </a:r>
-            <a:r>
-              <a:rPr lang="es-PE" sz="2000" dirty="0" err="1" smtClean="0"/>
-              <a:t>Health</a:t>
-            </a:r>
-            <a:r>
-              <a:rPr lang="es-PE" sz="2000" dirty="0" smtClean="0"/>
-              <a:t> </a:t>
-            </a:r>
-            <a:r>
-              <a:rPr lang="es-PE" sz="2000" dirty="0" err="1" smtClean="0"/>
-              <a:t>Level</a:t>
-            </a:r>
-            <a:r>
-              <a:rPr lang="es-PE" sz="2000" dirty="0" smtClean="0"/>
-              <a:t> </a:t>
-            </a:r>
-            <a:r>
-              <a:rPr lang="es-PE" sz="2000" dirty="0" err="1" smtClean="0"/>
-              <a:t>Seven</a:t>
-            </a:r>
-            <a:r>
-              <a:rPr lang="es-PE" sz="2000" dirty="0" smtClean="0"/>
-              <a:t>) es un conjunto de estándares para el intercambio electrónico de información médica. </a:t>
-            </a:r>
-            <a:r>
-              <a:rPr lang="es-PE" sz="2000" dirty="0" err="1" smtClean="0"/>
-              <a:t>Level</a:t>
-            </a:r>
-            <a:r>
-              <a:rPr lang="es-PE" sz="2000" dirty="0" smtClean="0"/>
-              <a:t> </a:t>
-            </a:r>
-            <a:r>
-              <a:rPr lang="es-PE" sz="2000" dirty="0" err="1" smtClean="0"/>
-              <a:t>Seven</a:t>
-            </a:r>
-            <a:r>
-              <a:rPr lang="es-PE" sz="2000" dirty="0" smtClean="0"/>
-              <a:t> hace referencia al nivel siete (aplicación) del modelo OSI. Los estándares HL7 son desarrollados por la organización ANSI del mismo nombre. </a:t>
-            </a:r>
-            <a:endParaRPr lang="es-PE" sz="2000" dirty="0"/>
-          </a:p>
-        </p:txBody>
-      </p:sp>
     </p:spTree>
     <p:extLst>
       <p:ext uri="{BB962C8B-B14F-4D97-AF65-F5344CB8AC3E}">
@@ -4524,339 +6573,10 @@
 </p:sld>
 </file>
 
-<file path=ppt/slides/slide8.xml><?xml version="1.0" encoding="utf-8"?>
-<p:sld xmlns:a="http://schemas.openxmlformats.org/drawingml/2006/main" xmlns:r="http://schemas.openxmlformats.org/officeDocument/2006/relationships" xmlns:p="http://schemas.openxmlformats.org/presentationml/2006/main">
-  <p:cSld>
-    <p:spTree>
-      <p:nvGrpSpPr>
-        <p:cNvPr id="1" name=""/>
-        <p:cNvGrpSpPr/>
-        <p:nvPr/>
-      </p:nvGrpSpPr>
-      <p:grpSpPr>
-        <a:xfrm>
-          <a:off x="0" y="0"/>
-          <a:ext cx="0" cy="0"/>
-          <a:chOff x="0" y="0"/>
-          <a:chExt cx="0" cy="0"/>
-        </a:xfrm>
-      </p:grpSpPr>
-      <p:sp>
-        <p:nvSpPr>
-          <p:cNvPr id="2" name="Título 1"/>
-          <p:cNvSpPr>
-            <a:spLocks noGrp="1"/>
-          </p:cNvSpPr>
-          <p:nvPr>
-            <p:ph type="title"/>
-          </p:nvPr>
-        </p:nvSpPr>
-        <p:spPr/>
-        <p:txBody>
-          <a:bodyPr>
-            <a:normAutofit/>
-          </a:bodyPr>
-          <a:lstStyle/>
-          <a:p>
-            <a:pPr algn="ctr"/>
-            <a:r>
-              <a:rPr lang="es-PE" sz="3600" b="1" dirty="0" smtClean="0"/>
-              <a:t>LEY DE TRANSPARENCIA Y ACCESO A LA INFORMACIÓN PÚBLICA – LEY N° 27806</a:t>
-            </a:r>
-            <a:endParaRPr lang="es-PE" sz="3600" b="1" dirty="0"/>
-          </a:p>
-        </p:txBody>
-      </p:sp>
-      <p:sp>
-        <p:nvSpPr>
-          <p:cNvPr id="3" name="Marcador de contenido 2"/>
-          <p:cNvSpPr>
-            <a:spLocks noGrp="1"/>
-          </p:cNvSpPr>
-          <p:nvPr>
-            <p:ph sz="half" idx="1"/>
-          </p:nvPr>
-        </p:nvSpPr>
-        <p:spPr>
-          <a:xfrm>
-            <a:off x="838200" y="1825625"/>
-            <a:ext cx="5181600" cy="4780448"/>
-          </a:xfrm>
-        </p:spPr>
-        <p:txBody>
-          <a:bodyPr>
-            <a:normAutofit fontScale="85000" lnSpcReduction="20000"/>
-          </a:bodyPr>
-          <a:lstStyle/>
-          <a:p>
-            <a:pPr marL="0" indent="0">
-              <a:buNone/>
-            </a:pPr>
-            <a:r>
-              <a:rPr lang="es-PE" b="1" dirty="0"/>
-              <a:t>Artículo 1º.- Alcance de la Ley </a:t>
-            </a:r>
-          </a:p>
-          <a:p>
-            <a:r>
-              <a:rPr lang="es-PE" dirty="0"/>
-              <a:t> La presente Ley tiene por finalidad promover la transparencia de los actos del Estado y </a:t>
-            </a:r>
-            <a:r>
-              <a:rPr lang="es-PE" dirty="0" smtClean="0"/>
-              <a:t>regular </a:t>
-            </a:r>
-            <a:r>
-              <a:rPr lang="es-PE" dirty="0"/>
-              <a:t>el derecho fundamental del acceso a la información consagrado en el numeral 5 del </a:t>
-            </a:r>
-            <a:endParaRPr lang="es-PE" dirty="0" smtClean="0"/>
-          </a:p>
-          <a:p>
-            <a:pPr marL="0" indent="0">
-              <a:buNone/>
-            </a:pPr>
-            <a:r>
-              <a:rPr lang="es-PE" b="1" dirty="0"/>
-              <a:t>Artículo 2º.- Entidades de la Administración Pública </a:t>
-            </a:r>
-            <a:endParaRPr lang="es-PE" b="1" dirty="0" smtClean="0"/>
-          </a:p>
-          <a:p>
-            <a:r>
-              <a:rPr lang="es-PE" dirty="0"/>
-              <a:t>Para efectos de la presente Ley se entiende por entidades de la Administración Pública </a:t>
-            </a:r>
-            <a:r>
-              <a:rPr lang="es-PE" dirty="0" smtClean="0"/>
-              <a:t>a </a:t>
-            </a:r>
-            <a:r>
-              <a:rPr lang="es-PE" dirty="0"/>
-              <a:t>las señaladas en el Artículo I del Título Preliminar de la Ley Nº </a:t>
-            </a:r>
-            <a:r>
-              <a:rPr lang="es-PE" dirty="0" smtClean="0"/>
-              <a:t>27444</a:t>
-            </a:r>
-            <a:r>
-              <a:rPr lang="es-PE" dirty="0"/>
-              <a:t>.</a:t>
-            </a:r>
-            <a:endParaRPr lang="es-PE" b="1" dirty="0" smtClean="0"/>
-          </a:p>
-          <a:p>
-            <a:pPr marL="0" indent="0">
-              <a:buNone/>
-            </a:pPr>
-            <a:endParaRPr lang="es-PE" b="1" dirty="0"/>
-          </a:p>
-          <a:p>
-            <a:pPr marL="0" indent="0">
-              <a:buNone/>
-            </a:pPr>
-            <a:endParaRPr lang="es-PE" dirty="0"/>
-          </a:p>
-        </p:txBody>
-      </p:sp>
-      <p:sp>
-        <p:nvSpPr>
-          <p:cNvPr id="4" name="Marcador de contenido 3"/>
-          <p:cNvSpPr>
-            <a:spLocks noGrp="1"/>
-          </p:cNvSpPr>
-          <p:nvPr>
-            <p:ph sz="half" idx="2"/>
-          </p:nvPr>
-        </p:nvSpPr>
-        <p:spPr/>
-        <p:txBody>
-          <a:bodyPr>
-            <a:normAutofit fontScale="85000" lnSpcReduction="20000"/>
-          </a:bodyPr>
-          <a:lstStyle/>
-          <a:p>
-            <a:pPr marL="0" indent="0">
-              <a:buNone/>
-            </a:pPr>
-            <a:r>
-              <a:rPr lang="es-PE" b="1" dirty="0"/>
-              <a:t>Artículo 3º.- Principio de publicidad </a:t>
-            </a:r>
-          </a:p>
-          <a:p>
-            <a:r>
-              <a:rPr lang="es-PE" dirty="0"/>
-              <a:t> Todas las actividades y disposiciones de las entidades comprendidas en la </a:t>
-            </a:r>
-            <a:r>
-              <a:rPr lang="es-PE" dirty="0" smtClean="0"/>
-              <a:t>presente, la Ley </a:t>
-            </a:r>
-            <a:r>
-              <a:rPr lang="es-PE" dirty="0"/>
-              <a:t>están sometidas al principio de publicidad. </a:t>
-            </a:r>
-          </a:p>
-          <a:p>
-            <a:r>
-              <a:rPr lang="es-PE" dirty="0"/>
-              <a:t> Los funcionarios responsables de brindar la información </a:t>
-            </a:r>
-            <a:r>
-              <a:rPr lang="es-PE" dirty="0" smtClean="0"/>
-              <a:t>correspondiente </a:t>
-            </a:r>
-            <a:r>
-              <a:rPr lang="es-PE" dirty="0"/>
-              <a:t>al área de su </a:t>
-            </a:r>
-            <a:r>
-              <a:rPr lang="es-PE" dirty="0" smtClean="0"/>
-              <a:t>competencia </a:t>
-            </a:r>
-            <a:r>
-              <a:rPr lang="es-PE" dirty="0"/>
-              <a:t>deberán prever una adecuada infraestructura, así como la organización, </a:t>
-            </a:r>
-            <a:r>
-              <a:rPr lang="es-PE" dirty="0" smtClean="0"/>
-              <a:t>sistematización </a:t>
-            </a:r>
-            <a:r>
-              <a:rPr lang="es-PE" dirty="0"/>
-              <a:t>y publicación de la información a la que se refiere esta Ley</a:t>
-            </a:r>
-            <a:r>
-              <a:rPr lang="es-PE" dirty="0" smtClean="0"/>
-              <a:t>.</a:t>
-            </a:r>
-          </a:p>
-          <a:p>
-            <a:pPr marL="0" indent="0">
-              <a:buNone/>
-            </a:pPr>
-            <a:r>
-              <a:rPr lang="es-PE" dirty="0" smtClean="0"/>
-              <a:t> </a:t>
-            </a:r>
-            <a:endParaRPr lang="es-PE" dirty="0"/>
-          </a:p>
-          <a:p>
-            <a:pPr marL="0" indent="0">
-              <a:buNone/>
-            </a:pPr>
-            <a:endParaRPr lang="es-PE" dirty="0"/>
-          </a:p>
-        </p:txBody>
-      </p:sp>
-    </p:spTree>
-    <p:extLst>
-      <p:ext uri="{BB962C8B-B14F-4D97-AF65-F5344CB8AC3E}">
-        <p14:creationId xmlns:p14="http://schemas.microsoft.com/office/powerpoint/2010/main" val="2346514276"/>
-      </p:ext>
-    </p:extLst>
-  </p:cSld>
-  <p:clrMapOvr>
-    <a:masterClrMapping/>
-  </p:clrMapOvr>
-  <p:timing>
-    <p:tnLst>
-      <p:par>
-        <p:cTn id="1" dur="indefinite" restart="never" nodeType="tmRoot"/>
-      </p:par>
-    </p:tnLst>
-  </p:timing>
-</p:sld>
-</file>
-
-<file path=ppt/slides/slide9.xml><?xml version="1.0" encoding="utf-8"?>
-<p:sld xmlns:a="http://schemas.openxmlformats.org/drawingml/2006/main" xmlns:r="http://schemas.openxmlformats.org/officeDocument/2006/relationships" xmlns:p="http://schemas.openxmlformats.org/presentationml/2006/main">
-  <p:cSld>
-    <p:spTree>
-      <p:nvGrpSpPr>
-        <p:cNvPr id="1" name=""/>
-        <p:cNvGrpSpPr/>
-        <p:nvPr/>
-      </p:nvGrpSpPr>
-      <p:grpSpPr>
-        <a:xfrm>
-          <a:off x="0" y="0"/>
-          <a:ext cx="0" cy="0"/>
-          <a:chOff x="0" y="0"/>
-          <a:chExt cx="0" cy="0"/>
-        </a:xfrm>
-      </p:grpSpPr>
-      <p:sp>
-        <p:nvSpPr>
-          <p:cNvPr id="2" name="Título 1"/>
-          <p:cNvSpPr>
-            <a:spLocks noGrp="1"/>
-          </p:cNvSpPr>
-          <p:nvPr>
-            <p:ph type="title"/>
-          </p:nvPr>
-        </p:nvSpPr>
-        <p:spPr/>
-        <p:txBody>
-          <a:bodyPr/>
-          <a:lstStyle/>
-          <a:p>
-            <a:r>
-              <a:rPr lang="es-PE" b="1" dirty="0" smtClean="0"/>
-              <a:t>IMPLANTACIÓN DE EDI</a:t>
-            </a:r>
-            <a:endParaRPr lang="es-PE" b="1" dirty="0"/>
-          </a:p>
-        </p:txBody>
-      </p:sp>
-      <p:sp>
-        <p:nvSpPr>
-          <p:cNvPr id="3" name="Marcador de contenido 2"/>
-          <p:cNvSpPr>
-            <a:spLocks noGrp="1"/>
-          </p:cNvSpPr>
-          <p:nvPr>
-            <p:ph idx="1"/>
-          </p:nvPr>
-        </p:nvSpPr>
-        <p:spPr/>
-        <p:txBody>
-          <a:bodyPr/>
-          <a:lstStyle/>
-          <a:p>
-            <a:r>
-              <a:rPr lang="es-PE" dirty="0" smtClean="0"/>
-              <a:t>El proceso de implantación de EDI, como el de cualquier otra Tecnología de la Información, es complicado, puesto que modifica la forma de trabajar de la empresa, pudiéndose considerar como un instrumento que conlleva un cambio cultural. Este proceso debe encargarse a un equipo de proyecto con una amplia base multifuncional, representando a todos los departamentos afectados por EDI; de esta forma se maximizan los esfuerzos del trabajo al existir tanto un apoyo como un conocimiento de las áreas que se beneficiarán/modificarán con el sistema (fundamentalmente Compras, Ventas, Marketing, Contabilidad, Finanzas y Administración General). </a:t>
-            </a:r>
-            <a:endParaRPr lang="es-PE" dirty="0"/>
-          </a:p>
-        </p:txBody>
-      </p:sp>
-    </p:spTree>
-    <p:extLst>
-      <p:ext uri="{BB962C8B-B14F-4D97-AF65-F5344CB8AC3E}">
-        <p14:creationId xmlns:p14="http://schemas.microsoft.com/office/powerpoint/2010/main" val="117859338"/>
-      </p:ext>
-    </p:extLst>
-  </p:cSld>
-  <p:clrMapOvr>
-    <a:masterClrMapping/>
-  </p:clrMapOvr>
-  <p:timing>
-    <p:tnLst>
-      <p:par>
-        <p:cTn id="1" dur="indefinite" restart="never" nodeType="tmRoot"/>
-      </p:par>
-    </p:tnLst>
-  </p:timing>
-</p:sld>
-</file>
-
 <file path=ppt/theme/theme1.xml><?xml version="1.0" encoding="utf-8"?>
-<a:theme xmlns:a="http://schemas.openxmlformats.org/drawingml/2006/main" name="Tema de Office">
+<a:theme xmlns:a="http://schemas.openxmlformats.org/drawingml/2006/main" name="Transmisión de listas">
   <a:themeElements>
-    <a:clrScheme name="Office">
+    <a:clrScheme name="Transmisión de listas">
       <a:dk1>
         <a:sysClr val="windowText" lastClr="000000"/>
       </a:dk1>
@@ -4864,52 +6584,52 @@
         <a:sysClr val="window" lastClr="FFFFFF"/>
       </a:lt1>
       <a:dk2>
-        <a:srgbClr val="44546A"/>
+        <a:srgbClr val="212745"/>
       </a:dk2>
       <a:lt2>
-        <a:srgbClr val="E7E6E6"/>
+        <a:srgbClr val="B4DCFA"/>
       </a:lt2>
       <a:accent1>
-        <a:srgbClr val="5B9BD5"/>
+        <a:srgbClr val="4E67C8"/>
       </a:accent1>
       <a:accent2>
-        <a:srgbClr val="ED7D31"/>
+        <a:srgbClr val="5ECCF3"/>
       </a:accent2>
       <a:accent3>
-        <a:srgbClr val="A5A5A5"/>
+        <a:srgbClr val="A7EA52"/>
       </a:accent3>
       <a:accent4>
-        <a:srgbClr val="FFC000"/>
+        <a:srgbClr val="5DCEAF"/>
       </a:accent4>
       <a:accent5>
-        <a:srgbClr val="4472C4"/>
+        <a:srgbClr val="FF8021"/>
       </a:accent5>
       <a:accent6>
-        <a:srgbClr val="70AD47"/>
+        <a:srgbClr val="F14124"/>
       </a:accent6>
       <a:hlink>
-        <a:srgbClr val="0563C1"/>
+        <a:srgbClr val="56C7AA"/>
       </a:hlink>
       <a:folHlink>
-        <a:srgbClr val="954F72"/>
+        <a:srgbClr val="59A8D1"/>
       </a:folHlink>
     </a:clrScheme>
-    <a:fontScheme name="Office">
+    <a:fontScheme name="Transmisión de listas">
       <a:majorFont>
-        <a:latin typeface="Calibri Light" panose="020F0302020204030204"/>
+        <a:latin typeface="Trebuchet MS"/>
         <a:ea typeface=""/>
         <a:cs typeface=""/>
-        <a:font script="Jpan" typeface="ＭＳ Ｐゴシック"/>
-        <a:font script="Hang" typeface="맑은 고딕"/>
-        <a:font script="Hans" typeface="宋体"/>
-        <a:font script="Hant" typeface="新細明體"/>
-        <a:font script="Arab" typeface="Times New Roman"/>
-        <a:font script="Hebr" typeface="Times New Roman"/>
-        <a:font script="Thai" typeface="Angsana New"/>
+        <a:font script="Jpan" typeface="HGｺﾞｼｯｸM"/>
+        <a:font script="Hang" typeface="HY그래픽B"/>
+        <a:font script="Hans" typeface="方正姚体"/>
+        <a:font script="Hant" typeface="微軟正黑體"/>
+        <a:font script="Arab" typeface="Tahoma"/>
+        <a:font script="Hebr" typeface="Gisha"/>
+        <a:font script="Thai" typeface="IrisUPC"/>
         <a:font script="Ethi" typeface="Nyala"/>
         <a:font script="Beng" typeface="Vrinda"/>
         <a:font script="Gujr" typeface="Shruti"/>
-        <a:font script="Khmr" typeface="MoolBoran"/>
+        <a:font script="Khmr" typeface="DaunPenh"/>
         <a:font script="Knda" typeface="Tunga"/>
         <a:font script="Guru" typeface="Raavi"/>
         <a:font script="Cans" typeface="Euphemia"/>
@@ -4926,21 +6646,21 @@
         <a:font script="Laoo" typeface="DokChampa"/>
         <a:font script="Sinh" typeface="Iskoola Pota"/>
         <a:font script="Mong" typeface="Mongolian Baiti"/>
-        <a:font script="Viet" typeface="Times New Roman"/>
+        <a:font script="Viet" typeface="Tahoma"/>
         <a:font script="Uigh" typeface="Microsoft Uighur"/>
         <a:font script="Geor" typeface="Sylfaen"/>
       </a:majorFont>
       <a:minorFont>
-        <a:latin typeface="Calibri" panose="020F0502020204030204"/>
+        <a:latin typeface="Trebuchet MS"/>
         <a:ea typeface=""/>
         <a:cs typeface=""/>
-        <a:font script="Jpan" typeface="ＭＳ Ｐゴシック"/>
-        <a:font script="Hang" typeface="맑은 고딕"/>
-        <a:font script="Hans" typeface="宋体"/>
-        <a:font script="Hant" typeface="新細明體"/>
-        <a:font script="Arab" typeface="Arial"/>
-        <a:font script="Hebr" typeface="Arial"/>
-        <a:font script="Thai" typeface="Cordia New"/>
+        <a:font script="Jpan" typeface="HGｺﾞｼｯｸM"/>
+        <a:font script="Hang" typeface="HY그래픽M"/>
+        <a:font script="Hans" typeface="方正姚体"/>
+        <a:font script="Hant" typeface="微軟正黑體"/>
+        <a:font script="Arab" typeface="Tahoma"/>
+        <a:font script="Hebr" typeface="Gisha"/>
+        <a:font script="Thai" typeface="IrisUPC"/>
         <a:font script="Ethi" typeface="Nyala"/>
         <a:font script="Beng" typeface="Vrinda"/>
         <a:font script="Gujr" typeface="Shruti"/>
@@ -4966,32 +6686,25 @@
         <a:font script="Geor" typeface="Sylfaen"/>
       </a:minorFont>
     </a:fontScheme>
-    <a:fmtScheme name="Office">
+    <a:fmtScheme name="Transmisión de listas">
       <a:fillStyleLst>
         <a:solidFill>
           <a:schemeClr val="phClr"/>
         </a:solidFill>
         <a:gradFill rotWithShape="1">
           <a:gsLst>
-            <a:gs pos="0">
+            <a:gs pos="28000">
               <a:schemeClr val="phClr">
-                <a:lumMod val="110000"/>
-                <a:satMod val="105000"/>
-                <a:tint val="67000"/>
-              </a:schemeClr>
-            </a:gs>
-            <a:gs pos="50000">
-              <a:schemeClr val="phClr">
-                <a:lumMod val="105000"/>
-                <a:satMod val="103000"/>
-                <a:tint val="73000"/>
+                <a:tint val="18000"/>
+                <a:satMod val="120000"/>
+                <a:lumMod val="88000"/>
               </a:schemeClr>
             </a:gs>
             <a:gs pos="100000">
               <a:schemeClr val="phClr">
-                <a:lumMod val="105000"/>
-                <a:satMod val="109000"/>
-                <a:tint val="81000"/>
+                <a:tint val="40000"/>
+                <a:satMod val="100000"/>
+                <a:lumMod val="78000"/>
               </a:schemeClr>
             </a:gs>
           </a:gsLst>
@@ -5001,23 +6714,14 @@
           <a:gsLst>
             <a:gs pos="0">
               <a:schemeClr val="phClr">
-                <a:satMod val="103000"/>
-                <a:lumMod val="102000"/>
-                <a:tint val="94000"/>
-              </a:schemeClr>
-            </a:gs>
-            <a:gs pos="50000">
-              <a:schemeClr val="phClr">
-                <a:satMod val="110000"/>
-                <a:lumMod val="100000"/>
-                <a:shade val="100000"/>
+                <a:lumMod val="95000"/>
               </a:schemeClr>
             </a:gs>
             <a:gs pos="100000">
               <a:schemeClr val="phClr">
-                <a:lumMod val="99000"/>
-                <a:satMod val="120000"/>
-                <a:shade val="78000"/>
+                <a:shade val="82000"/>
+                <a:satMod val="125000"/>
+                <a:lumMod val="74000"/>
               </a:schemeClr>
             </a:gs>
           </a:gsLst>
@@ -5025,91 +6729,148 @@
         </a:gradFill>
       </a:fillStyleLst>
       <a:lnStyleLst>
-        <a:ln w="6350" cap="flat" cmpd="sng" algn="ctr">
+        <a:ln w="9525" cap="flat" cmpd="sng" algn="ctr">
           <a:solidFill>
             <a:schemeClr val="phClr"/>
           </a:solidFill>
           <a:prstDash val="solid"/>
-          <a:miter lim="800000"/>
         </a:ln>
-        <a:ln w="12700" cap="flat" cmpd="sng" algn="ctr">
+        <a:ln w="15875" cap="flat" cmpd="sng" algn="ctr">
+          <a:solidFill>
+            <a:schemeClr val="phClr">
+              <a:shade val="75000"/>
+              <a:satMod val="125000"/>
+              <a:lumMod val="75000"/>
+            </a:schemeClr>
+          </a:solidFill>
+          <a:prstDash val="solid"/>
+        </a:ln>
+        <a:ln w="25400" cap="flat" cmpd="sng" algn="ctr">
           <a:solidFill>
             <a:schemeClr val="phClr"/>
           </a:solidFill>
           <a:prstDash val="solid"/>
-          <a:miter lim="800000"/>
-        </a:ln>
-        <a:ln w="19050" cap="flat" cmpd="sng" algn="ctr">
-          <a:solidFill>
-            <a:schemeClr val="phClr"/>
-          </a:solidFill>
-          <a:prstDash val="solid"/>
-          <a:miter lim="800000"/>
         </a:ln>
       </a:lnStyleLst>
       <a:effectStyleLst>
         <a:effectStyle>
-          <a:effectLst/>
-        </a:effectStyle>
-        <a:effectStyle>
-          <a:effectLst/>
+          <a:effectLst>
+            <a:outerShdw blurRad="63500" dist="50800" dir="5400000" sx="98000" sy="98000" rotWithShape="0">
+              <a:srgbClr val="000000">
+                <a:alpha val="20000"/>
+              </a:srgbClr>
+            </a:outerShdw>
+          </a:effectLst>
         </a:effectStyle>
         <a:effectStyle>
           <a:effectLst>
-            <a:outerShdw blurRad="57150" dist="19050" dir="5400000" algn="ctr" rotWithShape="0">
+            <a:outerShdw blurRad="40005" dist="22984" dir="5400000" rotWithShape="0">
               <a:srgbClr val="000000">
-                <a:alpha val="63000"/>
+                <a:alpha val="45000"/>
               </a:srgbClr>
             </a:outerShdw>
           </a:effectLst>
+          <a:scene3d>
+            <a:camera prst="orthographicFront">
+              <a:rot lat="0" lon="0" rev="0"/>
+            </a:camera>
+            <a:lightRig rig="balanced" dir="tr"/>
+          </a:scene3d>
+          <a:sp3d prstMaterial="matte">
+            <a:bevelT w="19050" h="38100"/>
+          </a:sp3d>
+        </a:effectStyle>
+        <a:effectStyle>
+          <a:effectLst>
+            <a:reflection blurRad="38100" stA="26000" endPos="23000" dist="25400" dir="5400000" sy="-100000" rotWithShape="0"/>
+          </a:effectLst>
+          <a:scene3d>
+            <a:camera prst="orthographicFront">
+              <a:rot lat="0" lon="0" rev="0"/>
+            </a:camera>
+            <a:lightRig rig="balanced" dir="tr"/>
+          </a:scene3d>
+          <a:sp3d contourW="14605" prstMaterial="plastic">
+            <a:bevelT w="50800"/>
+            <a:contourClr>
+              <a:schemeClr val="phClr">
+                <a:shade val="30000"/>
+                <a:satMod val="120000"/>
+              </a:schemeClr>
+            </a:contourClr>
+          </a:sp3d>
         </a:effectStyle>
       </a:effectStyleLst>
       <a:bgFillStyleLst>
         <a:solidFill>
           <a:schemeClr val="phClr"/>
         </a:solidFill>
-        <a:solidFill>
-          <a:schemeClr val="phClr">
-            <a:tint val="95000"/>
-            <a:satMod val="170000"/>
-          </a:schemeClr>
-        </a:solidFill>
         <a:gradFill rotWithShape="1">
           <a:gsLst>
             <a:gs pos="0">
               <a:schemeClr val="phClr">
-                <a:tint val="93000"/>
-                <a:satMod val="150000"/>
-                <a:shade val="98000"/>
-                <a:lumMod val="102000"/>
+                <a:tint val="98000"/>
+                <a:shade val="90000"/>
+                <a:satMod val="160000"/>
+                <a:lumMod val="100000"/>
               </a:schemeClr>
             </a:gs>
-            <a:gs pos="50000">
+            <a:gs pos="60000">
               <a:schemeClr val="phClr">
-                <a:tint val="98000"/>
+                <a:tint val="95000"/>
+                <a:shade val="100000"/>
                 <a:satMod val="130000"/>
-                <a:shade val="90000"/>
-                <a:lumMod val="103000"/>
+                <a:lumMod val="130000"/>
               </a:schemeClr>
             </a:gs>
             <a:gs pos="100000">
               <a:schemeClr val="phClr">
-                <a:shade val="63000"/>
-                <a:satMod val="120000"/>
+                <a:tint val="97000"/>
+                <a:shade val="100000"/>
+                <a:hueMod val="100000"/>
+                <a:satMod val="140000"/>
+                <a:lumMod val="80000"/>
               </a:schemeClr>
             </a:gs>
           </a:gsLst>
-          <a:lin ang="5400000" scaled="0"/>
+          <a:path path="circle">
+            <a:fillToRect l="20000" t="10000" r="20000" b="60000"/>
+          </a:path>
+        </a:gradFill>
+        <a:gradFill rotWithShape="1">
+          <a:gsLst>
+            <a:gs pos="0">
+              <a:schemeClr val="phClr">
+                <a:tint val="94000"/>
+                <a:satMod val="160000"/>
+                <a:lumMod val="160000"/>
+              </a:schemeClr>
+            </a:gs>
+            <a:gs pos="42000">
+              <a:schemeClr val="phClr">
+                <a:tint val="94000"/>
+                <a:shade val="94000"/>
+                <a:satMod val="160000"/>
+                <a:lumMod val="130000"/>
+              </a:schemeClr>
+            </a:gs>
+            <a:gs pos="100000">
+              <a:schemeClr val="phClr">
+                <a:tint val="97000"/>
+                <a:shade val="94000"/>
+                <a:satMod val="180000"/>
+                <a:lumMod val="84000"/>
+              </a:schemeClr>
+            </a:gs>
+          </a:gsLst>
+          <a:path path="circle">
+            <a:fillToRect l="24000" t="44000" r="24000" b="12000"/>
+          </a:path>
         </a:gradFill>
       </a:bgFillStyleLst>
     </a:fmtScheme>
   </a:themeElements>
   <a:objectDefaults/>
   <a:extraClrSchemeLst/>
-  <a:extLst>
-    <a:ext uri="{05A4C25C-085E-4340-85A3-A5531E510DB2}">
-      <thm15:themeFamily xmlns:thm15="http://schemas.microsoft.com/office/thememl/2012/main" name="Office Theme" id="{62F939B6-93AF-4DB8-9C6B-D6C7DFDC589F}" vid="{4A3C46E8-61CC-4603-A589-7422A47A8E4A}"/>
-    </a:ext>
-  </a:extLst>
 </a:theme>
 </file>